--- a/Reinforcement Learning/RL 08.pptx
+++ b/Reinforcement Learning/RL 08.pptx
@@ -5,7 +5,7 @@
     <p:sldMasterId id="2147483648" r:id="rId1"/>
   </p:sldMasterIdLst>
   <p:notesMasterIdLst>
-    <p:notesMasterId r:id="rId39"/>
+    <p:notesMasterId r:id="rId27"/>
   </p:notesMasterIdLst>
   <p:sldIdLst>
     <p:sldId id="256" r:id="rId2"/>
@@ -33,18 +33,6 @@
     <p:sldId id="277" r:id="rId24"/>
     <p:sldId id="291" r:id="rId25"/>
     <p:sldId id="292" r:id="rId26"/>
-    <p:sldId id="290" r:id="rId27"/>
-    <p:sldId id="278" r:id="rId28"/>
-    <p:sldId id="279" r:id="rId29"/>
-    <p:sldId id="280" r:id="rId30"/>
-    <p:sldId id="281" r:id="rId31"/>
-    <p:sldId id="282" r:id="rId32"/>
-    <p:sldId id="283" r:id="rId33"/>
-    <p:sldId id="284" r:id="rId34"/>
-    <p:sldId id="285" r:id="rId35"/>
-    <p:sldId id="286" r:id="rId36"/>
-    <p:sldId id="287" r:id="rId37"/>
-    <p:sldId id="288" r:id="rId38"/>
   </p:sldIdLst>
   <p:sldSz cx="13444538" cy="7562850"/>
   <p:notesSz cx="10693400" cy="7562850"/>
@@ -263,7 +251,7 @@
               <a:rPr lang="ko-KR" altLang="en-US" smtClean="0">
                 <a:uFillTx/>
               </a:rPr>
-              <a:t>2018-02-23</a:t>
+              <a:t>2018. 2. 26.</a:t>
             </a:fld>
             <a:endParaRPr lang="ko-KR" altLang="en-US">
               <a:uFillTx/>
@@ -1019,7 +1007,7 @@
               <a:rPr lang="en-US">
                 <a:uFillTx/>
               </a:rPr>
-              <a:t>2/23/2018</a:t>
+              <a:t>2/26/18</a:t>
             </a:fld>
             <a:endParaRPr lang="en-US">
               <a:uFillTx/>
@@ -1328,7 +1316,7 @@
               <a:rPr lang="en-US">
                 <a:uFillTx/>
               </a:rPr>
-              <a:t>2/23/2018</a:t>
+              <a:t>2/26/18</a:t>
             </a:fld>
             <a:endParaRPr lang="en-US">
               <a:uFillTx/>
@@ -1610,7 +1598,7 @@
               <a:rPr lang="en-US">
                 <a:uFillTx/>
               </a:rPr>
-              <a:t>2/23/2018</a:t>
+              <a:t>2/26/18</a:t>
             </a:fld>
             <a:endParaRPr lang="en-US">
               <a:uFillTx/>
@@ -1818,7 +1806,7 @@
               <a:rPr lang="en-US">
                 <a:uFillTx/>
               </a:rPr>
-              <a:t>2/23/2018</a:t>
+              <a:t>2/26/18</a:t>
             </a:fld>
             <a:endParaRPr lang="en-US">
               <a:uFillTx/>
@@ -1989,7 +1977,7 @@
               <a:rPr lang="en-US">
                 <a:uFillTx/>
               </a:rPr>
-              <a:t>2/23/2018</a:t>
+              <a:t>2/26/18</a:t>
             </a:fld>
             <a:endParaRPr lang="en-US">
               <a:uFillTx/>
@@ -2195,7 +2183,7 @@
               <a:rPr kumimoji="1" lang="ko-KR" altLang="en-US" smtClean="0">
                 <a:uFillTx/>
               </a:rPr>
-              <a:t>2018-02-23</a:t>
+              <a:t>2018. 2. 26.</a:t>
             </a:fld>
             <a:endParaRPr kumimoji="1" lang="ko-KR" altLang="en-US">
               <a:uFillTx/>
@@ -2697,7 +2685,7 @@
               <a:rPr lang="en-US">
                 <a:uFillTx/>
               </a:rPr>
-              <a:t>2/23/2018</a:t>
+              <a:t>2/26/18</a:t>
             </a:fld>
             <a:endParaRPr lang="en-US">
               <a:uFillTx/>
@@ -3936,14 +3924,14 @@
           </a:p>
         </p:txBody>
       </p:sp>
-      <mc:AlternateContent xmlns:mc="http://schemas.openxmlformats.org/markup-compatibility/2006">
-        <mc:Choice xmlns:a14="http://schemas.microsoft.com/office/drawing/2010/main" Requires="a14">
+      <mc:AlternateContent xmlns:mc="http://schemas.openxmlformats.org/markup-compatibility/2006" xmlns:a14="http://schemas.microsoft.com/office/drawing/2010/main">
+        <mc:Choice Requires="a14">
           <p:sp>
             <p:nvSpPr>
               <p:cNvPr id="4" name="TextBox 6">
                 <a:extLst>
                   <a:ext uri="{FF2B5EF4-FFF2-40B4-BE49-F238E27FC236}">
-                    <a16:creationId xmlns:a16="http://schemas.microsoft.com/office/drawing/2014/main" id="{161F4700-CB70-4AAD-8848-51241BE55DB7}"/>
+                    <a16:creationId xmlns:a16="http://schemas.microsoft.com/office/drawing/2014/main" xmlns="" id="{161F4700-CB70-4AAD-8848-51241BE55DB7}"/>
                   </a:ext>
                 </a:extLst>
               </p:cNvPr>
@@ -4147,7 +4135,7 @@
                                 <a:lumOff val="35000"/>
                               </a:schemeClr>
                             </a:solidFill>
-                            <a:latin typeface="Cambria Math" panose="02040503050406030204" pitchFamily="18" charset="0"/>
+                            <a:latin typeface="Cambria Math" charset="0"/>
                             <a:cs typeface="Calibri" panose="020F0502020204030204" pitchFamily="34" charset="0"/>
                           </a:rPr>
                         </m:ctrlPr>
@@ -4222,7 +4210,7 @@
             </p:txBody>
           </p:sp>
         </mc:Choice>
-        <mc:Fallback>
+        <mc:Fallback xmlns="">
           <p:sp>
             <p:nvSpPr>
               <p:cNvPr id="4" name="TextBox 6">
@@ -4597,6 +4585,13 @@
   <p:clrMapOvr>
     <a:masterClrMapping/>
   </p:clrMapOvr>
+  <p:timing>
+    <p:tnLst>
+      <p:par>
+        <p:cTn id="1" dur="indefinite" restart="never" nodeType="tmRoot"/>
+      </p:par>
+    </p:tnLst>
+  </p:timing>
 </p:sld>
 </file>
 
@@ -4772,7 +4767,7 @@
         <p:spPr>
           <a:xfrm>
             <a:off x="854869" y="1495425"/>
-            <a:ext cx="6721475" cy="3831818"/>
+            <a:ext cx="6721475" cy="5078313"/>
           </a:xfrm>
           <a:prstGeom prst="rect">
             <a:avLst/>
@@ -4822,6 +4817,243 @@
             </a:r>
           </a:p>
           <a:p>
+            <a:pPr>
+              <a:lnSpc>
+                <a:spcPct val="150000"/>
+              </a:lnSpc>
+            </a:pPr>
+            <a:r>
+              <a:rPr lang="en-US" altLang="ko-KR" dirty="0">
+                <a:solidFill>
+                  <a:schemeClr val="tx1">
+                    <a:lumMod val="65000"/>
+                    <a:lumOff val="35000"/>
+                  </a:schemeClr>
+                </a:solidFill>
+                <a:uFillTx/>
+              </a:rPr>
+              <a:t>1. </a:t>
+            </a:r>
+            <a:r>
+              <a:rPr lang="en-US" altLang="ko-KR" b="1" dirty="0">
+                <a:solidFill>
+                  <a:schemeClr val="tx1">
+                    <a:lumMod val="65000"/>
+                    <a:lumOff val="35000"/>
+                  </a:schemeClr>
+                </a:solidFill>
+                <a:uFillTx/>
+              </a:rPr>
+              <a:t>State values (</a:t>
+            </a:r>
+            <a:r>
+              <a:rPr lang="en-US" altLang="ko-KR" b="1" i="1" dirty="0">
+                <a:solidFill>
+                  <a:schemeClr val="tx1">
+                    <a:lumMod val="65000"/>
+                    <a:lumOff val="35000"/>
+                  </a:schemeClr>
+                </a:solidFill>
+                <a:uFillTx/>
+              </a:rPr>
+              <a:t>v</a:t>
+            </a:r>
+            <a:r>
+              <a:rPr lang="en-US" altLang="ko-KR" b="1" dirty="0">
+                <a:solidFill>
+                  <a:schemeClr val="tx1">
+                    <a:lumMod val="65000"/>
+                    <a:lumOff val="35000"/>
+                  </a:schemeClr>
+                </a:solidFill>
+                <a:uFillTx/>
+              </a:rPr>
+              <a:t>)</a:t>
+            </a:r>
+            <a:r>
+              <a:rPr lang="en-US" altLang="ko-KR" dirty="0">
+                <a:solidFill>
+                  <a:schemeClr val="tx1">
+                    <a:lumMod val="65000"/>
+                    <a:lumOff val="35000"/>
+                  </a:schemeClr>
+                </a:solidFill>
+                <a:uFillTx/>
+              </a:rPr>
+              <a:t> or </a:t>
+            </a:r>
+            <a:r>
+              <a:rPr lang="en-US" altLang="ko-KR" b="1" dirty="0">
+                <a:solidFill>
+                  <a:schemeClr val="tx1">
+                    <a:lumMod val="65000"/>
+                    <a:lumOff val="35000"/>
+                  </a:schemeClr>
+                </a:solidFill>
+                <a:uFillTx/>
+              </a:rPr>
+              <a:t>action values (</a:t>
+            </a:r>
+            <a:r>
+              <a:rPr lang="en-US" altLang="ko-KR" b="1" i="1" dirty="0">
+                <a:solidFill>
+                  <a:schemeClr val="tx1">
+                    <a:lumMod val="65000"/>
+                    <a:lumOff val="35000"/>
+                  </a:schemeClr>
+                </a:solidFill>
+                <a:uFillTx/>
+              </a:rPr>
+              <a:t>q</a:t>
+            </a:r>
+            <a:r>
+              <a:rPr lang="en-US" altLang="ko-KR" b="1" dirty="0">
+                <a:solidFill>
+                  <a:schemeClr val="tx1">
+                    <a:lumMod val="65000"/>
+                    <a:lumOff val="35000"/>
+                  </a:schemeClr>
+                </a:solidFill>
+                <a:uFillTx/>
+              </a:rPr>
+              <a:t>)</a:t>
+            </a:r>
+          </a:p>
+          <a:p>
+            <a:pPr>
+              <a:lnSpc>
+                <a:spcPct val="150000"/>
+              </a:lnSpc>
+            </a:pPr>
+            <a:r>
+              <a:rPr lang="en-US" altLang="ko-KR" dirty="0">
+                <a:solidFill>
+                  <a:schemeClr val="tx1">
+                    <a:lumMod val="65000"/>
+                    <a:lumOff val="35000"/>
+                  </a:schemeClr>
+                </a:solidFill>
+                <a:uFillTx/>
+              </a:rPr>
+              <a:t>2. Value for the </a:t>
+            </a:r>
+            <a:r>
+              <a:rPr lang="en-US" altLang="ko-KR" b="1" dirty="0">
+                <a:solidFill>
+                  <a:schemeClr val="tx1">
+                    <a:lumMod val="65000"/>
+                    <a:lumOff val="35000"/>
+                  </a:schemeClr>
+                </a:solidFill>
+                <a:uFillTx/>
+              </a:rPr>
+              <a:t>optimal policy</a:t>
+            </a:r>
+            <a:r>
+              <a:rPr lang="en-US" altLang="ko-KR" dirty="0">
+                <a:solidFill>
+                  <a:schemeClr val="tx1">
+                    <a:lumMod val="65000"/>
+                    <a:lumOff val="35000"/>
+                  </a:schemeClr>
+                </a:solidFill>
+                <a:uFillTx/>
+              </a:rPr>
+              <a:t> or for an </a:t>
+            </a:r>
+            <a:r>
+              <a:rPr lang="en-US" altLang="ko-KR" b="1" dirty="0">
+                <a:solidFill>
+                  <a:schemeClr val="tx1">
+                    <a:lumMod val="65000"/>
+                    <a:lumOff val="35000"/>
+                  </a:schemeClr>
+                </a:solidFill>
+                <a:uFillTx/>
+              </a:rPr>
+              <a:t>arbitrary given policy</a:t>
+            </a:r>
+            <a:r>
+              <a:rPr lang="en-US" altLang="ko-KR" dirty="0">
+                <a:solidFill>
+                  <a:schemeClr val="tx1">
+                    <a:lumMod val="65000"/>
+                    <a:lumOff val="35000"/>
+                  </a:schemeClr>
+                </a:solidFill>
+                <a:uFillTx/>
+              </a:rPr>
+              <a:t>.</a:t>
+            </a:r>
+          </a:p>
+          <a:p>
+            <a:pPr>
+              <a:lnSpc>
+                <a:spcPct val="150000"/>
+              </a:lnSpc>
+            </a:pPr>
+            <a:r>
+              <a:rPr lang="en-US" altLang="ko-KR" dirty="0">
+                <a:solidFill>
+                  <a:schemeClr val="tx1">
+                    <a:lumMod val="65000"/>
+                    <a:lumOff val="35000"/>
+                  </a:schemeClr>
+                </a:solidFill>
+                <a:uFillTx/>
+              </a:rPr>
+              <a:t>3. </a:t>
+            </a:r>
+            <a:r>
+              <a:rPr lang="en-US" altLang="ko-KR" b="1" i="1" dirty="0">
+                <a:solidFill>
+                  <a:schemeClr val="tx1">
+                    <a:lumMod val="65000"/>
+                    <a:lumOff val="35000"/>
+                  </a:schemeClr>
+                </a:solidFill>
+                <a:uFillTx/>
+              </a:rPr>
+              <a:t>Expected updates</a:t>
+            </a:r>
+            <a:r>
+              <a:rPr lang="en-US" altLang="ko-KR" dirty="0">
+                <a:solidFill>
+                  <a:schemeClr val="tx1">
+                    <a:lumMod val="65000"/>
+                    <a:lumOff val="35000"/>
+                  </a:schemeClr>
+                </a:solidFill>
+                <a:uFillTx/>
+              </a:rPr>
+              <a:t> or </a:t>
+            </a:r>
+            <a:r>
+              <a:rPr lang="en-US" altLang="ko-KR" b="1" i="1" dirty="0">
+                <a:solidFill>
+                  <a:schemeClr val="tx1">
+                    <a:lumMod val="65000"/>
+                    <a:lumOff val="35000"/>
+                  </a:schemeClr>
+                </a:solidFill>
+                <a:uFillTx/>
+              </a:rPr>
+              <a:t>sample updates</a:t>
+            </a:r>
+            <a:r>
+              <a:rPr lang="en-US" altLang="ko-KR" dirty="0">
+                <a:solidFill>
+                  <a:schemeClr val="tx1">
+                    <a:lumMod val="65000"/>
+                    <a:lumOff val="35000"/>
+                  </a:schemeClr>
+                </a:solidFill>
+                <a:uFillTx/>
+              </a:rPr>
+              <a:t>.</a:t>
+            </a:r>
+          </a:p>
+          <a:p>
             <a:pPr marL="285750" indent="-285750">
               <a:lnSpc>
                 <a:spcPct val="150000"/>
@@ -4829,90 +5061,15 @@
               <a:buFontTx/>
               <a:buChar char="-"/>
             </a:pPr>
-            <a:r>
-              <a:rPr lang="en-US" altLang="ko-KR" b="1" dirty="0">
-                <a:solidFill>
-                  <a:schemeClr val="tx1">
-                    <a:lumMod val="65000"/>
-                    <a:lumOff val="35000"/>
-                  </a:schemeClr>
-                </a:solidFill>
-                <a:uFillTx/>
-              </a:rPr>
-              <a:t>State values (</a:t>
-            </a:r>
-            <a:r>
-              <a:rPr lang="en-US" altLang="ko-KR" b="1" i="1" dirty="0">
-                <a:solidFill>
-                  <a:schemeClr val="tx1">
-                    <a:lumMod val="65000"/>
-                    <a:lumOff val="35000"/>
-                  </a:schemeClr>
-                </a:solidFill>
-                <a:uFillTx/>
-              </a:rPr>
-              <a:t>v</a:t>
-            </a:r>
-            <a:r>
-              <a:rPr lang="en-US" altLang="ko-KR" b="1" dirty="0">
-                <a:solidFill>
-                  <a:schemeClr val="tx1">
-                    <a:lumMod val="65000"/>
-                    <a:lumOff val="35000"/>
-                  </a:schemeClr>
-                </a:solidFill>
-                <a:uFillTx/>
-              </a:rPr>
-              <a:t>)</a:t>
-            </a:r>
-            <a:r>
-              <a:rPr lang="en-US" altLang="ko-KR" dirty="0">
-                <a:solidFill>
-                  <a:schemeClr val="tx1">
-                    <a:lumMod val="65000"/>
-                    <a:lumOff val="35000"/>
-                  </a:schemeClr>
-                </a:solidFill>
-                <a:uFillTx/>
-              </a:rPr>
-              <a:t> or </a:t>
-            </a:r>
-            <a:r>
-              <a:rPr lang="en-US" altLang="ko-KR" b="1" dirty="0">
-                <a:solidFill>
-                  <a:schemeClr val="tx1">
-                    <a:lumMod val="65000"/>
-                    <a:lumOff val="35000"/>
-                  </a:schemeClr>
-                </a:solidFill>
-                <a:uFillTx/>
-              </a:rPr>
-              <a:t>action values (</a:t>
-            </a:r>
-            <a:r>
-              <a:rPr lang="en-US" altLang="ko-KR" b="1" i="1" dirty="0">
-                <a:solidFill>
-                  <a:schemeClr val="tx1">
-                    <a:lumMod val="65000"/>
-                    <a:lumOff val="35000"/>
-                  </a:schemeClr>
-                </a:solidFill>
-                <a:uFillTx/>
-              </a:rPr>
-              <a:t>q</a:t>
-            </a:r>
-            <a:r>
-              <a:rPr lang="en-US" altLang="ko-KR" b="1" dirty="0">
-                <a:solidFill>
-                  <a:schemeClr val="tx1">
-                    <a:lumMod val="65000"/>
-                    <a:lumOff val="35000"/>
-                  </a:schemeClr>
-                </a:solidFill>
-                <a:uFillTx/>
-              </a:rPr>
-              <a:t>)</a:t>
-            </a:r>
+            <a:endParaRPr lang="en-US" altLang="ko-KR" dirty="0">
+              <a:solidFill>
+                <a:schemeClr val="tx1">
+                  <a:lumMod val="65000"/>
+                  <a:lumOff val="35000"/>
+                </a:schemeClr>
+              </a:solidFill>
+              <a:uFillTx/>
+            </a:endParaRPr>
           </a:p>
           <a:p>
             <a:pPr marL="285750" indent="-285750">
@@ -4922,66 +5079,14 @@
               <a:buFontTx/>
               <a:buChar char="-"/>
             </a:pPr>
-            <a:r>
-              <a:rPr lang="en-US" altLang="ko-KR" dirty="0">
-                <a:solidFill>
-                  <a:schemeClr val="tx1">
-                    <a:lumMod val="65000"/>
-                    <a:lumOff val="35000"/>
-                  </a:schemeClr>
-                </a:solidFill>
-                <a:uFillTx/>
-              </a:rPr>
-              <a:t>Value for the </a:t>
-            </a:r>
-            <a:r>
-              <a:rPr lang="en-US" altLang="ko-KR" b="1" dirty="0">
-                <a:solidFill>
-                  <a:schemeClr val="tx1">
-                    <a:lumMod val="65000"/>
-                    <a:lumOff val="35000"/>
-                  </a:schemeClr>
-                </a:solidFill>
-                <a:uFillTx/>
-              </a:rPr>
-              <a:t>optimal policy</a:t>
-            </a:r>
-            <a:r>
-              <a:rPr lang="en-US" altLang="ko-KR" dirty="0">
-                <a:solidFill>
-                  <a:schemeClr val="tx1">
-                    <a:lumMod val="65000"/>
-                    <a:lumOff val="35000"/>
-                  </a:schemeClr>
-                </a:solidFill>
-                <a:uFillTx/>
-              </a:rPr>
-              <a:t> or for an </a:t>
-            </a:r>
-            <a:r>
-              <a:rPr lang="en-US" altLang="ko-KR" b="1" dirty="0">
-                <a:solidFill>
-                  <a:schemeClr val="tx1">
-                    <a:lumMod val="65000"/>
-                    <a:lumOff val="35000"/>
-                  </a:schemeClr>
-                </a:solidFill>
-                <a:uFillTx/>
-              </a:rPr>
-              <a:t>arbitrary given policy</a:t>
-            </a:r>
-            <a:r>
-              <a:rPr lang="en-US" altLang="ko-KR" dirty="0">
-                <a:solidFill>
-                  <a:schemeClr val="tx1">
-                    <a:lumMod val="65000"/>
-                    <a:lumOff val="35000"/>
-                  </a:schemeClr>
-                </a:solidFill>
-                <a:uFillTx/>
-              </a:rPr>
-              <a:t>.</a:t>
-            </a:r>
+            <a:endParaRPr lang="en-US" altLang="ko-KR" dirty="0">
+              <a:solidFill>
+                <a:schemeClr val="tx1">
+                  <a:lumMod val="65000"/>
+                  <a:lumOff val="35000"/>
+                </a:schemeClr>
+              </a:solidFill>
+            </a:endParaRPr>
           </a:p>
           <a:p>
             <a:pPr marL="285750" indent="-285750">
@@ -4991,54 +5096,15 @@
               <a:buFontTx/>
               <a:buChar char="-"/>
             </a:pPr>
-            <a:r>
-              <a:rPr lang="en-US" altLang="ko-KR" b="1" i="1" dirty="0">
-                <a:solidFill>
-                  <a:schemeClr val="tx1">
-                    <a:lumMod val="65000"/>
-                    <a:lumOff val="35000"/>
-                  </a:schemeClr>
-                </a:solidFill>
-                <a:uFillTx/>
-              </a:rPr>
-              <a:t>Expected updates</a:t>
-            </a:r>
-            <a:r>
-              <a:rPr lang="en-US" altLang="ko-KR" dirty="0">
-                <a:solidFill>
-                  <a:schemeClr val="tx1">
-                    <a:lumMod val="65000"/>
-                    <a:lumOff val="35000"/>
-                  </a:schemeClr>
-                </a:solidFill>
-                <a:uFillTx/>
-              </a:rPr>
-              <a:t> or </a:t>
-            </a:r>
-            <a:r>
-              <a:rPr lang="en-US" altLang="ko-KR" b="1" i="1" dirty="0">
-                <a:solidFill>
-                  <a:schemeClr val="tx1">
-                    <a:lumMod val="65000"/>
-                    <a:lumOff val="35000"/>
-                  </a:schemeClr>
-                </a:solidFill>
-                <a:uFillTx/>
-              </a:rPr>
-              <a:t>sample updates</a:t>
-            </a:r>
-            <a:r>
-              <a:rPr lang="en-US" altLang="ko-KR" dirty="0">
-                <a:solidFill>
-                  <a:schemeClr val="tx1">
-                    <a:lumMod val="65000"/>
-                    <a:lumOff val="35000"/>
-                  </a:schemeClr>
-                </a:solidFill>
-                <a:uFillTx/>
-              </a:rPr>
-              <a:t>.</a:t>
-            </a:r>
+            <a:endParaRPr lang="en-US" altLang="ko-KR" dirty="0">
+              <a:solidFill>
+                <a:schemeClr val="tx1">
+                  <a:lumMod val="65000"/>
+                  <a:lumOff val="35000"/>
+                </a:schemeClr>
+              </a:solidFill>
+              <a:uFillTx/>
+            </a:endParaRPr>
           </a:p>
           <a:p>
             <a:pPr marL="285750" indent="-285750">
@@ -5333,11 +5399,226 @@
           </a:fontRef>
         </p:style>
       </p:cxnSp>
+      <p:pic>
+        <p:nvPicPr>
+          <p:cNvPr id="7" name="그림 6">
+            <a:extLst>
+              <a:ext uri="{FF2B5EF4-FFF2-40B4-BE49-F238E27FC236}">
+                <a16:creationId xmlns:a16="http://schemas.microsoft.com/office/drawing/2014/main" xmlns="" id="{F5832224-771E-44A4-9A9C-8976669CC14C}"/>
+              </a:ext>
+            </a:extLst>
+          </p:cNvPr>
+          <p:cNvPicPr>
+            <a:picLocks noChangeAspect="1"/>
+          </p:cNvPicPr>
+          <p:nvPr/>
+        </p:nvPicPr>
+        <p:blipFill rotWithShape="1">
+          <a:blip r:embed="rId4">
+            <a:extLst>
+              <a:ext uri="{BEBA8EAE-BF5A-486C-A8C5-ECC9F3942E4B}">
+                <a14:imgProps xmlns:a14="http://schemas.microsoft.com/office/drawing/2010/main">
+                  <a14:imgLayer r:embed="rId5">
+                    <a14:imgEffect>
+                      <a14:sharpenSoften amount="25000"/>
+                    </a14:imgEffect>
+                  </a14:imgLayer>
+                </a14:imgProps>
+              </a:ext>
+            </a:extLst>
+          </a:blip>
+          <a:srcRect l="18976" t="-11440"/>
+          <a:stretch/>
+        </p:blipFill>
+        <p:spPr>
+          <a:xfrm>
+            <a:off x="11218069" y="960825"/>
+            <a:ext cx="1728737" cy="340468"/>
+          </a:xfrm>
+          <a:prstGeom prst="rect">
+            <a:avLst/>
+          </a:prstGeom>
+        </p:spPr>
+      </p:pic>
+      <p:pic>
+        <p:nvPicPr>
+          <p:cNvPr id="9" name="그림 8">
+            <a:extLst>
+              <a:ext uri="{FF2B5EF4-FFF2-40B4-BE49-F238E27FC236}">
+                <a16:creationId xmlns:a16="http://schemas.microsoft.com/office/drawing/2014/main" xmlns="" id="{0C855DA8-C4A8-4BCD-8D26-3F879D4ED061}"/>
+              </a:ext>
+            </a:extLst>
+          </p:cNvPr>
+          <p:cNvPicPr>
+            <a:picLocks noChangeAspect="1"/>
+          </p:cNvPicPr>
+          <p:nvPr/>
+        </p:nvPicPr>
+        <p:blipFill rotWithShape="1">
+          <a:blip r:embed="rId6">
+            <a:extLst>
+              <a:ext uri="{BEBA8EAE-BF5A-486C-A8C5-ECC9F3942E4B}">
+                <a14:imgProps xmlns:a14="http://schemas.microsoft.com/office/drawing/2010/main">
+                  <a14:imgLayer r:embed="rId7">
+                    <a14:imgEffect>
+                      <a14:sharpenSoften amount="50000"/>
+                    </a14:imgEffect>
+                  </a14:imgLayer>
+                </a14:imgProps>
+              </a:ext>
+            </a:extLst>
+          </a:blip>
+          <a:srcRect l="44836" t="-6629" r="1524" b="23502"/>
+          <a:stretch/>
+        </p:blipFill>
+        <p:spPr>
+          <a:xfrm>
+            <a:off x="11002894" y="3973801"/>
+            <a:ext cx="2227635" cy="340468"/>
+          </a:xfrm>
+          <a:prstGeom prst="rect">
+            <a:avLst/>
+          </a:prstGeom>
+        </p:spPr>
+      </p:pic>
+      <p:pic>
+        <p:nvPicPr>
+          <p:cNvPr id="10" name="그림 9">
+            <a:extLst>
+              <a:ext uri="{FF2B5EF4-FFF2-40B4-BE49-F238E27FC236}">
+                <a16:creationId xmlns:a16="http://schemas.microsoft.com/office/drawing/2014/main" xmlns="" id="{F072FCC1-F9FD-4D4E-B727-3711C991E5A9}"/>
+              </a:ext>
+            </a:extLst>
+          </p:cNvPr>
+          <p:cNvPicPr>
+            <a:picLocks noChangeAspect="1"/>
+          </p:cNvPicPr>
+          <p:nvPr/>
+        </p:nvPicPr>
+        <p:blipFill>
+          <a:blip r:embed="rId8">
+            <a:extLst>
+              <a:ext uri="{BEBA8EAE-BF5A-486C-A8C5-ECC9F3942E4B}">
+                <a14:imgProps xmlns:a14="http://schemas.microsoft.com/office/drawing/2010/main">
+                  <a14:imgLayer r:embed="rId9">
+                    <a14:imgEffect>
+                      <a14:sharpenSoften amount="50000"/>
+                    </a14:imgEffect>
+                  </a14:imgLayer>
+                </a14:imgProps>
+              </a:ext>
+            </a:extLst>
+          </a:blip>
+          <a:stretch>
+            <a:fillRect/>
+          </a:stretch>
+        </p:blipFill>
+        <p:spPr>
+          <a:xfrm>
+            <a:off x="10757017" y="5667432"/>
+            <a:ext cx="2719388" cy="299077"/>
+          </a:xfrm>
+          <a:prstGeom prst="rect">
+            <a:avLst/>
+          </a:prstGeom>
+        </p:spPr>
+      </p:pic>
+      <p:pic>
+        <p:nvPicPr>
+          <p:cNvPr id="11" name="그림 10">
+            <a:extLst>
+              <a:ext uri="{FF2B5EF4-FFF2-40B4-BE49-F238E27FC236}">
+                <a16:creationId xmlns:a16="http://schemas.microsoft.com/office/drawing/2014/main" xmlns="" id="{35207CAD-3E54-48C5-98CC-6BFF8407F057}"/>
+              </a:ext>
+            </a:extLst>
+          </p:cNvPr>
+          <p:cNvPicPr>
+            <a:picLocks noChangeAspect="1"/>
+          </p:cNvPicPr>
+          <p:nvPr/>
+        </p:nvPicPr>
+        <p:blipFill>
+          <a:blip r:embed="rId10">
+            <a:extLst>
+              <a:ext uri="{BEBA8EAE-BF5A-486C-A8C5-ECC9F3942E4B}">
+                <a14:imgProps xmlns:a14="http://schemas.microsoft.com/office/drawing/2010/main">
+                  <a14:imgLayer r:embed="rId11">
+                    <a14:imgEffect>
+                      <a14:sharpenSoften amount="50000"/>
+                    </a14:imgEffect>
+                  </a14:imgLayer>
+                </a14:imgProps>
+              </a:ext>
+            </a:extLst>
+          </a:blip>
+          <a:stretch>
+            <a:fillRect/>
+          </a:stretch>
+        </p:blipFill>
+        <p:spPr>
+          <a:xfrm>
+            <a:off x="5960268" y="2105025"/>
+            <a:ext cx="2895602" cy="457200"/>
+          </a:xfrm>
+          <a:prstGeom prst="rect">
+            <a:avLst/>
+          </a:prstGeom>
+        </p:spPr>
+      </p:pic>
+      <p:pic>
+        <p:nvPicPr>
+          <p:cNvPr id="12" name="그림 11">
+            <a:extLst>
+              <a:ext uri="{FF2B5EF4-FFF2-40B4-BE49-F238E27FC236}">
+                <a16:creationId xmlns:a16="http://schemas.microsoft.com/office/drawing/2014/main" xmlns="" id="{9AA2B445-FFB2-4454-AF3E-82F183607D09}"/>
+              </a:ext>
+            </a:extLst>
+          </p:cNvPr>
+          <p:cNvPicPr>
+            <a:picLocks noChangeAspect="1"/>
+          </p:cNvPicPr>
+          <p:nvPr/>
+        </p:nvPicPr>
+        <p:blipFill>
+          <a:blip r:embed="rId12">
+            <a:extLst>
+              <a:ext uri="{BEBA8EAE-BF5A-486C-A8C5-ECC9F3942E4B}">
+                <a14:imgProps xmlns:a14="http://schemas.microsoft.com/office/drawing/2010/main">
+                  <a14:imgLayer r:embed="rId13">
+                    <a14:imgEffect>
+                      <a14:sharpenSoften amount="50000"/>
+                    </a14:imgEffect>
+                  </a14:imgLayer>
+                </a14:imgProps>
+              </a:ext>
+            </a:extLst>
+          </a:blip>
+          <a:stretch>
+            <a:fillRect/>
+          </a:stretch>
+        </p:blipFill>
+        <p:spPr>
+          <a:xfrm>
+            <a:off x="5655469" y="3735176"/>
+            <a:ext cx="3048000" cy="522338"/>
+          </a:xfrm>
+          <a:prstGeom prst="rect">
+            <a:avLst/>
+          </a:prstGeom>
+        </p:spPr>
+      </p:pic>
     </p:spTree>
   </p:cSld>
   <p:clrMapOvr>
     <a:masterClrMapping/>
   </p:clrMapOvr>
+  <p:timing>
+    <p:tnLst>
+      <p:par>
+        <p:cTn id="1" dur="indefinite" restart="never" nodeType="tmRoot"/>
+      </p:par>
+    </p:tnLst>
+  </p:timing>
 </p:sld>
 </file>
 
@@ -5628,7 +5909,7 @@
         </p:blipFill>
         <p:spPr>
           <a:xfrm>
-            <a:off x="608495" y="3248025"/>
+            <a:off x="3445669" y="2939145"/>
             <a:ext cx="5885174" cy="3572258"/>
           </a:xfrm>
           <a:prstGeom prst="rect">
@@ -5636,89 +5917,18 @@
           </a:prstGeom>
         </p:spPr>
       </p:pic>
-      <p:sp>
-        <p:nvSpPr>
-          <p:cNvPr id="9" name="직사각형 8"/>
-          <p:cNvSpPr>
-            <a:spLocks/>
-          </p:cNvSpPr>
-          <p:nvPr/>
-        </p:nvSpPr>
-        <p:spPr>
-          <a:xfrm>
-            <a:off x="7027069" y="3066604"/>
-            <a:ext cx="5715000" cy="3000821"/>
-          </a:xfrm>
-          <a:prstGeom prst="rect">
-            <a:avLst/>
-          </a:prstGeom>
-        </p:spPr>
-        <p:txBody>
-          <a:bodyPr wrap="square">
-            <a:spAutoFit/>
-          </a:bodyPr>
-          <a:lstStyle/>
-          <a:p>
-            <a:pPr>
-              <a:lnSpc>
-                <a:spcPct val="150000"/>
-              </a:lnSpc>
-            </a:pPr>
-            <a:r>
-              <a:rPr lang="en-US" altLang="ko-KR" dirty="0">
-                <a:solidFill>
-                  <a:schemeClr val="accent6">
-                    <a:lumMod val="75000"/>
-                  </a:schemeClr>
-                </a:solidFill>
-                <a:uFillTx/>
-              </a:rPr>
-              <a:t>The advantage of sample update is probably an underestimate of the real effect.</a:t>
-            </a:r>
-          </a:p>
-          <a:p>
-            <a:pPr>
-              <a:lnSpc>
-                <a:spcPct val="150000"/>
-              </a:lnSpc>
-            </a:pPr>
-            <a:r>
-              <a:rPr lang="en-US" altLang="ko-KR" dirty="0">
-                <a:solidFill>
-                  <a:schemeClr val="accent6">
-                    <a:lumMod val="75000"/>
-                  </a:schemeClr>
-                </a:solidFill>
-                <a:uFillTx/>
-              </a:rPr>
-              <a:t>In a real problem, the values of the successor states would be estimates that are themselves updated. </a:t>
-            </a:r>
-          </a:p>
-          <a:p>
-            <a:pPr>
-              <a:lnSpc>
-                <a:spcPct val="150000"/>
-              </a:lnSpc>
-            </a:pPr>
-            <a:r>
-              <a:rPr lang="en-US" altLang="ko-KR" dirty="0">
-                <a:solidFill>
-                  <a:schemeClr val="accent6">
-                    <a:lumMod val="75000"/>
-                  </a:schemeClr>
-                </a:solidFill>
-                <a:uFillTx/>
-              </a:rPr>
-              <a:t>By causing estimates to be more accurate sooner, sample updates will have a second advantage in that the values backed up from the successor states will be more accurate. </a:t>
-            </a:r>
-          </a:p>
-        </p:txBody>
-      </p:sp>
     </p:spTree>
   </p:cSld>
   <p:clrMapOvr>
     <a:masterClrMapping/>
   </p:clrMapOvr>
+  <p:timing>
+    <p:tnLst>
+      <p:par>
+        <p:cTn id="1" dur="indefinite" restart="never" nodeType="tmRoot"/>
+      </p:par>
+    </p:tnLst>
+  </p:timing>
 </p:sld>
 </file>
 
@@ -5797,8 +6007,8 @@
         </p:nvSpPr>
         <p:spPr>
           <a:xfrm>
-            <a:off x="854869" y="1260679"/>
-            <a:ext cx="11277600" cy="3416320"/>
+            <a:off x="854869" y="1106592"/>
+            <a:ext cx="11277600" cy="3000821"/>
           </a:xfrm>
           <a:prstGeom prst="rect">
             <a:avLst/>
@@ -5829,12 +6039,10 @@
             </a:r>
           </a:p>
           <a:p>
-            <a:pPr marL="285750" indent="-285750">
+            <a:pPr>
               <a:lnSpc>
                 <a:spcPct val="150000"/>
               </a:lnSpc>
-              <a:buFontTx/>
-              <a:buChar char="-"/>
             </a:pPr>
             <a:r>
               <a:rPr lang="en-US" altLang="ko-KR" dirty="0">
@@ -5846,16 +6054,14 @@
                 </a:solidFill>
                 <a:uFillTx/>
               </a:rPr>
-              <a:t>Classical approach is to sweeps through entire state space.</a:t>
-            </a:r>
-          </a:p>
-          <a:p>
-            <a:pPr marL="285750" indent="-285750">
+              <a:t>1. Classical approach is to sweeps through entire state space.</a:t>
+            </a:r>
+          </a:p>
+          <a:p>
+            <a:pPr>
               <a:lnSpc>
                 <a:spcPct val="150000"/>
               </a:lnSpc>
-              <a:buFontTx/>
-              <a:buChar char="-"/>
             </a:pPr>
             <a:r>
               <a:rPr lang="en-US" altLang="ko-KR" dirty="0">
@@ -5867,7 +6073,7 @@
                 </a:solidFill>
                 <a:uFillTx/>
               </a:rPr>
-              <a:t>Second is to sample from the state or state-action space according to some distribution (on-policy distribution).</a:t>
+              <a:t>2. Second is to sample according to some distribution (on-policy distribution).</a:t>
             </a:r>
           </a:p>
           <a:p>
@@ -5911,17 +6117,52 @@
               </a:lnSpc>
             </a:pPr>
             <a:r>
-              <a:rPr lang="en-US" altLang="ko-KR" dirty="0">
-                <a:solidFill>
-                  <a:schemeClr val="tx1">
-                    <a:lumMod val="65000"/>
-                    <a:lumOff val="35000"/>
-                  </a:schemeClr>
-                </a:solidFill>
-                <a:uFillTx/>
+              <a:rPr lang="ko-KR" altLang="en-US" dirty="0">
+                <a:solidFill>
+                  <a:schemeClr val="tx1">
+                    <a:lumMod val="65000"/>
+                    <a:lumOff val="35000"/>
+                  </a:schemeClr>
+                </a:solidFill>
                 <a:sym typeface="Wingdings" panose="05000000000000000000" pitchFamily="2" charset="2"/>
               </a:rPr>
-              <a:t>Focusing on the on-policy distribution could be beneficial because it causes vast, uninteresting parts of the space to be ignored, or it could be detrimental because it causes the same old parts of the space to be updated over and over.</a:t>
+              <a:t>대부분의 </a:t>
+            </a:r>
+            <a:r>
+              <a:rPr lang="en-US" altLang="ko-KR" dirty="0">
+                <a:solidFill>
+                  <a:schemeClr val="tx1">
+                    <a:lumMod val="65000"/>
+                    <a:lumOff val="35000"/>
+                  </a:schemeClr>
+                </a:solidFill>
+                <a:sym typeface="Wingdings" panose="05000000000000000000" pitchFamily="2" charset="2"/>
+              </a:rPr>
+              <a:t>space</a:t>
+            </a:r>
+            <a:r>
+              <a:rPr lang="ko-KR" altLang="en-US" dirty="0">
+                <a:solidFill>
+                  <a:schemeClr val="tx1">
+                    <a:lumMod val="65000"/>
+                    <a:lumOff val="35000"/>
+                  </a:schemeClr>
+                </a:solidFill>
+                <a:sym typeface="Wingdings" panose="05000000000000000000" pitchFamily="2" charset="2"/>
+              </a:rPr>
+              <a:t>를 무시할 수 있어서 이점이 있는 반면</a:t>
+            </a:r>
+            <a:r>
+              <a:rPr lang="en-US" altLang="ko-KR" dirty="0">
+                <a:solidFill>
+                  <a:schemeClr val="tx1">
+                    <a:lumMod val="65000"/>
+                    <a:lumOff val="35000"/>
+                  </a:schemeClr>
+                </a:solidFill>
+                <a:sym typeface="Wingdings" panose="05000000000000000000" pitchFamily="2" charset="2"/>
+              </a:rPr>
+              <a:t>,</a:t>
             </a:r>
           </a:p>
           <a:p>
@@ -5930,6 +6171,66 @@
                 <a:spcPct val="150000"/>
               </a:lnSpc>
             </a:pPr>
+            <a:r>
+              <a:rPr lang="en-US" altLang="ko-KR" dirty="0">
+                <a:solidFill>
+                  <a:schemeClr val="tx1">
+                    <a:lumMod val="65000"/>
+                    <a:lumOff val="35000"/>
+                  </a:schemeClr>
+                </a:solidFill>
+                <a:sym typeface="Wingdings" panose="05000000000000000000" pitchFamily="2" charset="2"/>
+              </a:rPr>
+              <a:t>Same old parts of the space</a:t>
+            </a:r>
+            <a:r>
+              <a:rPr lang="ko-KR" altLang="en-US" dirty="0">
+                <a:solidFill>
+                  <a:schemeClr val="tx1">
+                    <a:lumMod val="65000"/>
+                    <a:lumOff val="35000"/>
+                  </a:schemeClr>
+                </a:solidFill>
+                <a:sym typeface="Wingdings" panose="05000000000000000000" pitchFamily="2" charset="2"/>
+              </a:rPr>
+              <a:t>만 계속해서 </a:t>
+            </a:r>
+            <a:r>
+              <a:rPr lang="en-US" altLang="ko-KR" dirty="0">
+                <a:solidFill>
+                  <a:schemeClr val="tx1">
+                    <a:lumMod val="65000"/>
+                    <a:lumOff val="35000"/>
+                  </a:schemeClr>
+                </a:solidFill>
+                <a:sym typeface="Wingdings" panose="05000000000000000000" pitchFamily="2" charset="2"/>
+              </a:rPr>
+              <a:t>update</a:t>
+            </a:r>
+            <a:r>
+              <a:rPr lang="ko-KR" altLang="en-US" dirty="0">
+                <a:solidFill>
+                  <a:schemeClr val="tx1">
+                    <a:lumMod val="65000"/>
+                    <a:lumOff val="35000"/>
+                  </a:schemeClr>
+                </a:solidFill>
+                <a:sym typeface="Wingdings" panose="05000000000000000000" pitchFamily="2" charset="2"/>
+              </a:rPr>
+              <a:t>하게 될 수 있다는 단점이 있다</a:t>
+            </a:r>
+            <a:r>
+              <a:rPr lang="en-US" altLang="ko-KR" dirty="0">
+                <a:solidFill>
+                  <a:schemeClr val="tx1">
+                    <a:lumMod val="65000"/>
+                    <a:lumOff val="35000"/>
+                  </a:schemeClr>
+                </a:solidFill>
+                <a:sym typeface="Wingdings" panose="05000000000000000000" pitchFamily="2" charset="2"/>
+              </a:rPr>
+              <a:t>.</a:t>
+            </a:r>
             <a:endParaRPr lang="en-US" altLang="ko-KR" dirty="0">
               <a:solidFill>
                 <a:schemeClr val="tx1">
@@ -5943,59 +6244,286 @@
           </a:p>
         </p:txBody>
       </p:sp>
-      <p:pic>
-        <p:nvPicPr>
-          <p:cNvPr id="4" name="그림 3"/>
-          <p:cNvPicPr>
-            <a:picLocks noChangeAspect="1"/>
-          </p:cNvPicPr>
+      <p:grpSp>
+        <p:nvGrpSpPr>
+          <p:cNvPr id="7" name="그룹 6">
+            <a:extLst>
+              <a:ext uri="{FF2B5EF4-FFF2-40B4-BE49-F238E27FC236}">
+                <a16:creationId xmlns:a16="http://schemas.microsoft.com/office/drawing/2014/main" xmlns="" id="{9E8B47BD-B2A0-4DCB-AACA-A7C08BBF3A0E}"/>
+              </a:ext>
+            </a:extLst>
+          </p:cNvPr>
+          <p:cNvGrpSpPr/>
           <p:nvPr/>
-        </p:nvPicPr>
-        <p:blipFill>
-          <a:blip r:embed="rId2"/>
-          <a:stretch>
-            <a:fillRect/>
-          </a:stretch>
-        </p:blipFill>
+        </p:nvGrpSpPr>
+        <p:grpSpPr>
+          <a:xfrm>
+            <a:off x="854869" y="4459390"/>
+            <a:ext cx="8199067" cy="2750753"/>
+            <a:chOff x="2226469" y="4459390"/>
+            <a:chExt cx="8199067" cy="2750753"/>
+          </a:xfrm>
+        </p:grpSpPr>
+        <p:pic>
+          <p:nvPicPr>
+            <p:cNvPr id="4" name="그림 3"/>
+            <p:cNvPicPr>
+              <a:picLocks noChangeAspect="1"/>
+            </p:cNvPicPr>
+            <p:nvPr/>
+          </p:nvPicPr>
+          <p:blipFill>
+            <a:blip r:embed="rId2"/>
+            <a:stretch>
+              <a:fillRect/>
+            </a:stretch>
+          </p:blipFill>
+          <p:spPr>
+            <a:xfrm>
+              <a:off x="2226469" y="4459390"/>
+              <a:ext cx="3931868" cy="2742983"/>
+            </a:xfrm>
+            <a:prstGeom prst="rect">
+              <a:avLst/>
+            </a:prstGeom>
+          </p:spPr>
+        </p:pic>
+        <p:pic>
+          <p:nvPicPr>
+            <p:cNvPr id="5" name="그림 4"/>
+            <p:cNvPicPr>
+              <a:picLocks noChangeAspect="1"/>
+            </p:cNvPicPr>
+            <p:nvPr/>
+          </p:nvPicPr>
+          <p:blipFill>
+            <a:blip r:embed="rId3"/>
+            <a:stretch>
+              <a:fillRect/>
+            </a:stretch>
+          </p:blipFill>
+          <p:spPr>
+            <a:xfrm>
+              <a:off x="6493669" y="4459390"/>
+              <a:ext cx="3931867" cy="2750753"/>
+            </a:xfrm>
+            <a:prstGeom prst="rect">
+              <a:avLst/>
+            </a:prstGeom>
+          </p:spPr>
+        </p:pic>
+        <p:sp>
+          <p:nvSpPr>
+            <p:cNvPr id="6" name="타원 5">
+              <a:extLst>
+                <a:ext uri="{FF2B5EF4-FFF2-40B4-BE49-F238E27FC236}">
+                  <a16:creationId xmlns:a16="http://schemas.microsoft.com/office/drawing/2014/main" xmlns="" id="{D0262FDE-D440-446C-95AF-0A59E55CACCD}"/>
+                </a:ext>
+              </a:extLst>
+            </p:cNvPr>
+            <p:cNvSpPr/>
+            <p:nvPr/>
+          </p:nvSpPr>
+          <p:spPr>
+            <a:xfrm>
+              <a:off x="4664869" y="4459390"/>
+              <a:ext cx="990600" cy="312635"/>
+            </a:xfrm>
+            <a:prstGeom prst="ellipse">
+              <a:avLst/>
+            </a:prstGeom>
+            <a:noFill/>
+            <a:ln w="12700">
+              <a:solidFill>
+                <a:srgbClr val="FF0000"/>
+              </a:solidFill>
+            </a:ln>
+          </p:spPr>
+          <p:style>
+            <a:lnRef idx="1">
+              <a:schemeClr val="accent1"/>
+            </a:lnRef>
+            <a:fillRef idx="1">
+              <a:schemeClr val="accent1"/>
+            </a:fillRef>
+            <a:effectRef idx="1">
+              <a:schemeClr val="accent1"/>
+            </a:effectRef>
+            <a:fontRef idx="minor">
+              <a:schemeClr val="lt1"/>
+            </a:fontRef>
+          </p:style>
+          <p:txBody>
+            <a:bodyPr rtlCol="0" anchor="ctr"/>
+            <a:lstStyle/>
+            <a:p>
+              <a:pPr algn="ctr"/>
+              <a:endParaRPr lang="ko-KR" altLang="en-US"/>
+            </a:p>
+          </p:txBody>
+        </p:sp>
+      </p:grpSp>
+      <p:sp>
+        <p:nvSpPr>
+          <p:cNvPr id="8" name="TextBox 7">
+            <a:extLst>
+              <a:ext uri="{FF2B5EF4-FFF2-40B4-BE49-F238E27FC236}">
+                <a16:creationId xmlns:a16="http://schemas.microsoft.com/office/drawing/2014/main" xmlns="" id="{7E2B8D22-E9E2-4E00-9337-4704ACA1C448}"/>
+              </a:ext>
+            </a:extLst>
+          </p:cNvPr>
+          <p:cNvSpPr txBox="1"/>
+          <p:nvPr/>
+        </p:nvSpPr>
         <p:spPr>
           <a:xfrm>
-            <a:off x="2124241" y="4669164"/>
-            <a:ext cx="3931868" cy="2742983"/>
+            <a:off x="9160669" y="4687133"/>
+            <a:ext cx="3931867" cy="1354217"/>
           </a:xfrm>
           <a:prstGeom prst="rect">
             <a:avLst/>
           </a:prstGeom>
         </p:spPr>
-      </p:pic>
-      <p:pic>
-        <p:nvPicPr>
-          <p:cNvPr id="5" name="그림 4"/>
-          <p:cNvPicPr>
-            <a:picLocks noChangeAspect="1"/>
-          </p:cNvPicPr>
-          <p:nvPr/>
-        </p:nvPicPr>
-        <p:blipFill>
-          <a:blip r:embed="rId3"/>
-          <a:stretch>
-            <a:fillRect/>
-          </a:stretch>
-        </p:blipFill>
-        <p:spPr>
-          <a:xfrm>
-            <a:off x="6067002" y="4676999"/>
-            <a:ext cx="3931867" cy="2750753"/>
-          </a:xfrm>
-          <a:prstGeom prst="rect">
-            <a:avLst/>
-          </a:prstGeom>
-        </p:spPr>
-      </p:pic>
+        <p:txBody>
+          <a:bodyPr wrap="square" rtlCol="0">
+            <a:spAutoFit/>
+          </a:bodyPr>
+          <a:lstStyle/>
+          <a:p>
+            <a:r>
+              <a:rPr lang="ko-KR" altLang="en-US" sz="1600" dirty="0">
+                <a:solidFill>
+                  <a:schemeClr val="tx1">
+                    <a:lumMod val="65000"/>
+                    <a:lumOff val="35000"/>
+                  </a:schemeClr>
+                </a:solidFill>
+              </a:rPr>
+              <a:t>초반에는 가능한 </a:t>
+            </a:r>
+            <a:r>
+              <a:rPr lang="en-US" altLang="ko-KR" sz="1600" dirty="0">
+                <a:solidFill>
+                  <a:schemeClr val="tx1">
+                    <a:lumMod val="65000"/>
+                    <a:lumOff val="35000"/>
+                  </a:schemeClr>
+                </a:solidFill>
+              </a:rPr>
+              <a:t>state</a:t>
+            </a:r>
+            <a:r>
+              <a:rPr lang="ko-KR" altLang="en-US" sz="1600" dirty="0">
+                <a:solidFill>
+                  <a:schemeClr val="tx1">
+                    <a:lumMod val="65000"/>
+                    <a:lumOff val="35000"/>
+                  </a:schemeClr>
+                </a:solidFill>
+              </a:rPr>
+              <a:t>들에 집중하기 때문에 좋은 성능을 내지만</a:t>
+            </a:r>
+            <a:endParaRPr lang="en-US" altLang="ko-KR" sz="1600" dirty="0">
+              <a:solidFill>
+                <a:schemeClr val="tx1">
+                  <a:lumMod val="65000"/>
+                  <a:lumOff val="35000"/>
+                </a:schemeClr>
+              </a:solidFill>
+            </a:endParaRPr>
+          </a:p>
+          <a:p>
+            <a:r>
+              <a:rPr lang="ko-KR" altLang="en-US" sz="1600" dirty="0">
+                <a:solidFill>
+                  <a:schemeClr val="tx1">
+                    <a:lumMod val="65000"/>
+                    <a:lumOff val="35000"/>
+                  </a:schemeClr>
+                </a:solidFill>
+              </a:rPr>
+              <a:t>후반에는</a:t>
+            </a:r>
+            <a:r>
+              <a:rPr lang="en-US" altLang="ko-KR" sz="1600" dirty="0">
+                <a:solidFill>
+                  <a:schemeClr val="tx1">
+                    <a:lumMod val="65000"/>
+                    <a:lumOff val="35000"/>
+                  </a:schemeClr>
+                </a:solidFill>
+              </a:rPr>
+              <a:t> </a:t>
+            </a:r>
+            <a:r>
+              <a:rPr lang="ko-KR" altLang="en-US" sz="1600" dirty="0">
+                <a:solidFill>
+                  <a:schemeClr val="tx1">
+                    <a:lumMod val="65000"/>
+                    <a:lumOff val="35000"/>
+                  </a:schemeClr>
+                </a:solidFill>
+              </a:rPr>
+              <a:t>이미 잘 예측된 </a:t>
+            </a:r>
+            <a:r>
+              <a:rPr lang="en-US" altLang="ko-KR" sz="1600" dirty="0">
+                <a:solidFill>
+                  <a:schemeClr val="tx1">
+                    <a:lumMod val="65000"/>
+                    <a:lumOff val="35000"/>
+                  </a:schemeClr>
+                </a:solidFill>
+              </a:rPr>
+              <a:t>state</a:t>
+            </a:r>
+            <a:r>
+              <a:rPr lang="ko-KR" altLang="en-US" sz="1600" dirty="0">
+                <a:solidFill>
+                  <a:schemeClr val="tx1">
+                    <a:lumMod val="65000"/>
+                    <a:lumOff val="35000"/>
+                  </a:schemeClr>
+                </a:solidFill>
+              </a:rPr>
+              <a:t>을 계산 하는 것은 </a:t>
+            </a:r>
+            <a:r>
+              <a:rPr lang="en-US" altLang="ko-KR" sz="1600" dirty="0">
+                <a:solidFill>
+                  <a:schemeClr val="tx1">
+                    <a:lumMod val="65000"/>
+                    <a:lumOff val="35000"/>
+                  </a:schemeClr>
+                </a:solidFill>
+              </a:rPr>
+              <a:t>useless.</a:t>
+            </a:r>
+          </a:p>
+          <a:p>
+            <a:endParaRPr lang="ko-KR" altLang="en-US" sz="1600" dirty="0">
+              <a:solidFill>
+                <a:schemeClr val="tx1">
+                  <a:lumMod val="65000"/>
+                  <a:lumOff val="35000"/>
+                </a:schemeClr>
+              </a:solidFill>
+            </a:endParaRPr>
+          </a:p>
+        </p:txBody>
+      </p:sp>
     </p:spTree>
   </p:cSld>
   <p:clrMapOvr>
     <a:masterClrMapping/>
   </p:clrMapOvr>
+  <p:timing>
+    <p:tnLst>
+      <p:par>
+        <p:cTn id="1" dur="indefinite" restart="never" nodeType="tmRoot"/>
+      </p:par>
+    </p:tnLst>
+  </p:timing>
 </p:sld>
 </file>
 
@@ -6447,6 +6975,13 @@
   <p:clrMapOvr>
     <a:masterClrMapping/>
   </p:clrMapOvr>
+  <p:timing>
+    <p:tnLst>
+      <p:par>
+        <p:cTn id="1" dur="indefinite" restart="never" nodeType="tmRoot"/>
+      </p:par>
+    </p:tnLst>
+  </p:timing>
 </p:sld>
 </file>
 
@@ -6526,7 +7061,7 @@
         <p:spPr>
           <a:xfrm>
             <a:off x="854869" y="1260679"/>
-            <a:ext cx="9296400" cy="5493812"/>
+            <a:ext cx="9296400" cy="5035353"/>
           </a:xfrm>
           <a:prstGeom prst="rect">
             <a:avLst/>
@@ -6751,6 +7286,18 @@
               <a:t>s</a:t>
             </a:r>
             <a:r>
+              <a:rPr lang="en-US" altLang="ko-KR" dirty="0">
+                <a:solidFill>
+                  <a:schemeClr val="tx1">
+                    <a:lumMod val="65000"/>
+                    <a:lumOff val="35000"/>
+                  </a:schemeClr>
+                </a:solidFill>
+                <a:sym typeface="Wingdings" panose="05000000000000000000" pitchFamily="2" charset="2"/>
+              </a:rPr>
+              <a:t>tate</a:t>
+            </a:r>
+            <a:r>
               <a:rPr lang="ko-KR" altLang="en-US" dirty="0">
                 <a:solidFill>
                   <a:schemeClr val="tx1">
@@ -6958,7 +7505,111 @@
                 <a:uFillTx/>
                 <a:sym typeface="Wingdings" panose="05000000000000000000" pitchFamily="2" charset="2"/>
               </a:rPr>
-              <a:t>Used when only state values are available</a:t>
+              <a:t>Next</a:t>
+            </a:r>
+            <a:r>
+              <a:rPr lang="ko-KR" altLang="en-US" dirty="0">
+                <a:solidFill>
+                  <a:schemeClr val="tx1">
+                    <a:lumMod val="65000"/>
+                    <a:lumOff val="35000"/>
+                  </a:schemeClr>
+                </a:solidFill>
+                <a:uFillTx/>
+                <a:sym typeface="Wingdings" panose="05000000000000000000" pitchFamily="2" charset="2"/>
+              </a:rPr>
+              <a:t> </a:t>
+            </a:r>
+            <a:r>
+              <a:rPr lang="en-US" altLang="ko-KR" dirty="0">
+                <a:solidFill>
+                  <a:schemeClr val="tx1">
+                    <a:lumMod val="65000"/>
+                    <a:lumOff val="35000"/>
+                  </a:schemeClr>
+                </a:solidFill>
+                <a:uFillTx/>
+                <a:sym typeface="Wingdings" panose="05000000000000000000" pitchFamily="2" charset="2"/>
+              </a:rPr>
+              <a:t>state</a:t>
+            </a:r>
+            <a:r>
+              <a:rPr lang="ko-KR" altLang="en-US" dirty="0">
+                <a:solidFill>
+                  <a:schemeClr val="tx1">
+                    <a:lumMod val="65000"/>
+                    <a:lumOff val="35000"/>
+                  </a:schemeClr>
+                </a:solidFill>
+                <a:uFillTx/>
+                <a:sym typeface="Wingdings" panose="05000000000000000000" pitchFamily="2" charset="2"/>
+              </a:rPr>
+              <a:t>의 </a:t>
+            </a:r>
+            <a:r>
+              <a:rPr lang="en-US" altLang="ko-KR" dirty="0">
+                <a:solidFill>
+                  <a:schemeClr val="tx1">
+                    <a:lumMod val="65000"/>
+                    <a:lumOff val="35000"/>
+                  </a:schemeClr>
+                </a:solidFill>
+                <a:uFillTx/>
+                <a:sym typeface="Wingdings" panose="05000000000000000000" pitchFamily="2" charset="2"/>
+              </a:rPr>
+              <a:t>Model-predicted value</a:t>
+            </a:r>
+            <a:r>
+              <a:rPr lang="ko-KR" altLang="en-US" dirty="0">
+                <a:solidFill>
+                  <a:schemeClr val="tx1">
+                    <a:lumMod val="65000"/>
+                    <a:lumOff val="35000"/>
+                  </a:schemeClr>
+                </a:solidFill>
+                <a:uFillTx/>
+                <a:sym typeface="Wingdings" panose="05000000000000000000" pitchFamily="2" charset="2"/>
+              </a:rPr>
+              <a:t>를 비교하여 </a:t>
+            </a:r>
+            <a:r>
+              <a:rPr lang="en-US" altLang="ko-KR" dirty="0">
+                <a:solidFill>
+                  <a:schemeClr val="tx1">
+                    <a:lumMod val="65000"/>
+                    <a:lumOff val="35000"/>
+                  </a:schemeClr>
+                </a:solidFill>
+                <a:uFillTx/>
+                <a:sym typeface="Wingdings" panose="05000000000000000000" pitchFamily="2" charset="2"/>
+              </a:rPr>
+              <a:t>a</a:t>
+            </a:r>
+            <a:r>
+              <a:rPr lang="ko-KR" altLang="en-US" dirty="0">
+                <a:solidFill>
+                  <a:schemeClr val="tx1">
+                    <a:lumMod val="65000"/>
+                    <a:lumOff val="35000"/>
+                  </a:schemeClr>
+                </a:solidFill>
+                <a:uFillTx/>
+                <a:sym typeface="Wingdings" panose="05000000000000000000" pitchFamily="2" charset="2"/>
+              </a:rPr>
+              <a:t>를 선택</a:t>
+            </a:r>
+            <a:r>
+              <a:rPr lang="en-US" altLang="ko-KR" dirty="0">
+                <a:solidFill>
+                  <a:schemeClr val="tx1">
+                    <a:lumMod val="65000"/>
+                    <a:lumOff val="35000"/>
+                  </a:schemeClr>
+                </a:solidFill>
+                <a:uFillTx/>
+                <a:sym typeface="Wingdings" panose="05000000000000000000" pitchFamily="2" charset="2"/>
+              </a:rPr>
+              <a:t>. (select action)</a:t>
             </a:r>
           </a:p>
           <a:p>
@@ -6980,20 +7631,20 @@
                 <a:uFillTx/>
                 <a:sym typeface="Wingdings" panose="05000000000000000000" pitchFamily="2" charset="2"/>
               </a:rPr>
-              <a:t>Next</a:t>
-            </a:r>
-            <a:r>
-              <a:rPr lang="ko-KR" altLang="en-US" dirty="0">
-                <a:solidFill>
-                  <a:schemeClr val="tx1">
-                    <a:lumMod val="65000"/>
-                    <a:lumOff val="35000"/>
+              <a:t>Focuses on a particular state. (</a:t>
+            </a:r>
+            <a:r>
+              <a:rPr lang="en-US" altLang="ko-KR" i="1" dirty="0">
+                <a:solidFill>
+                  <a:schemeClr val="tx1">
+                    <a:lumMod val="75000"/>
+                    <a:lumOff val="25000"/>
                   </a:schemeClr>
                 </a:solidFill>
                 <a:uFillTx/>
                 <a:sym typeface="Wingdings" panose="05000000000000000000" pitchFamily="2" charset="2"/>
               </a:rPr>
-              <a:t> </a:t>
+              <a:t>decision-time planning</a:t>
             </a:r>
             <a:r>
               <a:rPr lang="en-US" altLang="ko-KR" dirty="0">
@@ -7006,85 +7657,7 @@
                 <a:uFillTx/>
                 <a:sym typeface="Wingdings" panose="05000000000000000000" pitchFamily="2" charset="2"/>
               </a:rPr>
-              <a:t>state</a:t>
-            </a:r>
-            <a:r>
-              <a:rPr lang="ko-KR" altLang="en-US" dirty="0">
-                <a:solidFill>
-                  <a:schemeClr val="tx1">
-                    <a:lumMod val="65000"/>
-                    <a:lumOff val="35000"/>
-                  </a:schemeClr>
-                </a:solidFill>
-                <a:uFillTx/>
-                <a:sym typeface="Wingdings" panose="05000000000000000000" pitchFamily="2" charset="2"/>
-              </a:rPr>
-              <a:t>의 </a:t>
-            </a:r>
-            <a:r>
-              <a:rPr lang="en-US" altLang="ko-KR" dirty="0">
-                <a:solidFill>
-                  <a:schemeClr val="tx1">
-                    <a:lumMod val="65000"/>
-                    <a:lumOff val="35000"/>
-                  </a:schemeClr>
-                </a:solidFill>
-                <a:uFillTx/>
-                <a:sym typeface="Wingdings" panose="05000000000000000000" pitchFamily="2" charset="2"/>
-              </a:rPr>
-              <a:t>Model-predicted value</a:t>
-            </a:r>
-            <a:r>
-              <a:rPr lang="ko-KR" altLang="en-US" dirty="0">
-                <a:solidFill>
-                  <a:schemeClr val="tx1">
-                    <a:lumMod val="65000"/>
-                    <a:lumOff val="35000"/>
-                  </a:schemeClr>
-                </a:solidFill>
-                <a:uFillTx/>
-                <a:sym typeface="Wingdings" panose="05000000000000000000" pitchFamily="2" charset="2"/>
-              </a:rPr>
-              <a:t>를 비교하여 </a:t>
-            </a:r>
-            <a:r>
-              <a:rPr lang="en-US" altLang="ko-KR" dirty="0">
-                <a:solidFill>
-                  <a:schemeClr val="tx1">
-                    <a:lumMod val="65000"/>
-                    <a:lumOff val="35000"/>
-                  </a:schemeClr>
-                </a:solidFill>
-                <a:uFillTx/>
-                <a:sym typeface="Wingdings" panose="05000000000000000000" pitchFamily="2" charset="2"/>
-              </a:rPr>
-              <a:t>a</a:t>
-            </a:r>
-            <a:r>
-              <a:rPr lang="ko-KR" altLang="en-US" dirty="0">
-                <a:solidFill>
-                  <a:schemeClr val="tx1">
-                    <a:lumMod val="65000"/>
-                    <a:lumOff val="35000"/>
-                  </a:schemeClr>
-                </a:solidFill>
-                <a:uFillTx/>
-                <a:sym typeface="Wingdings" panose="05000000000000000000" pitchFamily="2" charset="2"/>
-              </a:rPr>
-              <a:t>를 선택</a:t>
-            </a:r>
-            <a:r>
-              <a:rPr lang="en-US" altLang="ko-KR" dirty="0">
-                <a:solidFill>
-                  <a:schemeClr val="tx1">
-                    <a:lumMod val="65000"/>
-                    <a:lumOff val="35000"/>
-                  </a:schemeClr>
-                </a:solidFill>
-                <a:uFillTx/>
-                <a:sym typeface="Wingdings" panose="05000000000000000000" pitchFamily="2" charset="2"/>
-              </a:rPr>
-              <a:t>. (select action)</a:t>
+              <a:t>)</a:t>
             </a:r>
           </a:p>
           <a:p>
@@ -7096,7 +7669,7 @@
               <a:buChar char="-"/>
             </a:pPr>
             <a:r>
-              <a:rPr lang="en-US" altLang="ko-KR" dirty="0">
+              <a:rPr lang="ko-KR" altLang="en-US" dirty="0">
                 <a:solidFill>
                   <a:schemeClr val="tx1">
                     <a:lumMod val="65000"/>
@@ -7106,33 +7679,20 @@
                 <a:uFillTx/>
                 <a:sym typeface="Wingdings" panose="05000000000000000000" pitchFamily="2" charset="2"/>
               </a:rPr>
-              <a:t>Focuses on a particular state. (</a:t>
-            </a:r>
-            <a:r>
-              <a:rPr lang="en-US" altLang="ko-KR" i="1" dirty="0">
-                <a:solidFill>
-                  <a:schemeClr val="tx1">
-                    <a:lumMod val="75000"/>
-                    <a:lumOff val="25000"/>
+              <a:t>시간이 충분한 경우에만 사용가능</a:t>
+            </a:r>
+            <a:r>
+              <a:rPr lang="en-US" altLang="ko-KR" dirty="0">
+                <a:solidFill>
+                  <a:schemeClr val="tx1">
+                    <a:lumMod val="65000"/>
+                    <a:lumOff val="35000"/>
                   </a:schemeClr>
                 </a:solidFill>
                 <a:uFillTx/>
                 <a:sym typeface="Wingdings" panose="05000000000000000000" pitchFamily="2" charset="2"/>
               </a:rPr>
-              <a:t>decision-time planning</a:t>
-            </a:r>
-            <a:r>
-              <a:rPr lang="en-US" altLang="ko-KR" dirty="0">
-                <a:solidFill>
-                  <a:schemeClr val="tx1">
-                    <a:lumMod val="65000"/>
-                    <a:lumOff val="35000"/>
-                  </a:schemeClr>
-                </a:solidFill>
-                <a:uFillTx/>
-                <a:sym typeface="Wingdings" panose="05000000000000000000" pitchFamily="2" charset="2"/>
-              </a:rPr>
-              <a:t>)</a:t>
+              <a:t>.</a:t>
             </a:r>
           </a:p>
           <a:p>
@@ -7144,41 +7704,6 @@
               <a:buChar char="-"/>
             </a:pPr>
             <a:r>
-              <a:rPr lang="ko-KR" altLang="en-US" dirty="0">
-                <a:solidFill>
-                  <a:schemeClr val="tx1">
-                    <a:lumMod val="65000"/>
-                    <a:lumOff val="35000"/>
-                  </a:schemeClr>
-                </a:solidFill>
-                <a:uFillTx/>
-                <a:sym typeface="Wingdings" panose="05000000000000000000" pitchFamily="2" charset="2"/>
-              </a:rPr>
-              <a:t>시간이 충분한 경우에만 사용가능</a:t>
-            </a:r>
-            <a:r>
-              <a:rPr lang="en-US" altLang="ko-KR" dirty="0">
-                <a:solidFill>
-                  <a:schemeClr val="tx1">
-                    <a:lumMod val="65000"/>
-                    <a:lumOff val="35000"/>
-                  </a:schemeClr>
-                </a:solidFill>
-                <a:uFillTx/>
-                <a:sym typeface="Wingdings" panose="05000000000000000000" pitchFamily="2" charset="2"/>
-              </a:rPr>
-              <a:t>.</a:t>
-            </a:r>
-          </a:p>
-          <a:p>
-            <a:pPr marL="285750" indent="-285750">
-              <a:lnSpc>
-                <a:spcPct val="150000"/>
-              </a:lnSpc>
-              <a:buFontTx/>
-              <a:buChar char="-"/>
-            </a:pPr>
-            <a:r>
               <a:rPr lang="en-US" altLang="ko-KR" dirty="0">
                 <a:solidFill>
                   <a:schemeClr val="tx1">
@@ -7199,6 +7724,13 @@
   <p:clrMapOvr>
     <a:masterClrMapping/>
   </p:clrMapOvr>
+  <p:timing>
+    <p:tnLst>
+      <p:par>
+        <p:cTn id="1" dur="indefinite" restart="never" nodeType="tmRoot"/>
+      </p:par>
+    </p:tnLst>
+  </p:timing>
 </p:sld>
 </file>
 
@@ -7397,7 +7929,7 @@
         <p:spPr>
           <a:xfrm>
             <a:off x="1083469" y="1495425"/>
-            <a:ext cx="9869818" cy="3416320"/>
+            <a:ext cx="9869818" cy="4524315"/>
           </a:xfrm>
           <a:prstGeom prst="rect">
             <a:avLst/>
@@ -7409,6 +7941,13 @@
           </a:bodyPr>
           <a:lstStyle/>
           <a:p>
+            <a:pPr marL="285750" indent="-285750">
+              <a:lnSpc>
+                <a:spcPct val="150000"/>
+              </a:lnSpc>
+              <a:buFont typeface="Arial" panose="020B0604020202020204" pitchFamily="34" charset="0"/>
+              <a:buChar char="•"/>
+            </a:pPr>
             <a:r>
               <a:rPr kumimoji="1" lang="en-US" altLang="ko-KR" dirty="0">
                 <a:solidFill>
@@ -7441,6 +7980,13 @@
             </a:endParaRPr>
           </a:p>
           <a:p>
+            <a:pPr marL="285750" indent="-285750">
+              <a:lnSpc>
+                <a:spcPct val="150000"/>
+              </a:lnSpc>
+              <a:buFont typeface="Arial" panose="020B0604020202020204" pitchFamily="34" charset="0"/>
+              <a:buChar char="•"/>
+            </a:pPr>
             <a:r>
               <a:rPr kumimoji="1" lang="ko-KR" altLang="en-US" dirty="0">
                 <a:solidFill>
@@ -7509,6 +8055,13 @@
             </a:r>
           </a:p>
           <a:p>
+            <a:pPr marL="285750" indent="-285750">
+              <a:lnSpc>
+                <a:spcPct val="150000"/>
+              </a:lnSpc>
+              <a:buFont typeface="Arial" panose="020B0604020202020204" pitchFamily="34" charset="0"/>
+              <a:buChar char="•"/>
+            </a:pPr>
             <a:r>
               <a:rPr kumimoji="1" lang="en-US" altLang="ko-KR" dirty="0">
                 <a:solidFill>
@@ -7532,6 +8085,30 @@
               <a:t> 노드에서 </a:t>
             </a:r>
             <a:r>
+              <a:rPr kumimoji="1" lang="en-US" altLang="ko-KR" i="1" dirty="0">
+                <a:solidFill>
+                  <a:schemeClr val="tx1">
+                    <a:lumMod val="65000"/>
+                    <a:lumOff val="35000"/>
+                  </a:schemeClr>
+                </a:solidFill>
+                <a:latin typeface="Times New Roman" panose="02020603050405020304" pitchFamily="18" charset="0"/>
+                <a:cs typeface="Times New Roman" panose="02020603050405020304" pitchFamily="18" charset="0"/>
+              </a:rPr>
+              <a:t>v</a:t>
+            </a:r>
+            <a:r>
+              <a:rPr kumimoji="1" lang="ko-KR" altLang="en-US" dirty="0">
+                <a:solidFill>
+                  <a:schemeClr val="tx1">
+                    <a:lumMod val="65000"/>
+                    <a:lumOff val="35000"/>
+                  </a:schemeClr>
+                </a:solidFill>
+              </a:rPr>
+              <a:t>를 추정한 뒤 </a:t>
+            </a:r>
+            <a:r>
               <a:rPr kumimoji="1" lang="en-US" altLang="ko-KR" dirty="0">
                 <a:solidFill>
                   <a:schemeClr val="tx1">
@@ -7540,9 +8117,187 @@
                   </a:schemeClr>
                 </a:solidFill>
               </a:rPr>
+              <a:t>current state at the root</a:t>
+            </a:r>
+            <a:r>
+              <a:rPr kumimoji="1" lang="ko-KR" altLang="en-US" dirty="0">
+                <a:solidFill>
+                  <a:schemeClr val="tx1">
+                    <a:lumMod val="65000"/>
+                    <a:lumOff val="35000"/>
+                  </a:schemeClr>
+                </a:solidFill>
+              </a:rPr>
+              <a:t> 로 </a:t>
+            </a:r>
+            <a:r>
+              <a:rPr kumimoji="1" lang="en-US" altLang="ko-KR" dirty="0">
+                <a:solidFill>
+                  <a:schemeClr val="tx1">
+                    <a:lumMod val="65000"/>
+                    <a:lumOff val="35000"/>
+                  </a:schemeClr>
+                </a:solidFill>
+              </a:rPr>
+              <a:t>back up.</a:t>
+            </a:r>
+          </a:p>
+          <a:p>
+            <a:pPr marL="285750" indent="-285750">
+              <a:lnSpc>
+                <a:spcPct val="150000"/>
+              </a:lnSpc>
+              <a:buFont typeface="Arial" panose="020B0604020202020204" pitchFamily="34" charset="0"/>
+              <a:buChar char="•"/>
+            </a:pPr>
+            <a:r>
+              <a:rPr kumimoji="1" lang="ko-KR" altLang="en-US" dirty="0">
+                <a:solidFill>
+                  <a:schemeClr val="tx1">
+                    <a:lumMod val="65000"/>
+                    <a:lumOff val="35000"/>
+                  </a:schemeClr>
+                </a:solidFill>
+              </a:rPr>
+              <a:t>현재 </a:t>
+            </a:r>
+            <a:r>
+              <a:rPr kumimoji="1" lang="en-US" altLang="ko-KR" dirty="0">
+                <a:solidFill>
+                  <a:schemeClr val="tx1">
+                    <a:lumMod val="65000"/>
+                    <a:lumOff val="35000"/>
+                  </a:schemeClr>
+                </a:solidFill>
+              </a:rPr>
+              <a:t>state</a:t>
+            </a:r>
+            <a:r>
+              <a:rPr kumimoji="1" lang="ko-KR" altLang="en-US" dirty="0">
+                <a:solidFill>
+                  <a:schemeClr val="tx1">
+                    <a:lumMod val="65000"/>
+                    <a:lumOff val="35000"/>
+                  </a:schemeClr>
+                </a:solidFill>
+              </a:rPr>
+              <a:t>의 </a:t>
+            </a:r>
+            <a:r>
+              <a:rPr kumimoji="1" lang="en-US" altLang="ko-KR" i="1" dirty="0">
+                <a:solidFill>
+                  <a:schemeClr val="tx1">
+                    <a:lumMod val="65000"/>
+                    <a:lumOff val="35000"/>
+                  </a:schemeClr>
+                </a:solidFill>
+                <a:latin typeface="Times New Roman" panose="02020603050405020304" pitchFamily="18" charset="0"/>
+                <a:cs typeface="Times New Roman" panose="02020603050405020304" pitchFamily="18" charset="0"/>
+              </a:rPr>
+              <a:t>v </a:t>
+            </a:r>
+            <a:r>
+              <a:rPr kumimoji="1" lang="ko-KR" altLang="en-US" dirty="0">
+                <a:solidFill>
+                  <a:schemeClr val="tx1">
+                    <a:lumMod val="65000"/>
+                    <a:lumOff val="35000"/>
+                  </a:schemeClr>
+                </a:solidFill>
+              </a:rPr>
+              <a:t>가 계산되면</a:t>
+            </a:r>
+            <a:r>
+              <a:rPr kumimoji="1" lang="en-US" altLang="ko-KR" dirty="0">
+                <a:solidFill>
+                  <a:schemeClr val="tx1">
+                    <a:lumMod val="65000"/>
+                    <a:lumOff val="35000"/>
+                  </a:schemeClr>
+                </a:solidFill>
+              </a:rPr>
+              <a:t>,</a:t>
+            </a:r>
+            <a:r>
+              <a:rPr kumimoji="1" lang="ko-KR" altLang="en-US" dirty="0">
+                <a:solidFill>
+                  <a:schemeClr val="tx1">
+                    <a:lumMod val="65000"/>
+                    <a:lumOff val="35000"/>
+                  </a:schemeClr>
+                </a:solidFill>
+              </a:rPr>
+              <a:t> 최적의 </a:t>
+            </a:r>
+            <a:r>
+              <a:rPr kumimoji="1" lang="en-US" altLang="ko-KR" dirty="0">
+                <a:solidFill>
+                  <a:schemeClr val="tx1">
+                    <a:lumMod val="65000"/>
+                    <a:lumOff val="35000"/>
+                  </a:schemeClr>
+                </a:solidFill>
+              </a:rPr>
+              <a:t>a</a:t>
+            </a:r>
+            <a:r>
+              <a:rPr kumimoji="1" lang="ko-KR" altLang="en-US" dirty="0">
+                <a:solidFill>
+                  <a:schemeClr val="tx1">
+                    <a:lumMod val="65000"/>
+                    <a:lumOff val="35000"/>
+                  </a:schemeClr>
+                </a:solidFill>
+              </a:rPr>
+              <a:t>를 선택하고</a:t>
+            </a:r>
+            <a:r>
+              <a:rPr kumimoji="1" lang="en-US" altLang="ko-KR" dirty="0">
+                <a:solidFill>
+                  <a:schemeClr val="tx1">
+                    <a:lumMod val="65000"/>
+                    <a:lumOff val="35000"/>
+                  </a:schemeClr>
+                </a:solidFill>
+              </a:rPr>
+              <a:t>,</a:t>
+            </a:r>
+            <a:r>
+              <a:rPr kumimoji="1" lang="ko-KR" altLang="en-US" dirty="0">
+                <a:solidFill>
+                  <a:schemeClr val="tx1">
+                    <a:lumMod val="65000"/>
+                    <a:lumOff val="35000"/>
+                  </a:schemeClr>
+                </a:solidFill>
+              </a:rPr>
+              <a:t> 계산 된 </a:t>
+            </a:r>
+            <a:r>
+              <a:rPr kumimoji="1" lang="en-US" altLang="ko-KR" i="1" dirty="0">
+                <a:solidFill>
+                  <a:schemeClr val="tx1">
+                    <a:lumMod val="65000"/>
+                    <a:lumOff val="35000"/>
+                  </a:schemeClr>
+                </a:solidFill>
+                <a:latin typeface="Times New Roman" panose="02020603050405020304" pitchFamily="18" charset="0"/>
+                <a:cs typeface="Times New Roman" panose="02020603050405020304" pitchFamily="18" charset="0"/>
+              </a:rPr>
               <a:t>v</a:t>
             </a:r>
             <a:r>
+              <a:rPr kumimoji="1" lang="en-US" altLang="ko-KR" dirty="0">
+                <a:solidFill>
+                  <a:schemeClr val="tx1">
+                    <a:lumMod val="65000"/>
+                    <a:lumOff val="35000"/>
+                  </a:schemeClr>
+                </a:solidFill>
+              </a:rPr>
+              <a:t> </a:t>
+            </a:r>
+            <a:r>
               <a:rPr kumimoji="1" lang="ko-KR" altLang="en-US" dirty="0">
                 <a:solidFill>
                   <a:schemeClr val="tx1">
@@ -7551,7 +8306,7 @@
                   </a:schemeClr>
                 </a:solidFill>
               </a:rPr>
-              <a:t>를 </a:t>
+              <a:t>는 버림</a:t>
             </a:r>
             <a:r>
               <a:rPr kumimoji="1" lang="en-US" altLang="ko-KR" dirty="0">
@@ -7562,210 +8317,15 @@
                   </a:schemeClr>
                 </a:solidFill>
               </a:rPr>
-              <a:t>approximate</a:t>
-            </a:r>
-            <a:r>
-              <a:rPr kumimoji="1" lang="ko-KR" altLang="en-US" dirty="0">
-                <a:solidFill>
-                  <a:schemeClr val="tx1">
-                    <a:lumMod val="65000"/>
-                    <a:lumOff val="35000"/>
-                  </a:schemeClr>
-                </a:solidFill>
-              </a:rPr>
-              <a:t>한 뒤 </a:t>
-            </a:r>
-            <a:r>
-              <a:rPr kumimoji="1" lang="en-US" altLang="ko-KR" dirty="0">
-                <a:solidFill>
-                  <a:schemeClr val="tx1">
-                    <a:lumMod val="65000"/>
-                    <a:lumOff val="35000"/>
-                  </a:schemeClr>
-                </a:solidFill>
-              </a:rPr>
-              <a:t>current state at the root</a:t>
-            </a:r>
-            <a:r>
-              <a:rPr kumimoji="1" lang="ko-KR" altLang="en-US" dirty="0">
-                <a:solidFill>
-                  <a:schemeClr val="tx1">
-                    <a:lumMod val="65000"/>
-                    <a:lumOff val="35000"/>
-                  </a:schemeClr>
-                </a:solidFill>
-              </a:rPr>
-              <a:t> 로 </a:t>
-            </a:r>
-            <a:r>
-              <a:rPr kumimoji="1" lang="en-US" altLang="ko-KR" dirty="0">
-                <a:solidFill>
-                  <a:schemeClr val="tx1">
-                    <a:lumMod val="65000"/>
-                    <a:lumOff val="35000"/>
-                  </a:schemeClr>
-                </a:solidFill>
-              </a:rPr>
-              <a:t>back up.</a:t>
-            </a:r>
-          </a:p>
-          <a:p>
-            <a:r>
-              <a:rPr kumimoji="1" lang="ko-KR" altLang="en-US" dirty="0">
-                <a:solidFill>
-                  <a:schemeClr val="tx1">
-                    <a:lumMod val="65000"/>
-                    <a:lumOff val="35000"/>
-                  </a:schemeClr>
-                </a:solidFill>
-              </a:rPr>
-              <a:t>현재 </a:t>
-            </a:r>
-            <a:r>
-              <a:rPr kumimoji="1" lang="en-US" altLang="ko-KR" dirty="0">
-                <a:solidFill>
-                  <a:schemeClr val="tx1">
-                    <a:lumMod val="65000"/>
-                    <a:lumOff val="35000"/>
-                  </a:schemeClr>
-                </a:solidFill>
-              </a:rPr>
-              <a:t>state</a:t>
-            </a:r>
-            <a:r>
-              <a:rPr kumimoji="1" lang="ko-KR" altLang="en-US" dirty="0">
-                <a:solidFill>
-                  <a:schemeClr val="tx1">
-                    <a:lumMod val="65000"/>
-                    <a:lumOff val="35000"/>
-                  </a:schemeClr>
-                </a:solidFill>
-              </a:rPr>
-              <a:t>의 </a:t>
-            </a:r>
-            <a:r>
-              <a:rPr kumimoji="1" lang="en-US" altLang="ko-KR" dirty="0">
-                <a:solidFill>
-                  <a:schemeClr val="tx1">
-                    <a:lumMod val="65000"/>
-                    <a:lumOff val="35000"/>
-                  </a:schemeClr>
-                </a:solidFill>
-              </a:rPr>
-              <a:t>v</a:t>
-            </a:r>
-            <a:r>
-              <a:rPr kumimoji="1" lang="ko-KR" altLang="en-US" dirty="0">
-                <a:solidFill>
-                  <a:schemeClr val="tx1">
-                    <a:lumMod val="65000"/>
-                    <a:lumOff val="35000"/>
-                  </a:schemeClr>
-                </a:solidFill>
-              </a:rPr>
-              <a:t>가 계산되면</a:t>
-            </a:r>
-            <a:r>
-              <a:rPr kumimoji="1" lang="en-US" altLang="ko-KR" dirty="0">
-                <a:solidFill>
-                  <a:schemeClr val="tx1">
-                    <a:lumMod val="65000"/>
-                    <a:lumOff val="35000"/>
-                  </a:schemeClr>
-                </a:solidFill>
-              </a:rPr>
-              <a:t>,</a:t>
-            </a:r>
-            <a:r>
-              <a:rPr kumimoji="1" lang="ko-KR" altLang="en-US" dirty="0">
-                <a:solidFill>
-                  <a:schemeClr val="tx1">
-                    <a:lumMod val="65000"/>
-                    <a:lumOff val="35000"/>
-                  </a:schemeClr>
-                </a:solidFill>
-              </a:rPr>
-              <a:t> 최적의 </a:t>
-            </a:r>
-            <a:r>
-              <a:rPr kumimoji="1" lang="en-US" altLang="ko-KR" dirty="0">
-                <a:solidFill>
-                  <a:schemeClr val="tx1">
-                    <a:lumMod val="65000"/>
-                    <a:lumOff val="35000"/>
-                  </a:schemeClr>
-                </a:solidFill>
-              </a:rPr>
-              <a:t>a</a:t>
-            </a:r>
-            <a:r>
-              <a:rPr kumimoji="1" lang="ko-KR" altLang="en-US" dirty="0">
-                <a:solidFill>
-                  <a:schemeClr val="tx1">
-                    <a:lumMod val="65000"/>
-                    <a:lumOff val="35000"/>
-                  </a:schemeClr>
-                </a:solidFill>
-              </a:rPr>
-              <a:t>를 선택하고</a:t>
-            </a:r>
-            <a:r>
-              <a:rPr kumimoji="1" lang="en-US" altLang="ko-KR" dirty="0">
-                <a:solidFill>
-                  <a:schemeClr val="tx1">
-                    <a:lumMod val="65000"/>
-                    <a:lumOff val="35000"/>
-                  </a:schemeClr>
-                </a:solidFill>
-              </a:rPr>
-              <a:t>,</a:t>
-            </a:r>
-            <a:r>
-              <a:rPr kumimoji="1" lang="ko-KR" altLang="en-US" dirty="0">
-                <a:solidFill>
-                  <a:schemeClr val="tx1">
-                    <a:lumMod val="65000"/>
-                    <a:lumOff val="35000"/>
-                  </a:schemeClr>
-                </a:solidFill>
-              </a:rPr>
-              <a:t> 계산 된 </a:t>
-            </a:r>
-            <a:r>
-              <a:rPr kumimoji="1" lang="en-US" altLang="ko-KR" dirty="0">
-                <a:solidFill>
-                  <a:schemeClr val="tx1">
-                    <a:lumMod val="65000"/>
-                    <a:lumOff val="35000"/>
-                  </a:schemeClr>
-                </a:solidFill>
-              </a:rPr>
-              <a:t>v </a:t>
-            </a:r>
-            <a:r>
-              <a:rPr kumimoji="1" lang="ko-KR" altLang="en-US" dirty="0">
-                <a:solidFill>
-                  <a:schemeClr val="tx1">
-                    <a:lumMod val="65000"/>
-                    <a:lumOff val="35000"/>
-                  </a:schemeClr>
-                </a:solidFill>
-              </a:rPr>
-              <a:t>는 버림</a:t>
-            </a:r>
-            <a:r>
-              <a:rPr kumimoji="1" lang="en-US" altLang="ko-KR" dirty="0">
-                <a:solidFill>
-                  <a:schemeClr val="tx1">
-                    <a:lumMod val="65000"/>
-                    <a:lumOff val="35000"/>
-                  </a:schemeClr>
-                </a:solidFill>
-              </a:rPr>
               <a:t>.</a:t>
             </a:r>
           </a:p>
           <a:p>
+            <a:pPr>
+              <a:lnSpc>
+                <a:spcPct val="150000"/>
+              </a:lnSpc>
+            </a:pPr>
             <a:endParaRPr kumimoji="1" lang="en-US" altLang="ko-KR" dirty="0">
               <a:solidFill>
                 <a:schemeClr val="tx1">
@@ -7776,6 +8336,11 @@
             </a:endParaRPr>
           </a:p>
           <a:p>
+            <a:pPr>
+              <a:lnSpc>
+                <a:spcPct val="150000"/>
+              </a:lnSpc>
+            </a:pPr>
             <a:r>
               <a:rPr kumimoji="1" lang="ko-KR" altLang="en-US" dirty="0">
                 <a:solidFill>
@@ -7888,6 +8453,11 @@
             </a:r>
           </a:p>
           <a:p>
+            <a:pPr>
+              <a:lnSpc>
+                <a:spcPct val="150000"/>
+              </a:lnSpc>
+            </a:pPr>
             <a:r>
               <a:rPr kumimoji="1" lang="ko-KR" altLang="en-US" dirty="0">
                 <a:solidFill>
@@ -7966,6 +8536,30 @@
               <a:t> </a:t>
             </a:r>
             <a:r>
+              <a:rPr kumimoji="1" lang="en-US" altLang="ko-KR" i="1" dirty="0">
+                <a:solidFill>
+                  <a:schemeClr val="tx1">
+                    <a:lumMod val="65000"/>
+                    <a:lumOff val="35000"/>
+                  </a:schemeClr>
+                </a:solidFill>
+                <a:latin typeface="Times New Roman" panose="02020603050405020304" pitchFamily="18" charset="0"/>
+                <a:cs typeface="Times New Roman" panose="02020603050405020304" pitchFamily="18" charset="0"/>
+              </a:rPr>
+              <a:t>a</a:t>
+            </a:r>
+            <a:r>
+              <a:rPr kumimoji="1" lang="ko-KR" altLang="en-US" dirty="0">
+                <a:solidFill>
+                  <a:schemeClr val="tx1">
+                    <a:lumMod val="65000"/>
+                    <a:lumOff val="35000"/>
+                  </a:schemeClr>
+                </a:solidFill>
+              </a:rPr>
+              <a:t>를 선택할 수 있다</a:t>
+            </a:r>
+            <a:r>
               <a:rPr kumimoji="1" lang="en-US" altLang="ko-KR" dirty="0">
                 <a:solidFill>
                   <a:schemeClr val="tx1">
@@ -7974,8 +8568,15 @@
                   </a:schemeClr>
                 </a:solidFill>
               </a:rPr>
-              <a:t>a</a:t>
-            </a:r>
+              <a:t>.</a:t>
+            </a:r>
+          </a:p>
+          <a:p>
+            <a:pPr>
+              <a:lnSpc>
+                <a:spcPct val="150000"/>
+              </a:lnSpc>
+            </a:pPr>
             <a:r>
               <a:rPr kumimoji="1" lang="ko-KR" altLang="en-US" dirty="0">
                 <a:solidFill>
@@ -7985,7 +8586,7 @@
                   </a:schemeClr>
                 </a:solidFill>
               </a:rPr>
-              <a:t>를 선택할 수 있다</a:t>
+              <a:t>하지만 </a:t>
             </a:r>
             <a:r>
               <a:rPr kumimoji="1" lang="en-US" altLang="ko-KR" dirty="0">
@@ -7996,56 +8597,37 @@
                   </a:schemeClr>
                 </a:solidFill>
               </a:rPr>
+              <a:t>computation</a:t>
+            </a:r>
+            <a:r>
+              <a:rPr kumimoji="1" lang="ko-KR" altLang="en-US" dirty="0">
+                <a:solidFill>
+                  <a:schemeClr val="tx1">
+                    <a:lumMod val="65000"/>
+                    <a:lumOff val="35000"/>
+                  </a:schemeClr>
+                </a:solidFill>
+              </a:rPr>
+              <a:t>이 큼</a:t>
+            </a:r>
+            <a:r>
+              <a:rPr kumimoji="1" lang="en-US" altLang="ko-KR" dirty="0">
+                <a:solidFill>
+                  <a:schemeClr val="tx1">
+                    <a:lumMod val="65000"/>
+                    <a:lumOff val="35000"/>
+                  </a:schemeClr>
+                </a:solidFill>
+              </a:rPr>
               <a:t>.</a:t>
             </a:r>
           </a:p>
           <a:p>
-            <a:r>
-              <a:rPr kumimoji="1" lang="ko-KR" altLang="en-US" dirty="0">
-                <a:solidFill>
-                  <a:schemeClr val="tx1">
-                    <a:lumMod val="65000"/>
-                    <a:lumOff val="35000"/>
-                  </a:schemeClr>
-                </a:solidFill>
-              </a:rPr>
-              <a:t>하지만 </a:t>
-            </a:r>
-            <a:r>
-              <a:rPr kumimoji="1" lang="en-US" altLang="ko-KR" dirty="0">
-                <a:solidFill>
-                  <a:schemeClr val="tx1">
-                    <a:lumMod val="65000"/>
-                    <a:lumOff val="35000"/>
-                  </a:schemeClr>
-                </a:solidFill>
-              </a:rPr>
-              <a:t>computation</a:t>
-            </a:r>
-            <a:r>
-              <a:rPr kumimoji="1" lang="ko-KR" altLang="en-US" dirty="0">
-                <a:solidFill>
-                  <a:schemeClr val="tx1">
-                    <a:lumMod val="65000"/>
-                    <a:lumOff val="35000"/>
-                  </a:schemeClr>
-                </a:solidFill>
-              </a:rPr>
-              <a:t>이 큼</a:t>
-            </a:r>
-            <a:r>
-              <a:rPr kumimoji="1" lang="en-US" altLang="ko-KR" dirty="0">
-                <a:solidFill>
-                  <a:schemeClr val="tx1">
-                    <a:lumMod val="65000"/>
-                    <a:lumOff val="35000"/>
-                  </a:schemeClr>
-                </a:solidFill>
-              </a:rPr>
-              <a:t>.</a:t>
-            </a:r>
-          </a:p>
-          <a:p>
+            <a:pPr>
+              <a:lnSpc>
+                <a:spcPct val="150000"/>
+              </a:lnSpc>
+            </a:pPr>
             <a:endParaRPr kumimoji="1" lang="en-US" altLang="ko-KR" dirty="0">
               <a:solidFill>
                 <a:schemeClr val="tx1">
@@ -8056,21 +8638,13 @@
             </a:endParaRPr>
           </a:p>
           <a:p>
-            <a:r>
-              <a:rPr kumimoji="1" lang="en-US" altLang="ko-KR" dirty="0">
-                <a:solidFill>
-                  <a:schemeClr val="tx1">
-                    <a:lumMod val="65000"/>
-                    <a:lumOff val="35000"/>
-                  </a:schemeClr>
-                </a:solidFill>
-              </a:rPr>
-              <a:t>The most obvious way in which HS focuses updates: on the current state.</a:t>
-            </a:r>
-          </a:p>
-          <a:p>
-            <a:r>
-              <a:rPr kumimoji="1" lang="ko-KR" altLang="en-US" dirty="0">
+            <a:pPr>
+              <a:lnSpc>
+                <a:spcPct val="150000"/>
+              </a:lnSpc>
+            </a:pPr>
+            <a:r>
+              <a:rPr kumimoji="1" lang="ko-KR" altLang="en-US" u="sng" dirty="0">
                 <a:solidFill>
                   <a:schemeClr val="tx1">
                     <a:lumMod val="65000"/>
@@ -8081,7 +8655,7 @@
               <a:t>모든 </a:t>
             </a:r>
             <a:r>
-              <a:rPr kumimoji="1" lang="en-US" altLang="ko-KR" dirty="0">
+              <a:rPr kumimoji="1" lang="en-US" altLang="ko-KR" u="sng" dirty="0">
                 <a:solidFill>
                   <a:schemeClr val="tx1">
                     <a:lumMod val="65000"/>
@@ -8092,7 +8666,7 @@
               <a:t>computation</a:t>
             </a:r>
             <a:r>
-              <a:rPr kumimoji="1" lang="ko-KR" altLang="en-US" dirty="0">
+              <a:rPr kumimoji="1" lang="ko-KR" altLang="en-US" u="sng" dirty="0">
                 <a:solidFill>
                   <a:schemeClr val="tx1">
                     <a:lumMod val="65000"/>
@@ -8103,7 +8677,7 @@
               <a:t>과 메모리 </a:t>
             </a:r>
             <a:r>
-              <a:rPr kumimoji="1" lang="en-US" altLang="ko-KR" dirty="0">
+              <a:rPr kumimoji="1" lang="en-US" altLang="ko-KR" u="sng" dirty="0">
                 <a:solidFill>
                   <a:schemeClr val="tx1">
                     <a:lumMod val="65000"/>
@@ -8114,7 +8688,7 @@
               <a:t>resource</a:t>
             </a:r>
             <a:r>
-              <a:rPr kumimoji="1" lang="ko-KR" altLang="en-US" dirty="0">
+              <a:rPr kumimoji="1" lang="ko-KR" altLang="en-US" u="sng" dirty="0">
                 <a:solidFill>
                   <a:schemeClr val="tx1">
                     <a:lumMod val="65000"/>
@@ -8125,7 +8699,7 @@
               <a:t>를 현재 </a:t>
             </a:r>
             <a:r>
-              <a:rPr kumimoji="1" lang="en-US" altLang="ko-KR" dirty="0">
+              <a:rPr kumimoji="1" lang="en-US" altLang="ko-KR" u="sng" dirty="0">
                 <a:solidFill>
                   <a:schemeClr val="tx1">
                     <a:lumMod val="65000"/>
@@ -8136,7 +8710,7 @@
               <a:t>event</a:t>
             </a:r>
             <a:r>
-              <a:rPr kumimoji="1" lang="ko-KR" altLang="en-US" dirty="0">
+              <a:rPr kumimoji="1" lang="ko-KR" altLang="en-US" u="sng" dirty="0">
                 <a:solidFill>
                   <a:schemeClr val="tx1">
                     <a:lumMod val="65000"/>
@@ -8147,7 +8721,7 @@
               <a:t>에 집중</a:t>
             </a:r>
             <a:r>
-              <a:rPr kumimoji="1" lang="en-US" altLang="ko-KR" dirty="0">
+              <a:rPr kumimoji="1" lang="en-US" altLang="ko-KR" u="sng" dirty="0">
                 <a:solidFill>
                   <a:schemeClr val="tx1">
                     <a:lumMod val="65000"/>
@@ -8175,6 +8749,13 @@
   <p:clrMapOvr>
     <a:masterClrMapping/>
   </p:clrMapOvr>
+  <p:timing>
+    <p:tnLst>
+      <p:par>
+        <p:cTn id="1" dur="indefinite" restart="never" nodeType="tmRoot"/>
+      </p:par>
+    </p:tnLst>
+  </p:timing>
 </p:sld>
 </file>
 
@@ -8289,90 +8870,288 @@
           <a:lstStyle/>
           <a:p>
             <a:r>
-              <a:rPr kumimoji="1" lang="en-US" altLang="ko-KR" b="1" dirty="0"/>
+              <a:rPr kumimoji="1" lang="en-US" altLang="ko-KR" b="1" dirty="0">
+                <a:solidFill>
+                  <a:schemeClr val="tx1">
+                    <a:lumMod val="65000"/>
+                    <a:lumOff val="35000"/>
+                  </a:schemeClr>
+                </a:solidFill>
+              </a:rPr>
               <a:t>As a limiting case </a:t>
             </a:r>
             <a:br>
-              <a:rPr kumimoji="1" lang="en-US" altLang="ko-KR" b="1" dirty="0"/>
+              <a:rPr kumimoji="1" lang="en-US" altLang="ko-KR" b="1" dirty="0">
+                <a:solidFill>
+                  <a:schemeClr val="tx1">
+                    <a:lumMod val="65000"/>
+                    <a:lumOff val="35000"/>
+                  </a:schemeClr>
+                </a:solidFill>
+              </a:rPr>
             </a:br>
             <a:r>
-              <a:rPr kumimoji="1" lang="en-US" altLang="ko-KR" dirty="0"/>
-              <a:t>we might use exactly the methods of HS to construct a search tree, and then perform the individual, </a:t>
-            </a:r>
-            <a:r>
-              <a:rPr kumimoji="1" lang="en-US" altLang="ko-KR" b="1" dirty="0"/>
+              <a:rPr kumimoji="1" lang="en-US" altLang="ko-KR" dirty="0">
+                <a:solidFill>
+                  <a:schemeClr val="tx1">
+                    <a:lumMod val="65000"/>
+                    <a:lumOff val="35000"/>
+                  </a:schemeClr>
+                </a:solidFill>
+              </a:rPr>
+              <a:t>we might use the methods of </a:t>
+            </a:r>
+            <a:r>
+              <a:rPr kumimoji="1" lang="en-US" altLang="ko-KR" b="1" dirty="0">
+                <a:solidFill>
+                  <a:schemeClr val="tx1">
+                    <a:lumMod val="65000"/>
+                    <a:lumOff val="35000"/>
+                  </a:schemeClr>
+                </a:solidFill>
+              </a:rPr>
+              <a:t>HS</a:t>
+            </a:r>
+            <a:r>
+              <a:rPr kumimoji="1" lang="en-US" altLang="ko-KR" dirty="0">
+                <a:solidFill>
+                  <a:schemeClr val="tx1">
+                    <a:lumMod val="65000"/>
+                    <a:lumOff val="35000"/>
+                  </a:schemeClr>
+                </a:solidFill>
+              </a:rPr>
+              <a:t> to construct a </a:t>
+            </a:r>
+            <a:r>
+              <a:rPr kumimoji="1" lang="en-US" altLang="ko-KR" b="1" dirty="0">
+                <a:solidFill>
+                  <a:schemeClr val="tx1">
+                    <a:lumMod val="65000"/>
+                    <a:lumOff val="35000"/>
+                  </a:schemeClr>
+                </a:solidFill>
+              </a:rPr>
+              <a:t>search tree</a:t>
+            </a:r>
+            <a:r>
+              <a:rPr kumimoji="1" lang="en-US" altLang="ko-KR" dirty="0">
+                <a:solidFill>
+                  <a:schemeClr val="tx1">
+                    <a:lumMod val="65000"/>
+                    <a:lumOff val="35000"/>
+                  </a:schemeClr>
+                </a:solidFill>
+              </a:rPr>
+              <a:t>, and then perform the individual, </a:t>
+            </a:r>
+            <a:r>
+              <a:rPr kumimoji="1" lang="en-US" altLang="ko-KR" b="1" dirty="0">
+                <a:solidFill>
+                  <a:schemeClr val="tx1">
+                    <a:lumMod val="65000"/>
+                    <a:lumOff val="35000"/>
+                  </a:schemeClr>
+                </a:solidFill>
+              </a:rPr>
               <a:t>one-step updates</a:t>
             </a:r>
             <a:r>
-              <a:rPr kumimoji="1" lang="en-US" altLang="ko-KR" dirty="0"/>
+              <a:rPr kumimoji="1" lang="en-US" altLang="ko-KR" dirty="0">
+                <a:solidFill>
+                  <a:schemeClr val="tx1">
+                    <a:lumMod val="65000"/>
+                    <a:lumOff val="35000"/>
+                  </a:schemeClr>
+                </a:solidFill>
+              </a:rPr>
               <a:t> from bottom up.</a:t>
             </a:r>
           </a:p>
           <a:p>
-            <a:endParaRPr kumimoji="1" lang="en-US" altLang="ko-KR" dirty="0"/>
-          </a:p>
-          <a:p>
-            <a:r>
-              <a:rPr kumimoji="1" lang="en-US" altLang="ko-KR" dirty="0"/>
+            <a:endParaRPr kumimoji="1" lang="en-US" altLang="ko-KR" dirty="0">
+              <a:solidFill>
+                <a:schemeClr val="tx1">
+                  <a:lumMod val="65000"/>
+                  <a:lumOff val="35000"/>
+                </a:schemeClr>
+              </a:solidFill>
+            </a:endParaRPr>
+          </a:p>
+          <a:p>
+            <a:r>
+              <a:rPr kumimoji="1" lang="en-US" altLang="ko-KR" dirty="0">
+                <a:solidFill>
+                  <a:schemeClr val="tx1">
+                    <a:lumMod val="65000"/>
+                    <a:lumOff val="35000"/>
+                  </a:schemeClr>
+                </a:solidFill>
+              </a:rPr>
               <a:t>Deeper search</a:t>
             </a:r>
             <a:r>
-              <a:rPr kumimoji="1" lang="ko-KR" altLang="en-US" dirty="0"/>
+              <a:rPr kumimoji="1" lang="ko-KR" altLang="en-US" dirty="0">
+                <a:solidFill>
+                  <a:schemeClr val="tx1">
+                    <a:lumMod val="65000"/>
+                    <a:lumOff val="35000"/>
+                  </a:schemeClr>
+                </a:solidFill>
+              </a:rPr>
               <a:t>에 의한 성능 개선은 </a:t>
             </a:r>
             <a:r>
-              <a:rPr kumimoji="1" lang="en-US" altLang="ko-KR" dirty="0"/>
+              <a:rPr kumimoji="1" lang="en-US" altLang="ko-KR" dirty="0">
+                <a:solidFill>
+                  <a:schemeClr val="tx1">
+                    <a:lumMod val="65000"/>
+                    <a:lumOff val="35000"/>
+                  </a:schemeClr>
+                </a:solidFill>
+              </a:rPr>
               <a:t>multistep update</a:t>
             </a:r>
             <a:r>
-              <a:rPr kumimoji="1" lang="ko-KR" altLang="en-US" dirty="0"/>
+              <a:rPr kumimoji="1" lang="ko-KR" altLang="en-US" dirty="0">
+                <a:solidFill>
+                  <a:schemeClr val="tx1">
+                    <a:lumMod val="65000"/>
+                    <a:lumOff val="35000"/>
+                  </a:schemeClr>
+                </a:solidFill>
+              </a:rPr>
               <a:t> 때문이아니라</a:t>
             </a:r>
             <a:r>
-              <a:rPr kumimoji="1" lang="en-US" altLang="ko-KR" dirty="0"/>
+              <a:rPr kumimoji="1" lang="en-US" altLang="ko-KR" dirty="0">
+                <a:solidFill>
+                  <a:schemeClr val="tx1">
+                    <a:lumMod val="65000"/>
+                    <a:lumOff val="35000"/>
+                  </a:schemeClr>
+                </a:solidFill>
+              </a:rPr>
               <a:t>,</a:t>
             </a:r>
             <a:r>
-              <a:rPr kumimoji="1" lang="ko-KR" altLang="en-US" dirty="0"/>
+              <a:rPr kumimoji="1" lang="ko-KR" altLang="en-US" dirty="0">
+                <a:solidFill>
+                  <a:schemeClr val="tx1">
+                    <a:lumMod val="65000"/>
+                    <a:lumOff val="35000"/>
+                  </a:schemeClr>
+                </a:solidFill>
+              </a:rPr>
               <a:t> 현재 </a:t>
             </a:r>
             <a:r>
-              <a:rPr kumimoji="1" lang="en-US" altLang="ko-KR" dirty="0"/>
+              <a:rPr kumimoji="1" lang="en-US" altLang="ko-KR" dirty="0">
+                <a:solidFill>
+                  <a:schemeClr val="tx1">
+                    <a:lumMod val="65000"/>
+                    <a:lumOff val="35000"/>
+                  </a:schemeClr>
+                </a:solidFill>
+              </a:rPr>
               <a:t>state</a:t>
             </a:r>
             <a:r>
-              <a:rPr kumimoji="1" lang="ko-KR" altLang="en-US" dirty="0"/>
+              <a:rPr kumimoji="1" lang="ko-KR" altLang="en-US" dirty="0">
+                <a:solidFill>
+                  <a:schemeClr val="tx1">
+                    <a:lumMod val="65000"/>
+                    <a:lumOff val="35000"/>
+                  </a:schemeClr>
+                </a:solidFill>
+              </a:rPr>
               <a:t>에서 </a:t>
             </a:r>
             <a:r>
-              <a:rPr kumimoji="1" lang="en-US" altLang="ko-KR" dirty="0"/>
+              <a:rPr kumimoji="1" lang="en-US" altLang="ko-KR" dirty="0">
+                <a:solidFill>
+                  <a:schemeClr val="tx1">
+                    <a:lumMod val="65000"/>
+                    <a:lumOff val="35000"/>
+                  </a:schemeClr>
+                </a:solidFill>
+              </a:rPr>
               <a:t>downstream</a:t>
             </a:r>
             <a:r>
-              <a:rPr kumimoji="1" lang="ko-KR" altLang="en-US" dirty="0"/>
+              <a:rPr kumimoji="1" lang="ko-KR" altLang="en-US" dirty="0">
+                <a:solidFill>
+                  <a:schemeClr val="tx1">
+                    <a:lumMod val="65000"/>
+                    <a:lumOff val="35000"/>
+                  </a:schemeClr>
+                </a:solidFill>
+              </a:rPr>
               <a:t> </a:t>
             </a:r>
             <a:r>
-              <a:rPr kumimoji="1" lang="en-US" altLang="ko-KR" dirty="0"/>
+              <a:rPr kumimoji="1" lang="en-US" altLang="ko-KR" dirty="0">
+                <a:solidFill>
+                  <a:schemeClr val="tx1">
+                    <a:lumMod val="65000"/>
+                    <a:lumOff val="35000"/>
+                  </a:schemeClr>
+                </a:solidFill>
+              </a:rPr>
               <a:t>state, action</a:t>
             </a:r>
             <a:r>
-              <a:rPr kumimoji="1" lang="ko-KR" altLang="en-US" dirty="0"/>
+              <a:rPr kumimoji="1" lang="ko-KR" altLang="en-US" dirty="0">
+                <a:solidFill>
+                  <a:schemeClr val="tx1">
+                    <a:lumMod val="65000"/>
+                    <a:lumOff val="35000"/>
+                  </a:schemeClr>
+                </a:solidFill>
+              </a:rPr>
               <a:t> </a:t>
             </a:r>
             <a:r>
-              <a:rPr kumimoji="1" lang="en-US" altLang="ko-KR" dirty="0"/>
+              <a:rPr kumimoji="1" lang="en-US" altLang="ko-KR" dirty="0">
+                <a:solidFill>
+                  <a:schemeClr val="tx1">
+                    <a:lumMod val="65000"/>
+                    <a:lumOff val="35000"/>
+                  </a:schemeClr>
+                </a:solidFill>
+              </a:rPr>
               <a:t>update</a:t>
             </a:r>
             <a:r>
-              <a:rPr kumimoji="1" lang="ko-KR" altLang="en-US" dirty="0"/>
+              <a:rPr kumimoji="1" lang="ko-KR" altLang="en-US" dirty="0">
+                <a:solidFill>
+                  <a:schemeClr val="tx1">
+                    <a:lumMod val="65000"/>
+                    <a:lumOff val="35000"/>
+                  </a:schemeClr>
+                </a:solidFill>
+              </a:rPr>
               <a:t>에 집중하기 때문이다</a:t>
             </a:r>
             <a:r>
-              <a:rPr kumimoji="1" lang="en-US" altLang="ko-KR" dirty="0"/>
+              <a:rPr kumimoji="1" lang="en-US" altLang="ko-KR" dirty="0">
+                <a:solidFill>
+                  <a:schemeClr val="tx1">
+                    <a:lumMod val="65000"/>
+                    <a:lumOff val="35000"/>
+                  </a:schemeClr>
+                </a:solidFill>
+              </a:rPr>
               <a:t>.?</a:t>
             </a:r>
-            <a:endParaRPr kumimoji="1" lang="ko-KR" altLang="en-US" dirty="0"/>
+            <a:endParaRPr kumimoji="1" lang="ko-KR" altLang="en-US" dirty="0">
+              <a:solidFill>
+                <a:schemeClr val="tx1">
+                  <a:lumMod val="65000"/>
+                  <a:lumOff val="35000"/>
+                </a:schemeClr>
+              </a:solidFill>
+            </a:endParaRPr>
           </a:p>
         </p:txBody>
       </p:sp>
@@ -8410,6 +9189,13 @@
   <p:clrMapOvr>
     <a:masterClrMapping/>
   </p:clrMapOvr>
+  <p:timing>
+    <p:tnLst>
+      <p:par>
+        <p:cTn id="1" dur="indefinite" restart="never" nodeType="tmRoot"/>
+      </p:par>
+    </p:tnLst>
+  </p:timing>
 </p:sld>
 </file>
 
@@ -8500,253 +9286,725 @@
           <a:lstStyle/>
           <a:p>
             <a:r>
-              <a:rPr kumimoji="1" lang="en-US" altLang="ko-KR" dirty="0"/>
+              <a:rPr kumimoji="1" lang="en-US" altLang="ko-KR" dirty="0">
+                <a:solidFill>
+                  <a:schemeClr val="tx1">
+                    <a:lumMod val="65000"/>
+                    <a:lumOff val="35000"/>
+                  </a:schemeClr>
+                </a:solidFill>
+              </a:rPr>
               <a:t>Simulated trajectories</a:t>
             </a:r>
             <a:r>
-              <a:rPr kumimoji="1" lang="ko-KR" altLang="en-US" dirty="0"/>
+              <a:rPr kumimoji="1" lang="ko-KR" altLang="en-US" dirty="0">
+                <a:solidFill>
+                  <a:schemeClr val="tx1">
+                    <a:lumMod val="65000"/>
+                    <a:lumOff val="35000"/>
+                  </a:schemeClr>
+                </a:solidFill>
+              </a:rPr>
               <a:t>에 </a:t>
             </a:r>
             <a:r>
-              <a:rPr kumimoji="1" lang="en-US" altLang="ko-KR" dirty="0"/>
+              <a:rPr kumimoji="1" lang="en-US" altLang="ko-KR" dirty="0">
+                <a:solidFill>
+                  <a:schemeClr val="tx1">
+                    <a:lumMod val="65000"/>
+                    <a:lumOff val="35000"/>
+                  </a:schemeClr>
+                </a:solidFill>
+              </a:rPr>
               <a:t>Monte Carlo control</a:t>
             </a:r>
             <a:r>
-              <a:rPr kumimoji="1" lang="ko-KR" altLang="en-US" dirty="0"/>
+              <a:rPr kumimoji="1" lang="ko-KR" altLang="en-US" dirty="0">
+                <a:solidFill>
+                  <a:schemeClr val="tx1">
+                    <a:lumMod val="65000"/>
+                    <a:lumOff val="35000"/>
+                  </a:schemeClr>
+                </a:solidFill>
+              </a:rPr>
               <a:t>을 적용한 것을 기반으로 한 </a:t>
             </a:r>
             <a:r>
-              <a:rPr kumimoji="1" lang="en-US" altLang="ko-KR" dirty="0"/>
+              <a:rPr kumimoji="1" lang="en-US" altLang="ko-KR" dirty="0">
+                <a:solidFill>
+                  <a:schemeClr val="tx1">
+                    <a:lumMod val="65000"/>
+                    <a:lumOff val="35000"/>
+                  </a:schemeClr>
+                </a:solidFill>
+              </a:rPr>
               <a:t>Decision-time planning.</a:t>
             </a:r>
           </a:p>
           <a:p>
             <a:r>
-              <a:rPr kumimoji="1" lang="ko-KR" altLang="en-US" dirty="0"/>
-              <a:t>많은 </a:t>
-            </a:r>
-            <a:r>
-              <a:rPr kumimoji="1" lang="en-US" altLang="ko-KR" dirty="0"/>
-              <a:t>simulated trajectories</a:t>
-            </a:r>
-            <a:r>
-              <a:rPr kumimoji="1" lang="ko-KR" altLang="en-US" dirty="0"/>
-              <a:t>의 </a:t>
-            </a:r>
-            <a:r>
-              <a:rPr kumimoji="1" lang="en-US" altLang="ko-KR" dirty="0"/>
+              <a:rPr kumimoji="1" lang="ko-KR" altLang="en-US" dirty="0" smtClean="0">
+                <a:solidFill>
+                  <a:schemeClr val="tx1">
+                    <a:lumMod val="65000"/>
+                    <a:lumOff val="35000"/>
+                  </a:schemeClr>
+                </a:solidFill>
+              </a:rPr>
+              <a:t>여러 </a:t>
+            </a:r>
+            <a:r>
+              <a:rPr kumimoji="1" lang="en-US" altLang="ko-KR" dirty="0" smtClean="0">
+                <a:solidFill>
+                  <a:schemeClr val="tx1">
+                    <a:lumMod val="65000"/>
+                    <a:lumOff val="35000"/>
+                  </a:schemeClr>
+                </a:solidFill>
+              </a:rPr>
+              <a:t>trajectories</a:t>
+            </a:r>
+            <a:r>
+              <a:rPr kumimoji="1" lang="ko-KR" altLang="en-US" dirty="0" smtClean="0">
+                <a:solidFill>
+                  <a:schemeClr val="tx1">
+                    <a:lumMod val="65000"/>
+                    <a:lumOff val="35000"/>
+                  </a:schemeClr>
+                </a:solidFill>
+              </a:rPr>
+              <a:t>의</a:t>
+            </a:r>
+            <a:r>
+              <a:rPr kumimoji="1" lang="en-US" altLang="ko-KR" dirty="0" smtClean="0">
+                <a:solidFill>
+                  <a:schemeClr val="tx1">
+                    <a:lumMod val="65000"/>
+                    <a:lumOff val="35000"/>
+                  </a:schemeClr>
+                </a:solidFill>
+              </a:rPr>
+              <a:t>  </a:t>
+            </a:r>
+            <a:r>
+              <a:rPr kumimoji="1" lang="en-US" altLang="ko-KR" dirty="0">
+                <a:solidFill>
+                  <a:schemeClr val="tx1">
+                    <a:lumMod val="65000"/>
+                    <a:lumOff val="35000"/>
+                  </a:schemeClr>
+                </a:solidFill>
+              </a:rPr>
               <a:t>return</a:t>
             </a:r>
             <a:r>
-              <a:rPr kumimoji="1" lang="ko-KR" altLang="en-US" dirty="0"/>
+              <a:rPr kumimoji="1" lang="ko-KR" altLang="en-US" dirty="0">
+                <a:solidFill>
+                  <a:schemeClr val="tx1">
+                    <a:lumMod val="65000"/>
+                    <a:lumOff val="35000"/>
+                  </a:schemeClr>
+                </a:solidFill>
+              </a:rPr>
               <a:t>들의 평균으로 </a:t>
             </a:r>
             <a:r>
-              <a:rPr kumimoji="1" lang="en-US" altLang="ko-KR" dirty="0"/>
+              <a:rPr kumimoji="1" lang="en-US" altLang="ko-KR" dirty="0">
+                <a:solidFill>
+                  <a:schemeClr val="tx1">
+                    <a:lumMod val="65000"/>
+                    <a:lumOff val="35000"/>
+                  </a:schemeClr>
+                </a:solidFill>
+              </a:rPr>
               <a:t>q</a:t>
             </a:r>
             <a:r>
-              <a:rPr kumimoji="1" lang="ko-KR" altLang="en-US" dirty="0"/>
+              <a:rPr kumimoji="1" lang="ko-KR" altLang="en-US" dirty="0">
+                <a:solidFill>
+                  <a:schemeClr val="tx1">
+                    <a:lumMod val="65000"/>
+                    <a:lumOff val="35000"/>
+                  </a:schemeClr>
+                </a:solidFill>
+              </a:rPr>
               <a:t>를 계산</a:t>
             </a:r>
             <a:r>
-              <a:rPr kumimoji="1" lang="en-US" altLang="ko-KR" dirty="0"/>
+              <a:rPr kumimoji="1" lang="en-US" altLang="ko-KR" dirty="0">
+                <a:solidFill>
+                  <a:schemeClr val="tx1">
+                    <a:lumMod val="65000"/>
+                    <a:lumOff val="35000"/>
+                  </a:schemeClr>
+                </a:solidFill>
+              </a:rPr>
               <a:t>.</a:t>
             </a:r>
           </a:p>
           <a:p>
             <a:r>
-              <a:rPr kumimoji="1" lang="en-US" altLang="ko-KR" dirty="0"/>
+              <a:rPr kumimoji="1" lang="en-US" altLang="ko-KR" dirty="0">
+                <a:solidFill>
+                  <a:schemeClr val="tx1">
+                    <a:lumMod val="65000"/>
+                    <a:lumOff val="35000"/>
+                  </a:schemeClr>
+                </a:solidFill>
+              </a:rPr>
               <a:t>q</a:t>
             </a:r>
             <a:r>
-              <a:rPr kumimoji="1" lang="ko-KR" altLang="en-US" dirty="0"/>
+              <a:rPr kumimoji="1" lang="ko-KR" altLang="en-US" dirty="0">
+                <a:solidFill>
+                  <a:schemeClr val="tx1">
+                    <a:lumMod val="65000"/>
+                    <a:lumOff val="35000"/>
+                  </a:schemeClr>
+                </a:solidFill>
+              </a:rPr>
               <a:t>가 충분히 정확하게 </a:t>
             </a:r>
             <a:r>
-              <a:rPr kumimoji="1" lang="en-US" altLang="ko-KR" dirty="0"/>
+              <a:rPr kumimoji="1" lang="en-US" altLang="ko-KR" dirty="0">
+                <a:solidFill>
+                  <a:schemeClr val="tx1">
+                    <a:lumMod val="65000"/>
+                    <a:lumOff val="35000"/>
+                  </a:schemeClr>
+                </a:solidFill>
+              </a:rPr>
               <a:t>estimate</a:t>
             </a:r>
             <a:r>
-              <a:rPr kumimoji="1" lang="ko-KR" altLang="en-US" dirty="0"/>
+              <a:rPr kumimoji="1" lang="ko-KR" altLang="en-US" dirty="0">
+                <a:solidFill>
+                  <a:schemeClr val="tx1">
+                    <a:lumMod val="65000"/>
+                    <a:lumOff val="35000"/>
+                  </a:schemeClr>
+                </a:solidFill>
+              </a:rPr>
               <a:t>되면</a:t>
             </a:r>
             <a:r>
-              <a:rPr kumimoji="1" lang="en-US" altLang="ko-KR" dirty="0"/>
+              <a:rPr kumimoji="1" lang="en-US" altLang="ko-KR" dirty="0">
+                <a:solidFill>
+                  <a:schemeClr val="tx1">
+                    <a:lumMod val="65000"/>
+                    <a:lumOff val="35000"/>
+                  </a:schemeClr>
+                </a:solidFill>
+              </a:rPr>
               <a:t>,</a:t>
             </a:r>
             <a:r>
-              <a:rPr kumimoji="1" lang="ko-KR" altLang="en-US" dirty="0"/>
+              <a:rPr kumimoji="1" lang="ko-KR" altLang="en-US" dirty="0">
+                <a:solidFill>
+                  <a:schemeClr val="tx1">
+                    <a:lumMod val="65000"/>
+                    <a:lumOff val="35000"/>
+                  </a:schemeClr>
+                </a:solidFill>
+              </a:rPr>
               <a:t> </a:t>
             </a:r>
             <a:r>
-              <a:rPr kumimoji="1" lang="en-US" altLang="ko-KR" dirty="0"/>
-              <a:t>the process is carried out anew from the resulting next state.</a:t>
-            </a:r>
-          </a:p>
-          <a:p>
-            <a:endParaRPr kumimoji="1" lang="en-US" altLang="ko-KR" dirty="0"/>
-          </a:p>
-          <a:p>
-            <a:r>
-              <a:rPr kumimoji="1" lang="en-US" altLang="ko-KR" dirty="0"/>
+              <a:rPr kumimoji="1" lang="ko-KR" altLang="en-US" dirty="0" smtClean="0">
+                <a:solidFill>
+                  <a:schemeClr val="tx1">
+                    <a:lumMod val="65000"/>
+                    <a:lumOff val="35000"/>
+                  </a:schemeClr>
+                </a:solidFill>
+              </a:rPr>
+              <a:t>다음</a:t>
+            </a:r>
+            <a:r>
+              <a:rPr kumimoji="1" lang="en-US" altLang="ko-KR" dirty="0" smtClean="0">
+                <a:solidFill>
+                  <a:schemeClr val="tx1">
+                    <a:lumMod val="65000"/>
+                    <a:lumOff val="35000"/>
+                  </a:schemeClr>
+                </a:solidFill>
+              </a:rPr>
+              <a:t> state</a:t>
+            </a:r>
+            <a:r>
+              <a:rPr kumimoji="1" lang="ko-KR" altLang="en-US" dirty="0" smtClean="0">
+                <a:solidFill>
+                  <a:schemeClr val="tx1">
+                    <a:lumMod val="65000"/>
+                    <a:lumOff val="35000"/>
+                  </a:schemeClr>
+                </a:solidFill>
+              </a:rPr>
+              <a:t>에서 다시 시작</a:t>
+            </a:r>
+            <a:r>
+              <a:rPr kumimoji="1" lang="en-US" altLang="ko-KR" dirty="0" smtClean="0">
+                <a:solidFill>
+                  <a:schemeClr val="tx1">
+                    <a:lumMod val="65000"/>
+                    <a:lumOff val="35000"/>
+                  </a:schemeClr>
+                </a:solidFill>
+              </a:rPr>
+              <a:t>.</a:t>
+            </a:r>
+            <a:endParaRPr kumimoji="1" lang="en-US" altLang="ko-KR" dirty="0">
+              <a:solidFill>
+                <a:schemeClr val="tx1">
+                  <a:lumMod val="65000"/>
+                  <a:lumOff val="35000"/>
+                </a:schemeClr>
+              </a:solidFill>
+            </a:endParaRPr>
+          </a:p>
+          <a:p>
+            <a:endParaRPr kumimoji="1" lang="en-US" altLang="ko-KR" dirty="0">
+              <a:solidFill>
+                <a:schemeClr val="tx1">
+                  <a:lumMod val="65000"/>
+                  <a:lumOff val="35000"/>
+                </a:schemeClr>
+              </a:solidFill>
+            </a:endParaRPr>
+          </a:p>
+          <a:p>
+            <a:r>
+              <a:rPr kumimoji="1" lang="en-US" altLang="ko-KR" dirty="0">
+                <a:solidFill>
+                  <a:schemeClr val="tx1">
+                    <a:lumMod val="65000"/>
+                    <a:lumOff val="35000"/>
+                  </a:schemeClr>
+                </a:solidFill>
+              </a:rPr>
               <a:t>The term ‘rollout’ comes from estimating the value of a backgammon position by playing out the position many times to the game’s end with randomly generated sequences of dice rolls, where the moves of both players are made by some fixed policy.</a:t>
             </a:r>
           </a:p>
           <a:p>
-            <a:endParaRPr kumimoji="1" lang="en-US" altLang="ko-KR" dirty="0"/>
-          </a:p>
-          <a:p>
-            <a:r>
-              <a:rPr kumimoji="1" lang="en-US" altLang="ko-KR" dirty="0"/>
+            <a:endParaRPr kumimoji="1" lang="en-US" altLang="ko-KR" dirty="0">
+              <a:solidFill>
+                <a:schemeClr val="tx1">
+                  <a:lumMod val="65000"/>
+                  <a:lumOff val="35000"/>
+                </a:schemeClr>
+              </a:solidFill>
+            </a:endParaRPr>
+          </a:p>
+          <a:p>
+            <a:r>
+              <a:rPr kumimoji="1" lang="en-US" altLang="ko-KR" dirty="0">
+                <a:solidFill>
+                  <a:schemeClr val="tx1">
+                    <a:lumMod val="65000"/>
+                    <a:lumOff val="35000"/>
+                  </a:schemeClr>
+                </a:solidFill>
+              </a:rPr>
               <a:t>MC</a:t>
             </a:r>
             <a:r>
-              <a:rPr kumimoji="1" lang="ko-KR" altLang="en-US" dirty="0"/>
+              <a:rPr kumimoji="1" lang="ko-KR" altLang="en-US" dirty="0">
+                <a:solidFill>
+                  <a:schemeClr val="tx1">
+                    <a:lumMod val="65000"/>
+                    <a:lumOff val="35000"/>
+                  </a:schemeClr>
+                </a:solidFill>
+              </a:rPr>
               <a:t> </a:t>
             </a:r>
             <a:r>
-              <a:rPr kumimoji="1" lang="en-US" altLang="ko-KR" dirty="0"/>
+              <a:rPr kumimoji="1" lang="en-US" altLang="ko-KR" dirty="0">
+                <a:solidFill>
+                  <a:schemeClr val="tx1">
+                    <a:lumMod val="65000"/>
+                    <a:lumOff val="35000"/>
+                  </a:schemeClr>
+                </a:solidFill>
+              </a:rPr>
               <a:t>control</a:t>
             </a:r>
             <a:r>
-              <a:rPr kumimoji="1" lang="ko-KR" altLang="en-US" dirty="0"/>
+              <a:rPr kumimoji="1" lang="ko-KR" altLang="en-US" dirty="0">
+                <a:solidFill>
+                  <a:schemeClr val="tx1">
+                    <a:lumMod val="65000"/>
+                    <a:lumOff val="35000"/>
+                  </a:schemeClr>
+                </a:solidFill>
+              </a:rPr>
               <a:t>과는 다르게</a:t>
             </a:r>
             <a:r>
-              <a:rPr kumimoji="1" lang="en-US" altLang="ko-KR" dirty="0"/>
+              <a:rPr kumimoji="1" lang="en-US" altLang="ko-KR" dirty="0">
+                <a:solidFill>
+                  <a:schemeClr val="tx1">
+                    <a:lumMod val="65000"/>
+                    <a:lumOff val="35000"/>
+                  </a:schemeClr>
+                </a:solidFill>
+              </a:rPr>
               <a:t>,</a:t>
             </a:r>
             <a:r>
-              <a:rPr kumimoji="1" lang="ko-KR" altLang="en-US" dirty="0"/>
+              <a:rPr kumimoji="1" lang="ko-KR" altLang="en-US" dirty="0">
+                <a:solidFill>
+                  <a:schemeClr val="tx1">
+                    <a:lumMod val="65000"/>
+                    <a:lumOff val="35000"/>
+                  </a:schemeClr>
+                </a:solidFill>
+              </a:rPr>
               <a:t> </a:t>
             </a:r>
             <a:r>
-              <a:rPr kumimoji="1" lang="en-US" altLang="ko-KR" dirty="0"/>
+              <a:rPr kumimoji="1" lang="en-US" altLang="ko-KR" dirty="0">
+                <a:solidFill>
+                  <a:schemeClr val="tx1">
+                    <a:lumMod val="65000"/>
+                    <a:lumOff val="35000"/>
+                  </a:schemeClr>
+                </a:solidFill>
+              </a:rPr>
               <a:t>rollout</a:t>
             </a:r>
             <a:r>
-              <a:rPr kumimoji="1" lang="ko-KR" altLang="en-US" dirty="0"/>
+              <a:rPr kumimoji="1" lang="ko-KR" altLang="en-US" dirty="0">
+                <a:solidFill>
+                  <a:schemeClr val="tx1">
+                    <a:lumMod val="65000"/>
+                    <a:lumOff val="35000"/>
+                  </a:schemeClr>
+                </a:solidFill>
+              </a:rPr>
               <a:t>은 </a:t>
             </a:r>
             <a:r>
-              <a:rPr kumimoji="1" lang="en-US" altLang="ko-KR" dirty="0"/>
+              <a:rPr kumimoji="1" lang="en-US" altLang="ko-KR" dirty="0">
+                <a:solidFill>
+                  <a:schemeClr val="tx1">
+                    <a:lumMod val="65000"/>
+                    <a:lumOff val="35000"/>
+                  </a:schemeClr>
+                </a:solidFill>
+              </a:rPr>
               <a:t>complete optimal q</a:t>
             </a:r>
             <a:r>
-              <a:rPr kumimoji="1" lang="en-US" altLang="ko-KR" baseline="-25000" dirty="0"/>
+              <a:rPr kumimoji="1" lang="en-US" altLang="ko-KR" baseline="-25000" dirty="0">
+                <a:solidFill>
+                  <a:schemeClr val="tx1">
+                    <a:lumMod val="65000"/>
+                    <a:lumOff val="35000"/>
+                  </a:schemeClr>
+                </a:solidFill>
+              </a:rPr>
               <a:t>*</a:t>
             </a:r>
             <a:r>
-              <a:rPr kumimoji="1" lang="ko-KR" altLang="en-US" dirty="0"/>
+              <a:rPr kumimoji="1" lang="ko-KR" altLang="en-US" dirty="0">
+                <a:solidFill>
+                  <a:schemeClr val="tx1">
+                    <a:lumMod val="65000"/>
+                    <a:lumOff val="35000"/>
+                  </a:schemeClr>
+                </a:solidFill>
+              </a:rPr>
               <a:t>나 </a:t>
             </a:r>
             <a:r>
-              <a:rPr kumimoji="1" lang="en-US" altLang="ko-KR" dirty="0"/>
+              <a:rPr kumimoji="1" lang="en-US" altLang="ko-KR" dirty="0">
+                <a:solidFill>
+                  <a:schemeClr val="tx1">
+                    <a:lumMod val="65000"/>
+                    <a:lumOff val="35000"/>
+                  </a:schemeClr>
+                </a:solidFill>
+              </a:rPr>
               <a:t>complete q</a:t>
             </a:r>
             <a:r>
-              <a:rPr kumimoji="1" lang="ko-KR" altLang="en-US" dirty="0"/>
+              <a:rPr kumimoji="1" lang="ko-KR" altLang="en-US" dirty="0">
+                <a:solidFill>
+                  <a:schemeClr val="tx1">
+                    <a:lumMod val="65000"/>
+                    <a:lumOff val="35000"/>
+                  </a:schemeClr>
+                </a:solidFill>
+              </a:rPr>
               <a:t>를 </a:t>
             </a:r>
             <a:r>
-              <a:rPr kumimoji="1" lang="en-US" altLang="ko-KR" dirty="0"/>
+              <a:rPr kumimoji="1" lang="en-US" altLang="ko-KR" dirty="0">
+                <a:solidFill>
+                  <a:schemeClr val="tx1">
+                    <a:lumMod val="65000"/>
+                    <a:lumOff val="35000"/>
+                  </a:schemeClr>
+                </a:solidFill>
+              </a:rPr>
               <a:t>estimate </a:t>
             </a:r>
             <a:r>
-              <a:rPr kumimoji="1" lang="ko-KR" altLang="en-US" dirty="0"/>
+              <a:rPr kumimoji="1" lang="ko-KR" altLang="en-US" dirty="0">
+                <a:solidFill>
+                  <a:schemeClr val="tx1">
+                    <a:lumMod val="65000"/>
+                    <a:lumOff val="35000"/>
+                  </a:schemeClr>
+                </a:solidFill>
+              </a:rPr>
               <a:t>하려는게 아니라 </a:t>
             </a:r>
-            <a:endParaRPr kumimoji="1" lang="en-US" altLang="ko-KR" dirty="0"/>
-          </a:p>
-          <a:p>
-            <a:r>
-              <a:rPr kumimoji="1" lang="ko-KR" altLang="en-US" dirty="0"/>
+            <a:endParaRPr kumimoji="1" lang="en-US" altLang="ko-KR" dirty="0">
+              <a:solidFill>
+                <a:schemeClr val="tx1">
+                  <a:lumMod val="65000"/>
+                  <a:lumOff val="35000"/>
+                </a:schemeClr>
+              </a:solidFill>
+            </a:endParaRPr>
+          </a:p>
+          <a:p>
+            <a:r>
+              <a:rPr kumimoji="1" lang="ko-KR" altLang="en-US" dirty="0">
+                <a:solidFill>
+                  <a:schemeClr val="tx1">
+                    <a:lumMod val="65000"/>
+                    <a:lumOff val="35000"/>
+                  </a:schemeClr>
+                </a:solidFill>
+              </a:rPr>
               <a:t>현재 </a:t>
             </a:r>
             <a:r>
-              <a:rPr kumimoji="1" lang="en-US" altLang="ko-KR" dirty="0"/>
+              <a:rPr kumimoji="1" lang="en-US" altLang="ko-KR" dirty="0">
+                <a:solidFill>
+                  <a:schemeClr val="tx1">
+                    <a:lumMod val="65000"/>
+                    <a:lumOff val="35000"/>
+                  </a:schemeClr>
+                </a:solidFill>
+              </a:rPr>
               <a:t>state</a:t>
             </a:r>
             <a:r>
-              <a:rPr kumimoji="1" lang="ko-KR" altLang="en-US" dirty="0"/>
+              <a:rPr kumimoji="1" lang="ko-KR" altLang="en-US" dirty="0">
+                <a:solidFill>
+                  <a:schemeClr val="tx1">
+                    <a:lumMod val="65000"/>
+                    <a:lumOff val="35000"/>
+                  </a:schemeClr>
+                </a:solidFill>
+              </a:rPr>
               <a:t>와 </a:t>
             </a:r>
             <a:r>
-              <a:rPr kumimoji="1" lang="en-US" altLang="ko-KR" dirty="0"/>
+              <a:rPr kumimoji="1" lang="en-US" altLang="ko-KR" dirty="0">
+                <a:solidFill>
+                  <a:schemeClr val="tx1">
+                    <a:lumMod val="65000"/>
+                    <a:lumOff val="35000"/>
+                  </a:schemeClr>
+                </a:solidFill>
+              </a:rPr>
               <a:t>given policy</a:t>
             </a:r>
             <a:r>
-              <a:rPr kumimoji="1" lang="ko-KR" altLang="en-US" dirty="0"/>
+              <a:rPr kumimoji="1" lang="ko-KR" altLang="en-US" dirty="0">
+                <a:solidFill>
+                  <a:schemeClr val="tx1">
+                    <a:lumMod val="65000"/>
+                    <a:lumOff val="35000"/>
+                  </a:schemeClr>
+                </a:solidFill>
+              </a:rPr>
               <a:t>의</a:t>
             </a:r>
             <a:r>
-              <a:rPr kumimoji="1" lang="en-US" altLang="ko-KR" dirty="0"/>
+              <a:rPr kumimoji="1" lang="en-US" altLang="ko-KR" dirty="0">
+                <a:solidFill>
+                  <a:schemeClr val="tx1">
+                    <a:lumMod val="65000"/>
+                    <a:lumOff val="35000"/>
+                  </a:schemeClr>
+                </a:solidFill>
+              </a:rPr>
               <a:t> MC estimates of</a:t>
             </a:r>
             <a:r>
-              <a:rPr kumimoji="1" lang="ko-KR" altLang="en-US" dirty="0"/>
+              <a:rPr kumimoji="1" lang="ko-KR" altLang="en-US" dirty="0">
+                <a:solidFill>
+                  <a:schemeClr val="tx1">
+                    <a:lumMod val="65000"/>
+                    <a:lumOff val="35000"/>
+                  </a:schemeClr>
+                </a:solidFill>
+              </a:rPr>
               <a:t> </a:t>
             </a:r>
             <a:r>
-              <a:rPr kumimoji="1" lang="en-US" altLang="ko-KR" dirty="0"/>
+              <a:rPr kumimoji="1" lang="en-US" altLang="ko-KR" dirty="0">
+                <a:solidFill>
+                  <a:schemeClr val="tx1">
+                    <a:lumMod val="65000"/>
+                    <a:lumOff val="35000"/>
+                  </a:schemeClr>
+                </a:solidFill>
+              </a:rPr>
               <a:t>action value</a:t>
             </a:r>
             <a:r>
-              <a:rPr kumimoji="1" lang="ko-KR" altLang="en-US" dirty="0"/>
+              <a:rPr kumimoji="1" lang="ko-KR" altLang="en-US" dirty="0">
+                <a:solidFill>
+                  <a:schemeClr val="tx1">
+                    <a:lumMod val="65000"/>
+                    <a:lumOff val="35000"/>
+                  </a:schemeClr>
+                </a:solidFill>
+              </a:rPr>
               <a:t>를 구하려는것</a:t>
             </a:r>
             <a:r>
-              <a:rPr kumimoji="1" lang="en-US" altLang="ko-KR" dirty="0"/>
+              <a:rPr kumimoji="1" lang="en-US" altLang="ko-KR" dirty="0">
+                <a:solidFill>
+                  <a:schemeClr val="tx1">
+                    <a:lumMod val="65000"/>
+                    <a:lumOff val="35000"/>
+                  </a:schemeClr>
+                </a:solidFill>
+              </a:rPr>
               <a:t>.</a:t>
             </a:r>
           </a:p>
           <a:p>
             <a:r>
-              <a:rPr kumimoji="1" lang="ko-KR" altLang="en-US" dirty="0"/>
+              <a:rPr kumimoji="1" lang="ko-KR" altLang="en-US" dirty="0">
+                <a:solidFill>
+                  <a:schemeClr val="tx1">
+                    <a:lumMod val="65000"/>
+                    <a:lumOff val="35000"/>
+                  </a:schemeClr>
+                </a:solidFill>
+              </a:rPr>
               <a:t>마찬가지로 쓰고나서 버림</a:t>
             </a:r>
             <a:r>
-              <a:rPr kumimoji="1" lang="en-US" altLang="ko-KR" dirty="0"/>
+              <a:rPr kumimoji="1" lang="en-US" altLang="ko-KR" dirty="0">
+                <a:solidFill>
+                  <a:schemeClr val="tx1">
+                    <a:lumMod val="65000"/>
+                    <a:lumOff val="35000"/>
+                  </a:schemeClr>
+                </a:solidFill>
+              </a:rPr>
               <a:t>.</a:t>
             </a:r>
           </a:p>
           <a:p>
             <a:r>
-              <a:rPr kumimoji="1" lang="en-US" altLang="ko-KR" dirty="0"/>
+              <a:rPr kumimoji="1" lang="en-US" altLang="ko-KR" dirty="0">
+                <a:solidFill>
+                  <a:schemeClr val="tx1">
+                    <a:lumMod val="65000"/>
+                    <a:lumOff val="35000"/>
+                  </a:schemeClr>
+                </a:solidFill>
+              </a:rPr>
               <a:t>This makes rollout algorithm relatively simple to implement because there is no need to sample outcomes for every state-action pair, and there is no need to approximate a function over either the state space or the state-action space.</a:t>
             </a:r>
           </a:p>
           <a:p>
-            <a:endParaRPr kumimoji="1" lang="en-US" altLang="ko-KR" dirty="0"/>
-          </a:p>
-          <a:p>
-            <a:r>
-              <a:rPr kumimoji="1" lang="en-US" altLang="ko-KR" dirty="0"/>
+            <a:endParaRPr kumimoji="1" lang="en-US" altLang="ko-KR" dirty="0">
+              <a:solidFill>
+                <a:schemeClr val="tx1">
+                  <a:lumMod val="65000"/>
+                  <a:lumOff val="35000"/>
+                </a:schemeClr>
+              </a:solidFill>
+            </a:endParaRPr>
+          </a:p>
+          <a:p>
+            <a:r>
+              <a:rPr kumimoji="1" lang="en-US" altLang="ko-KR" dirty="0">
+                <a:solidFill>
+                  <a:schemeClr val="tx1">
+                    <a:lumMod val="65000"/>
+                    <a:lumOff val="35000"/>
+                  </a:schemeClr>
+                </a:solidFill>
+              </a:rPr>
               <a:t>Rollout algorithm</a:t>
             </a:r>
             <a:r>
-              <a:rPr kumimoji="1" lang="ko-KR" altLang="en-US" dirty="0"/>
+              <a:rPr kumimoji="1" lang="ko-KR" altLang="en-US" dirty="0">
+                <a:solidFill>
+                  <a:schemeClr val="tx1">
+                    <a:lumMod val="65000"/>
+                    <a:lumOff val="35000"/>
+                  </a:schemeClr>
+                </a:solidFill>
+              </a:rPr>
               <a:t>의 목표는 </a:t>
             </a:r>
             <a:r>
-              <a:rPr kumimoji="1" lang="en-US" altLang="ko-KR" dirty="0"/>
+              <a:rPr kumimoji="1" lang="en-US" altLang="ko-KR" dirty="0">
+                <a:solidFill>
+                  <a:schemeClr val="tx1">
+                    <a:lumMod val="65000"/>
+                    <a:lumOff val="35000"/>
+                  </a:schemeClr>
+                </a:solidFill>
+              </a:rPr>
               <a:t>optimal policy </a:t>
             </a:r>
             <a:r>
-              <a:rPr kumimoji="1" lang="ko-KR" altLang="en-US" dirty="0"/>
+              <a:rPr kumimoji="1" lang="ko-KR" altLang="en-US" dirty="0">
+                <a:solidFill>
+                  <a:schemeClr val="tx1">
+                    <a:lumMod val="65000"/>
+                    <a:lumOff val="35000"/>
+                  </a:schemeClr>
+                </a:solidFill>
+              </a:rPr>
               <a:t>를 찾는게 아니라</a:t>
             </a:r>
             <a:r>
-              <a:rPr kumimoji="1" lang="en-US" altLang="ko-KR" dirty="0"/>
+              <a:rPr kumimoji="1" lang="en-US" altLang="ko-KR" dirty="0">
+                <a:solidFill>
+                  <a:schemeClr val="tx1">
+                    <a:lumMod val="65000"/>
+                    <a:lumOff val="35000"/>
+                  </a:schemeClr>
+                </a:solidFill>
+              </a:rPr>
               <a:t>,</a:t>
             </a:r>
             <a:r>
-              <a:rPr kumimoji="1" lang="ko-KR" altLang="en-US" dirty="0"/>
+              <a:rPr kumimoji="1" lang="ko-KR" altLang="en-US" dirty="0">
+                <a:solidFill>
+                  <a:schemeClr val="tx1">
+                    <a:lumMod val="65000"/>
+                    <a:lumOff val="35000"/>
+                  </a:schemeClr>
+                </a:solidFill>
+              </a:rPr>
               <a:t> </a:t>
             </a:r>
             <a:r>
-              <a:rPr kumimoji="1" lang="en-US" altLang="ko-KR" dirty="0"/>
+              <a:rPr kumimoji="1" lang="en-US" altLang="ko-KR" dirty="0">
+                <a:solidFill>
+                  <a:schemeClr val="tx1">
+                    <a:lumMod val="65000"/>
+                    <a:lumOff val="35000"/>
+                  </a:schemeClr>
+                </a:solidFill>
+              </a:rPr>
               <a:t>improve upon the default policy.</a:t>
             </a:r>
           </a:p>
@@ -8757,6 +10015,13 @@
   <p:clrMapOvr>
     <a:masterClrMapping/>
   </p:clrMapOvr>
+  <p:timing>
+    <p:tnLst>
+      <p:par>
+        <p:cTn id="1" dur="indefinite" restart="never" nodeType="tmRoot"/>
+      </p:par>
+    </p:tnLst>
+  </p:timing>
 </p:sld>
 </file>
 
@@ -8782,7 +10047,7 @@
           <p:cNvPr id="2" name="텍스트 상자 5">
             <a:extLst>
               <a:ext uri="{FF2B5EF4-FFF2-40B4-BE49-F238E27FC236}">
-                <a16:creationId xmlns:a16="http://schemas.microsoft.com/office/drawing/2014/main" id="{9D619D04-013E-4630-B348-6CFA4771E79C}"/>
+                <a16:creationId xmlns:a16="http://schemas.microsoft.com/office/drawing/2014/main" xmlns="" id="{9D619D04-013E-4630-B348-6CFA4771E79C}"/>
               </a:ext>
             </a:extLst>
           </p:cNvPr>
@@ -8913,7 +10178,7 @@
           <p:cNvPr id="3" name="TextBox 2">
             <a:extLst>
               <a:ext uri="{FF2B5EF4-FFF2-40B4-BE49-F238E27FC236}">
-                <a16:creationId xmlns:a16="http://schemas.microsoft.com/office/drawing/2014/main" id="{64E2CA8B-4D2C-4788-8CA1-DBFF4156B192}"/>
+                <a16:creationId xmlns:a16="http://schemas.microsoft.com/office/drawing/2014/main" xmlns="" id="{64E2CA8B-4D2C-4788-8CA1-DBFF4156B192}"/>
               </a:ext>
             </a:extLst>
           </p:cNvPr>
@@ -8923,7 +10188,7 @@
         <p:spPr>
           <a:xfrm>
             <a:off x="854869" y="1190625"/>
-            <a:ext cx="11811000" cy="3693319"/>
+            <a:ext cx="11811000" cy="4801314"/>
           </a:xfrm>
           <a:prstGeom prst="rect">
             <a:avLst/>
@@ -8936,177 +10201,475 @@
           <a:lstStyle/>
           <a:p>
             <a:r>
-              <a:rPr lang="en-US" altLang="ko-KR" dirty="0"/>
-              <a:t>MCTS is a recent and strikingly successful example of decision-time planning.</a:t>
-            </a:r>
-          </a:p>
-          <a:p>
-            <a:r>
-              <a:rPr lang="en-US" altLang="ko-KR" dirty="0"/>
-              <a:t>At is base, MCTS is rollout algorithm but, enhanced by the addition of a means for accumulating value estimates obtained from the MC simulations in order to successively direct simulations toward more highly-rewarding trajectories.</a:t>
-            </a:r>
-          </a:p>
-          <a:p>
-            <a:endParaRPr lang="en-US" altLang="ko-KR" dirty="0"/>
-          </a:p>
-          <a:p>
-            <a:r>
-              <a:rPr lang="en-US" altLang="ko-KR" dirty="0"/>
+              <a:rPr lang="en-US" altLang="ko-KR" dirty="0">
+                <a:solidFill>
+                  <a:schemeClr val="tx1">
+                    <a:lumMod val="65000"/>
+                    <a:lumOff val="35000"/>
+                  </a:schemeClr>
+                </a:solidFill>
+              </a:rPr>
+              <a:t>MCTS is a recent and strikingly successful example of decision-time planning</a:t>
+            </a:r>
+            <a:r>
+              <a:rPr lang="en-US" altLang="ko-KR" dirty="0" smtClean="0">
+                <a:solidFill>
+                  <a:schemeClr val="tx1">
+                    <a:lumMod val="65000"/>
+                    <a:lumOff val="35000"/>
+                  </a:schemeClr>
+                </a:solidFill>
+              </a:rPr>
+              <a:t>.</a:t>
+            </a:r>
+          </a:p>
+          <a:p>
+            <a:endParaRPr lang="en-US" altLang="ko-KR" dirty="0">
+              <a:solidFill>
+                <a:schemeClr val="tx1">
+                  <a:lumMod val="65000"/>
+                  <a:lumOff val="35000"/>
+                </a:schemeClr>
+              </a:solidFill>
+            </a:endParaRPr>
+          </a:p>
+          <a:p>
+            <a:r>
+              <a:rPr lang="ko-KR" altLang="en-US" dirty="0" smtClean="0">
+                <a:solidFill>
+                  <a:schemeClr val="tx1">
+                    <a:lumMod val="65000"/>
+                    <a:lumOff val="35000"/>
+                  </a:schemeClr>
+                </a:solidFill>
+              </a:rPr>
+              <a:t>베이스는 </a:t>
+            </a:r>
+            <a:r>
+              <a:rPr lang="en-US" altLang="ko-KR" dirty="0" smtClean="0">
+                <a:solidFill>
+                  <a:schemeClr val="tx1">
+                    <a:lumMod val="65000"/>
+                    <a:lumOff val="35000"/>
+                  </a:schemeClr>
+                </a:solidFill>
+              </a:rPr>
+              <a:t>rollout algorithm</a:t>
+            </a:r>
+            <a:r>
+              <a:rPr lang="ko-KR" altLang="en-US" dirty="0" smtClean="0">
+                <a:solidFill>
+                  <a:schemeClr val="tx1">
+                    <a:lumMod val="65000"/>
+                    <a:lumOff val="35000"/>
+                  </a:schemeClr>
+                </a:solidFill>
+              </a:rPr>
+              <a:t>이지만</a:t>
+            </a:r>
+            <a:r>
+              <a:rPr lang="en-US" altLang="ko-KR" dirty="0" smtClean="0">
+                <a:solidFill>
+                  <a:schemeClr val="tx1">
+                    <a:lumMod val="65000"/>
+                    <a:lumOff val="35000"/>
+                  </a:schemeClr>
+                </a:solidFill>
+              </a:rPr>
+              <a:t>,</a:t>
+            </a:r>
+            <a:r>
+              <a:rPr lang="ko-KR" altLang="en-US" dirty="0" smtClean="0">
+                <a:solidFill>
+                  <a:schemeClr val="tx1">
+                    <a:lumMod val="65000"/>
+                    <a:lumOff val="35000"/>
+                  </a:schemeClr>
+                </a:solidFill>
+              </a:rPr>
+              <a:t> </a:t>
+            </a:r>
+            <a:r>
+              <a:rPr lang="en-US" altLang="ko-KR" dirty="0" smtClean="0">
+                <a:solidFill>
+                  <a:schemeClr val="tx1">
+                    <a:lumMod val="65000"/>
+                    <a:lumOff val="35000"/>
+                  </a:schemeClr>
+                </a:solidFill>
+              </a:rPr>
+              <a:t>enhanced </a:t>
+            </a:r>
+            <a:r>
+              <a:rPr lang="en-US" altLang="ko-KR" dirty="0">
+                <a:solidFill>
+                  <a:schemeClr val="tx1">
+                    <a:lumMod val="65000"/>
+                    <a:lumOff val="35000"/>
+                  </a:schemeClr>
+                </a:solidFill>
+              </a:rPr>
+              <a:t>by the addition of a means for accumulating value estimates obtained from the MC simulations in order to successively direct simulations toward more highly-rewarding trajectories.</a:t>
+            </a:r>
+          </a:p>
+          <a:p>
+            <a:endParaRPr lang="en-US" altLang="ko-KR" dirty="0">
+              <a:solidFill>
+                <a:schemeClr val="tx1">
+                  <a:lumMod val="65000"/>
+                  <a:lumOff val="35000"/>
+                </a:schemeClr>
+              </a:solidFill>
+            </a:endParaRPr>
+          </a:p>
+          <a:p>
+            <a:endParaRPr lang="en-US" altLang="ko-KR" dirty="0">
+              <a:solidFill>
+                <a:schemeClr val="tx1">
+                  <a:lumMod val="65000"/>
+                  <a:lumOff val="35000"/>
+                </a:schemeClr>
+              </a:solidFill>
+            </a:endParaRPr>
+          </a:p>
+          <a:p>
+            <a:r>
+              <a:rPr lang="en-US" altLang="ko-KR" dirty="0">
+                <a:solidFill>
+                  <a:schemeClr val="accent6">
+                    <a:lumMod val="75000"/>
+                  </a:schemeClr>
+                </a:solidFill>
+              </a:rPr>
               <a:t>The core idea is to successively focus multiple simulations starting at the current state by extending the initial portions of trajectories that have received high evaluations from earlier simulations.</a:t>
             </a:r>
           </a:p>
           <a:p>
-            <a:endParaRPr lang="en-US" altLang="ko-KR" dirty="0"/>
-          </a:p>
-          <a:p>
-            <a:r>
-              <a:rPr lang="en-US" altLang="ko-KR" dirty="0"/>
+            <a:endParaRPr lang="en-US" altLang="ko-KR" dirty="0" smtClean="0">
+              <a:solidFill>
+                <a:schemeClr val="tx1">
+                  <a:lumMod val="65000"/>
+                  <a:lumOff val="35000"/>
+                </a:schemeClr>
+              </a:solidFill>
+            </a:endParaRPr>
+          </a:p>
+          <a:p>
+            <a:endParaRPr lang="en-US" altLang="ko-KR" dirty="0">
+              <a:solidFill>
+                <a:schemeClr val="tx1">
+                  <a:lumMod val="65000"/>
+                  <a:lumOff val="35000"/>
+                </a:schemeClr>
+              </a:solidFill>
+            </a:endParaRPr>
+          </a:p>
+          <a:p>
+            <a:r>
+              <a:rPr lang="en-US" altLang="ko-KR" dirty="0">
+                <a:solidFill>
+                  <a:schemeClr val="accent6">
+                    <a:lumMod val="75000"/>
+                  </a:schemeClr>
+                </a:solidFill>
+              </a:rPr>
               <a:t>It does not have to retain approximate value functions or policies from one action selection to the next, though in many implementations it retains selected action values likely to be useful for its next execution.</a:t>
             </a:r>
           </a:p>
           <a:p>
-            <a:endParaRPr lang="en-US" altLang="ko-KR" dirty="0"/>
-          </a:p>
-          <a:p>
-            <a:r>
-              <a:rPr lang="en-US" altLang="ko-KR" dirty="0"/>
-              <a:t>For the most part, simulated trajectory</a:t>
-            </a:r>
-            <a:r>
-              <a:rPr lang="ko-KR" altLang="en-US" dirty="0"/>
+            <a:endParaRPr lang="en-US" altLang="ko-KR" dirty="0" smtClean="0">
+              <a:solidFill>
+                <a:schemeClr val="tx1">
+                  <a:lumMod val="65000"/>
+                  <a:lumOff val="35000"/>
+                </a:schemeClr>
+              </a:solidFill>
+            </a:endParaRPr>
+          </a:p>
+          <a:p>
+            <a:endParaRPr lang="en-US" altLang="ko-KR" dirty="0">
+              <a:solidFill>
+                <a:schemeClr val="tx1">
+                  <a:lumMod val="65000"/>
+                  <a:lumOff val="35000"/>
+                </a:schemeClr>
+              </a:solidFill>
+            </a:endParaRPr>
+          </a:p>
+          <a:p>
+            <a:r>
+              <a:rPr lang="ko-KR" altLang="en-US" dirty="0" smtClean="0">
+                <a:solidFill>
+                  <a:schemeClr val="tx1">
+                    <a:lumMod val="65000"/>
+                    <a:lumOff val="35000"/>
+                  </a:schemeClr>
+                </a:solidFill>
+              </a:rPr>
+              <a:t>대부분 </a:t>
+            </a:r>
+            <a:r>
+              <a:rPr lang="en-US" altLang="ko-KR" dirty="0" smtClean="0">
+                <a:solidFill>
+                  <a:schemeClr val="tx1">
+                    <a:lumMod val="65000"/>
+                    <a:lumOff val="35000"/>
+                  </a:schemeClr>
+                </a:solidFill>
+              </a:rPr>
+              <a:t>simulated </a:t>
+            </a:r>
+            <a:r>
+              <a:rPr lang="en-US" altLang="ko-KR" dirty="0">
+                <a:solidFill>
+                  <a:schemeClr val="tx1">
+                    <a:lumMod val="65000"/>
+                    <a:lumOff val="35000"/>
+                  </a:schemeClr>
+                </a:solidFill>
+              </a:rPr>
+              <a:t>trajectory</a:t>
+            </a:r>
+            <a:r>
+              <a:rPr lang="ko-KR" altLang="en-US" dirty="0">
+                <a:solidFill>
+                  <a:schemeClr val="tx1">
+                    <a:lumMod val="65000"/>
+                    <a:lumOff val="35000"/>
+                  </a:schemeClr>
+                </a:solidFill>
+              </a:rPr>
               <a:t>에서 </a:t>
             </a:r>
             <a:r>
-              <a:rPr lang="en-US" altLang="ko-KR" dirty="0"/>
-              <a:t>a</a:t>
-            </a:r>
-            <a:r>
-              <a:rPr lang="ko-KR" altLang="en-US" dirty="0"/>
-              <a:t>는 간단한 </a:t>
-            </a:r>
-            <a:r>
-              <a:rPr lang="en-US" altLang="ko-KR" dirty="0"/>
+              <a:rPr lang="ko-KR" altLang="en-US" dirty="0" smtClean="0">
+                <a:solidFill>
+                  <a:schemeClr val="tx1">
+                    <a:lumMod val="65000"/>
+                    <a:lumOff val="35000"/>
+                  </a:schemeClr>
+                </a:solidFill>
+              </a:rPr>
+              <a:t>간단한 </a:t>
+            </a:r>
+            <a:r>
+              <a:rPr lang="en-US" altLang="ko-KR" dirty="0">
+                <a:solidFill>
+                  <a:schemeClr val="tx1">
+                    <a:lumMod val="65000"/>
+                    <a:lumOff val="35000"/>
+                  </a:schemeClr>
+                </a:solidFill>
+              </a:rPr>
               <a:t>policy</a:t>
             </a:r>
             <a:r>
-              <a:rPr lang="ko-KR" altLang="en-US" dirty="0"/>
-              <a:t>에 의해 선택된다</a:t>
-            </a:r>
-            <a:r>
-              <a:rPr lang="en-US" altLang="ko-KR" dirty="0"/>
+              <a:rPr lang="ko-KR" altLang="en-US" dirty="0">
+                <a:solidFill>
+                  <a:schemeClr val="tx1">
+                    <a:lumMod val="65000"/>
+                    <a:lumOff val="35000"/>
+                  </a:schemeClr>
+                </a:solidFill>
+              </a:rPr>
+              <a:t>에 </a:t>
+            </a:r>
+            <a:r>
+              <a:rPr lang="ko-KR" altLang="en-US" dirty="0" smtClean="0">
+                <a:solidFill>
+                  <a:schemeClr val="tx1">
+                    <a:lumMod val="65000"/>
+                    <a:lumOff val="35000"/>
+                  </a:schemeClr>
+                </a:solidFill>
+              </a:rPr>
+              <a:t>의해 행동이 </a:t>
+            </a:r>
+            <a:r>
+              <a:rPr lang="ko-KR" altLang="en-US" dirty="0">
+                <a:solidFill>
+                  <a:schemeClr val="tx1">
+                    <a:lumMod val="65000"/>
+                    <a:lumOff val="35000"/>
+                  </a:schemeClr>
+                </a:solidFill>
+              </a:rPr>
+              <a:t>선택된다</a:t>
+            </a:r>
+            <a:r>
+              <a:rPr lang="en-US" altLang="ko-KR" dirty="0">
+                <a:solidFill>
+                  <a:schemeClr val="tx1">
+                    <a:lumMod val="65000"/>
+                    <a:lumOff val="35000"/>
+                  </a:schemeClr>
+                </a:solidFill>
+              </a:rPr>
               <a:t>. </a:t>
             </a:r>
             <a:r>
-              <a:rPr lang="ko-KR" altLang="en-US" dirty="0"/>
+              <a:rPr lang="ko-KR" altLang="en-US" dirty="0">
+                <a:solidFill>
+                  <a:schemeClr val="tx1">
+                    <a:lumMod val="65000"/>
+                    <a:lumOff val="35000"/>
+                  </a:schemeClr>
+                </a:solidFill>
+              </a:rPr>
               <a:t>보통 </a:t>
             </a:r>
             <a:r>
-              <a:rPr lang="en-US" altLang="ko-KR" dirty="0"/>
+              <a:rPr lang="en-US" altLang="ko-KR" dirty="0">
+                <a:solidFill>
+                  <a:schemeClr val="tx1">
+                    <a:lumMod val="65000"/>
+                    <a:lumOff val="35000"/>
+                  </a:schemeClr>
+                </a:solidFill>
+              </a:rPr>
               <a:t>rollout policy</a:t>
             </a:r>
             <a:r>
-              <a:rPr lang="ko-KR" altLang="en-US" dirty="0"/>
+              <a:rPr lang="ko-KR" altLang="en-US" dirty="0">
+                <a:solidFill>
+                  <a:schemeClr val="tx1">
+                    <a:lumMod val="65000"/>
+                    <a:lumOff val="35000"/>
+                  </a:schemeClr>
+                </a:solidFill>
+              </a:rPr>
               <a:t>라 부름</a:t>
             </a:r>
             <a:r>
-              <a:rPr lang="en-US" altLang="ko-KR" dirty="0"/>
+              <a:rPr lang="en-US" altLang="ko-KR" dirty="0" smtClean="0">
+                <a:solidFill>
+                  <a:schemeClr val="tx1">
+                    <a:lumMod val="65000"/>
+                    <a:lumOff val="35000"/>
+                  </a:schemeClr>
+                </a:solidFill>
+              </a:rPr>
               <a:t>.</a:t>
             </a:r>
           </a:p>
           <a:p>
-            <a:r>
-              <a:rPr lang="en-US" altLang="ko-KR" dirty="0"/>
-              <a:t>MC</a:t>
-            </a:r>
-            <a:r>
-              <a:rPr lang="ko-KR" altLang="en-US" dirty="0"/>
+            <a:endParaRPr lang="en-US" altLang="ko-KR" dirty="0" smtClean="0">
+              <a:solidFill>
+                <a:schemeClr val="tx1">
+                  <a:lumMod val="65000"/>
+                  <a:lumOff val="35000"/>
+                </a:schemeClr>
+              </a:solidFill>
+            </a:endParaRPr>
+          </a:p>
+          <a:p>
+            <a:r>
+              <a:rPr lang="en-US" altLang="ko-KR" dirty="0" smtClean="0">
+                <a:solidFill>
+                  <a:schemeClr val="tx1">
+                    <a:lumMod val="65000"/>
+                    <a:lumOff val="35000"/>
+                  </a:schemeClr>
+                </a:solidFill>
+              </a:rPr>
+              <a:t>Value estimate</a:t>
+            </a:r>
+            <a:r>
+              <a:rPr lang="ko-KR" altLang="en-US" dirty="0" smtClean="0">
+                <a:solidFill>
+                  <a:schemeClr val="tx1">
+                    <a:lumMod val="65000"/>
+                    <a:lumOff val="35000"/>
+                  </a:schemeClr>
+                </a:solidFill>
+              </a:rPr>
+              <a:t>들은 적은 </a:t>
+            </a:r>
+            <a:r>
+              <a:rPr lang="en-US" altLang="ko-KR" dirty="0" smtClean="0">
+                <a:solidFill>
+                  <a:schemeClr val="tx1">
+                    <a:lumMod val="65000"/>
+                    <a:lumOff val="35000"/>
+                  </a:schemeClr>
+                </a:solidFill>
+              </a:rPr>
+              <a:t>step</a:t>
+            </a:r>
+            <a:r>
+              <a:rPr lang="ko-KR" altLang="en-US" dirty="0" smtClean="0">
+                <a:solidFill>
+                  <a:schemeClr val="tx1">
+                    <a:lumMod val="65000"/>
+                    <a:lumOff val="35000"/>
+                  </a:schemeClr>
+                </a:solidFill>
+              </a:rPr>
+              <a:t>안에 도달 할 수 있는 </a:t>
+            </a:r>
+            <a:r>
+              <a:rPr lang="en-US" altLang="ko-KR" dirty="0" smtClean="0">
+                <a:solidFill>
+                  <a:schemeClr val="tx1">
+                    <a:lumMod val="65000"/>
+                    <a:lumOff val="35000"/>
+                  </a:schemeClr>
+                </a:solidFill>
+              </a:rPr>
+              <a:t>state-action</a:t>
+            </a:r>
+            <a:r>
+              <a:rPr lang="ko-KR" altLang="en-US" dirty="0" smtClean="0">
+                <a:solidFill>
+                  <a:schemeClr val="tx1">
+                    <a:lumMod val="65000"/>
+                    <a:lumOff val="35000"/>
+                  </a:schemeClr>
+                </a:solidFill>
+              </a:rPr>
               <a:t> </a:t>
             </a:r>
             <a:r>
-              <a:rPr lang="en-US" altLang="ko-KR" dirty="0"/>
-              <a:t>value</a:t>
-            </a:r>
-            <a:r>
-              <a:rPr lang="ko-KR" altLang="en-US" dirty="0"/>
-              <a:t> </a:t>
-            </a:r>
-            <a:r>
-              <a:rPr lang="en-US" altLang="ko-KR" dirty="0"/>
-              <a:t>estimates</a:t>
-            </a:r>
-            <a:r>
-              <a:rPr lang="ko-KR" altLang="en-US" dirty="0"/>
-              <a:t> </a:t>
-            </a:r>
-            <a:r>
-              <a:rPr lang="en-US" altLang="ko-KR" dirty="0"/>
-              <a:t>are</a:t>
-            </a:r>
-            <a:r>
-              <a:rPr lang="ko-KR" altLang="en-US" dirty="0"/>
-              <a:t> </a:t>
-            </a:r>
-            <a:r>
-              <a:rPr lang="en-US" altLang="ko-KR" dirty="0"/>
-              <a:t>maintained</a:t>
-            </a:r>
-            <a:r>
-              <a:rPr lang="ko-KR" altLang="en-US" dirty="0"/>
-              <a:t> </a:t>
-            </a:r>
-            <a:r>
-              <a:rPr lang="en-US" altLang="ko-KR" dirty="0"/>
-              <a:t>only</a:t>
-            </a:r>
-            <a:r>
-              <a:rPr lang="ko-KR" altLang="en-US" dirty="0"/>
-              <a:t> </a:t>
-            </a:r>
-            <a:r>
-              <a:rPr lang="en-US" altLang="ko-KR" dirty="0"/>
-              <a:t>for</a:t>
-            </a:r>
-            <a:r>
-              <a:rPr lang="ko-KR" altLang="en-US" dirty="0"/>
-              <a:t> </a:t>
-            </a:r>
-            <a:r>
-              <a:rPr lang="en-US" altLang="ko-KR" dirty="0"/>
-              <a:t>the</a:t>
-            </a:r>
-            <a:r>
-              <a:rPr lang="ko-KR" altLang="en-US" dirty="0"/>
-              <a:t> </a:t>
-            </a:r>
-            <a:r>
-              <a:rPr lang="en-US" altLang="ko-KR" dirty="0"/>
-              <a:t>subset</a:t>
-            </a:r>
-            <a:r>
-              <a:rPr lang="ko-KR" altLang="en-US" dirty="0"/>
-              <a:t> </a:t>
-            </a:r>
-            <a:r>
-              <a:rPr lang="en-US" altLang="ko-KR" dirty="0"/>
-              <a:t>of</a:t>
-            </a:r>
-            <a:r>
-              <a:rPr lang="ko-KR" altLang="en-US" dirty="0"/>
-              <a:t> </a:t>
-            </a:r>
-            <a:r>
-              <a:rPr lang="en-US" altLang="ko-KR" dirty="0"/>
-              <a:t>state-action</a:t>
-            </a:r>
-            <a:r>
-              <a:rPr lang="ko-KR" altLang="en-US" dirty="0"/>
-              <a:t> </a:t>
-            </a:r>
-            <a:r>
-              <a:rPr lang="en-US" altLang="ko-KR" dirty="0"/>
-              <a:t>pairs that are most likely to be reached in a few steps, which form a tree rooted at the current state.</a:t>
-            </a:r>
-            <a:endParaRPr lang="ko-KR" altLang="en-US" dirty="0"/>
+              <a:rPr lang="en-US" altLang="ko-KR" dirty="0" smtClean="0">
+                <a:solidFill>
+                  <a:schemeClr val="tx1">
+                    <a:lumMod val="65000"/>
+                    <a:lumOff val="35000"/>
+                  </a:schemeClr>
+                </a:solidFill>
+              </a:rPr>
+              <a:t>pair</a:t>
+            </a:r>
+            <a:r>
+              <a:rPr lang="ko-KR" altLang="en-US" dirty="0" smtClean="0">
+                <a:solidFill>
+                  <a:schemeClr val="tx1">
+                    <a:lumMod val="65000"/>
+                    <a:lumOff val="35000"/>
+                  </a:schemeClr>
+                </a:solidFill>
+              </a:rPr>
+              <a:t>에 대해서만 저장된다</a:t>
+            </a:r>
+            <a:r>
+              <a:rPr lang="en-US" altLang="ko-KR" dirty="0" smtClean="0">
+                <a:solidFill>
+                  <a:schemeClr val="tx1">
+                    <a:lumMod val="65000"/>
+                    <a:lumOff val="35000"/>
+                  </a:schemeClr>
+                </a:solidFill>
+              </a:rPr>
+              <a:t>.</a:t>
+            </a:r>
+            <a:endParaRPr lang="en-US" altLang="ko-KR" dirty="0">
+              <a:solidFill>
+                <a:schemeClr val="tx1">
+                  <a:lumMod val="65000"/>
+                  <a:lumOff val="35000"/>
+                </a:schemeClr>
+              </a:solidFill>
+            </a:endParaRPr>
           </a:p>
         </p:txBody>
       </p:sp>
@@ -9115,6 +10678,13 @@
   <p:clrMapOvr>
     <a:masterClrMapping/>
   </p:clrMapOvr>
+  <p:timing>
+    <p:tnLst>
+      <p:par>
+        <p:cTn id="1" dur="indefinite" restart="never" nodeType="tmRoot"/>
+      </p:par>
+    </p:tnLst>
+  </p:timing>
 </p:sld>
 </file>
 
@@ -9140,7 +10710,7 @@
           <p:cNvPr id="2" name="텍스트 상자 5">
             <a:extLst>
               <a:ext uri="{FF2B5EF4-FFF2-40B4-BE49-F238E27FC236}">
-                <a16:creationId xmlns:a16="http://schemas.microsoft.com/office/drawing/2014/main" id="{9D619D04-013E-4630-B348-6CFA4771E79C}"/>
+                <a16:creationId xmlns:a16="http://schemas.microsoft.com/office/drawing/2014/main" xmlns="" id="{9D619D04-013E-4630-B348-6CFA4771E79C}"/>
               </a:ext>
             </a:extLst>
           </p:cNvPr>
@@ -9271,7 +10841,7 @@
           <p:cNvPr id="6" name="그룹 5">
             <a:extLst>
               <a:ext uri="{FF2B5EF4-FFF2-40B4-BE49-F238E27FC236}">
-                <a16:creationId xmlns:a16="http://schemas.microsoft.com/office/drawing/2014/main" id="{167EFEE5-0451-4D20-82EA-425183FB375B}"/>
+                <a16:creationId xmlns:a16="http://schemas.microsoft.com/office/drawing/2014/main" xmlns="" id="{167EFEE5-0451-4D20-82EA-425183FB375B}"/>
               </a:ext>
             </a:extLst>
           </p:cNvPr>
@@ -9291,7 +10861,7 @@
             <p:cNvPr id="4" name="그림 3">
               <a:extLst>
                 <a:ext uri="{FF2B5EF4-FFF2-40B4-BE49-F238E27FC236}">
-                  <a16:creationId xmlns:a16="http://schemas.microsoft.com/office/drawing/2014/main" id="{B60D6022-BDBC-447B-A133-A10F00A2A34D}"/>
+                  <a16:creationId xmlns:a16="http://schemas.microsoft.com/office/drawing/2014/main" xmlns="" id="{B60D6022-BDBC-447B-A133-A10F00A2A34D}"/>
                 </a:ext>
               </a:extLst>
             </p:cNvPr>
@@ -9321,7 +10891,7 @@
             <p:cNvPr id="5" name="TextBox 4">
               <a:extLst>
                 <a:ext uri="{FF2B5EF4-FFF2-40B4-BE49-F238E27FC236}">
-                  <a16:creationId xmlns:a16="http://schemas.microsoft.com/office/drawing/2014/main" id="{7BDAFA84-21D3-47AC-B74D-5E94E1FE1CA0}"/>
+                  <a16:creationId xmlns:a16="http://schemas.microsoft.com/office/drawing/2014/main" xmlns="" id="{7BDAFA84-21D3-47AC-B74D-5E94E1FE1CA0}"/>
                 </a:ext>
               </a:extLst>
             </p:cNvPr>
@@ -9357,7 +10927,7 @@
           <p:cNvPr id="7" name="TextBox 6">
             <a:extLst>
               <a:ext uri="{FF2B5EF4-FFF2-40B4-BE49-F238E27FC236}">
-                <a16:creationId xmlns:a16="http://schemas.microsoft.com/office/drawing/2014/main" id="{1699E1CD-FE1A-43D5-80A6-E9AC7A8E8B7A}"/>
+                <a16:creationId xmlns:a16="http://schemas.microsoft.com/office/drawing/2014/main" xmlns="" id="{1699E1CD-FE1A-43D5-80A6-E9AC7A8E8B7A}"/>
               </a:ext>
             </a:extLst>
           </p:cNvPr>
@@ -9393,6 +10963,10 @@
               </a:rPr>
               <a:t>Selection. </a:t>
             </a:r>
+            <a:r>
+              <a:rPr lang="en-US" altLang="ko-KR" dirty="0"/>
+              <a:t/>
+            </a:r>
             <a:br>
               <a:rPr lang="en-US" altLang="ko-KR" dirty="0"/>
             </a:br>
@@ -9737,6 +11311,10 @@
               </a:rPr>
               <a:t>Expansion.</a:t>
             </a:r>
+            <a:r>
+              <a:rPr lang="en-US" altLang="ko-KR" dirty="0"/>
+              <a:t/>
+            </a:r>
             <a:br>
               <a:rPr lang="en-US" altLang="ko-KR" dirty="0"/>
             </a:br>
@@ -9769,6 +11347,10 @@
               </a:rPr>
               <a:t>Simulation.</a:t>
             </a:r>
+            <a:r>
+              <a:rPr lang="en-US" altLang="ko-KR" dirty="0"/>
+              <a:t/>
+            </a:r>
             <a:br>
               <a:rPr lang="en-US" altLang="ko-KR" dirty="0"/>
             </a:br>
@@ -9783,7 +11365,33 @@
                 <a:latin typeface="Calibri Light" panose="020F0302020204030204" pitchFamily="34" charset="0"/>
                 <a:cs typeface="Calibri Light" panose="020F0302020204030204" pitchFamily="34" charset="0"/>
               </a:rPr>
-              <a:t>From the selected node, or from one of its newly-added child node, simulation of a complete episode is run with actions selected by the rollout policy. The result is a MC trial with action selected first by the tree policy and beyond the tree by the rollout policy.</a:t>
+              <a:t>From the selected node, or from one of its newly-added child node, simulation of a complete episode is run with actions selected by the </a:t>
+            </a:r>
+            <a:r>
+              <a:rPr lang="en-US" altLang="ko-KR" u="sng" dirty="0">
+                <a:solidFill>
+                  <a:schemeClr val="tx1">
+                    <a:lumMod val="65000"/>
+                    <a:lumOff val="35000"/>
+                  </a:schemeClr>
+                </a:solidFill>
+                <a:latin typeface="Calibri Light" panose="020F0302020204030204" pitchFamily="34" charset="0"/>
+                <a:cs typeface="Calibri Light" panose="020F0302020204030204" pitchFamily="34" charset="0"/>
+              </a:rPr>
+              <a:t>rollout policy</a:t>
+            </a:r>
+            <a:r>
+              <a:rPr lang="en-US" altLang="ko-KR" dirty="0">
+                <a:solidFill>
+                  <a:schemeClr val="tx1">
+                    <a:lumMod val="65000"/>
+                    <a:lumOff val="35000"/>
+                  </a:schemeClr>
+                </a:solidFill>
+                <a:latin typeface="Calibri Light" panose="020F0302020204030204" pitchFamily="34" charset="0"/>
+                <a:cs typeface="Calibri Light" panose="020F0302020204030204" pitchFamily="34" charset="0"/>
+              </a:rPr>
+              <a:t>. The result is a MC trial with action selected first by the tree policy and beyond the tree by the rollout policy.</a:t>
             </a:r>
           </a:p>
           <a:p>
@@ -9800,6 +11408,10 @@
                 </a:solidFill>
               </a:rPr>
               <a:t>Backup.</a:t>
+            </a:r>
+            <a:r>
+              <a:rPr lang="en-US" altLang="ko-KR" dirty="0"/>
+              <a:t/>
             </a:r>
             <a:br>
               <a:rPr lang="en-US" altLang="ko-KR" dirty="0"/>
@@ -9830,6 +11442,13 @@
   <p:clrMapOvr>
     <a:masterClrMapping/>
   </p:clrMapOvr>
+  <p:timing>
+    <p:tnLst>
+      <p:par>
+        <p:cTn id="1" dur="indefinite" restart="never" nodeType="tmRoot"/>
+      </p:par>
+    </p:tnLst>
+  </p:timing>
 </p:sld>
 </file>
 
@@ -9855,7 +11474,7 @@
           <p:cNvPr id="2" name="텍스트 상자 5">
             <a:extLst>
               <a:ext uri="{FF2B5EF4-FFF2-40B4-BE49-F238E27FC236}">
-                <a16:creationId xmlns:a16="http://schemas.microsoft.com/office/drawing/2014/main" id="{9D619D04-013E-4630-B348-6CFA4771E79C}"/>
+                <a16:creationId xmlns:a16="http://schemas.microsoft.com/office/drawing/2014/main" xmlns="" id="{9D619D04-013E-4630-B348-6CFA4771E79C}"/>
               </a:ext>
             </a:extLst>
           </p:cNvPr>
@@ -9986,7 +11605,7 @@
           <p:cNvPr id="7" name="TextBox 6">
             <a:extLst>
               <a:ext uri="{FF2B5EF4-FFF2-40B4-BE49-F238E27FC236}">
-                <a16:creationId xmlns:a16="http://schemas.microsoft.com/office/drawing/2014/main" id="{1699E1CD-FE1A-43D5-80A6-E9AC7A8E8B7A}"/>
+                <a16:creationId xmlns:a16="http://schemas.microsoft.com/office/drawing/2014/main" xmlns="" id="{1699E1CD-FE1A-43D5-80A6-E9AC7A8E8B7A}"/>
               </a:ext>
             </a:extLst>
           </p:cNvPr>
@@ -9995,8 +11614,8 @@
         </p:nvSpPr>
         <p:spPr>
           <a:xfrm>
-            <a:off x="1312069" y="1495425"/>
-            <a:ext cx="10591800" cy="1477328"/>
+            <a:off x="1159669" y="1647825"/>
+            <a:ext cx="10896600" cy="1477328"/>
           </a:xfrm>
           <a:prstGeom prst="rect">
             <a:avLst/>
@@ -10019,10 +11638,10 @@
                 <a:latin typeface="Calibri Light" panose="020F0302020204030204" pitchFamily="34" charset="0"/>
                 <a:cs typeface="Calibri Light" panose="020F0302020204030204" pitchFamily="34" charset="0"/>
               </a:rPr>
-              <a:t>루트 노드에서 </a:t>
-            </a:r>
-            <a:r>
-              <a:rPr lang="en-US" altLang="ko-KR" dirty="0">
+              <a:t>루트 </a:t>
+            </a:r>
+            <a:r>
+              <a:rPr lang="ko-KR" altLang="en-US" dirty="0" smtClean="0">
                 <a:solidFill>
                   <a:schemeClr val="tx1">
                     <a:lumMod val="65000"/>
@@ -10032,10 +11651,10 @@
                 <a:latin typeface="Calibri Light" panose="020F0302020204030204" pitchFamily="34" charset="0"/>
                 <a:cs typeface="Calibri Light" panose="020F0302020204030204" pitchFamily="34" charset="0"/>
               </a:rPr>
-              <a:t>until no more time is left or computational resource is exhausted </a:t>
-            </a:r>
-            <a:r>
-              <a:rPr lang="ko-KR" altLang="en-US" dirty="0">
+              <a:t>노드에서</a:t>
+            </a:r>
+            <a:r>
+              <a:rPr lang="en-US" altLang="ko-KR" dirty="0" smtClean="0">
                 <a:solidFill>
                   <a:schemeClr val="tx1">
                     <a:lumMod val="65000"/>
@@ -10045,7 +11664,59 @@
                 <a:latin typeface="Calibri Light" panose="020F0302020204030204" pitchFamily="34" charset="0"/>
                 <a:cs typeface="Calibri Light" panose="020F0302020204030204" pitchFamily="34" charset="0"/>
               </a:rPr>
-              <a:t>같은 과정을 반복한 뒤 </a:t>
+              <a:t>,</a:t>
+            </a:r>
+            <a:r>
+              <a:rPr lang="ko-KR" altLang="en-US" dirty="0" smtClean="0">
+                <a:solidFill>
+                  <a:schemeClr val="tx1">
+                    <a:lumMod val="65000"/>
+                    <a:lumOff val="35000"/>
+                  </a:schemeClr>
+                </a:solidFill>
+                <a:latin typeface="Calibri Light" panose="020F0302020204030204" pitchFamily="34" charset="0"/>
+                <a:cs typeface="Calibri Light" panose="020F0302020204030204" pitchFamily="34" charset="0"/>
+              </a:rPr>
+              <a:t> 주어진 시간이 끝날 때 까지</a:t>
+            </a:r>
+            <a:r>
+              <a:rPr lang="en-US" altLang="ko-KR" dirty="0" smtClean="0">
+                <a:solidFill>
+                  <a:schemeClr val="tx1">
+                    <a:lumMod val="65000"/>
+                    <a:lumOff val="35000"/>
+                  </a:schemeClr>
+                </a:solidFill>
+                <a:latin typeface="Calibri Light" panose="020F0302020204030204" pitchFamily="34" charset="0"/>
+                <a:cs typeface="Calibri Light" panose="020F0302020204030204" pitchFamily="34" charset="0"/>
+              </a:rPr>
+              <a:t>,</a:t>
+            </a:r>
+            <a:r>
+              <a:rPr lang="ko-KR" altLang="en-US" dirty="0" smtClean="0">
+                <a:solidFill>
+                  <a:schemeClr val="tx1">
+                    <a:lumMod val="65000"/>
+                    <a:lumOff val="35000"/>
+                  </a:schemeClr>
+                </a:solidFill>
+                <a:latin typeface="Calibri Light" panose="020F0302020204030204" pitchFamily="34" charset="0"/>
+                <a:cs typeface="Calibri Light" panose="020F0302020204030204" pitchFamily="34" charset="0"/>
+              </a:rPr>
+              <a:t> 혹은 컴퓨팅 자원이 소모될때 까지 같은 </a:t>
+            </a:r>
+            <a:r>
+              <a:rPr lang="ko-KR" altLang="en-US" dirty="0">
+                <a:solidFill>
+                  <a:schemeClr val="tx1">
+                    <a:lumMod val="65000"/>
+                    <a:lumOff val="35000"/>
+                  </a:schemeClr>
+                </a:solidFill>
+                <a:latin typeface="Calibri Light" panose="020F0302020204030204" pitchFamily="34" charset="0"/>
+                <a:cs typeface="Calibri Light" panose="020F0302020204030204" pitchFamily="34" charset="0"/>
+              </a:rPr>
+              <a:t>과정을 반복한 뒤 </a:t>
             </a:r>
             <a:r>
               <a:rPr lang="en-US" altLang="ko-KR" dirty="0">
@@ -10370,7 +12041,7 @@
               <a:t> </a:t>
             </a:r>
             <a:r>
-              <a:rPr lang="en-US" altLang="ko-KR" dirty="0">
+              <a:rPr lang="en-US" altLang="ko-KR" dirty="0" smtClean="0">
                 <a:solidFill>
                   <a:schemeClr val="tx1">
                     <a:lumMod val="65000"/>
@@ -10380,10 +12051,10 @@
                 <a:latin typeface="Calibri Light" panose="020F0302020204030204" pitchFamily="34" charset="0"/>
                 <a:cs typeface="Calibri Light" panose="020F0302020204030204" pitchFamily="34" charset="0"/>
               </a:rPr>
-              <a:t>while</a:t>
-            </a:r>
-            <a:r>
-              <a:rPr lang="ko-KR" altLang="en-US" dirty="0">
+              <a:t/>
+            </a:r>
+            <a:br>
+              <a:rPr lang="en-US" altLang="ko-KR" dirty="0" smtClean="0">
                 <a:solidFill>
                   <a:schemeClr val="tx1">
                     <a:lumMod val="65000"/>
@@ -10393,10 +12064,9 @@
                 <a:latin typeface="Calibri Light" panose="020F0302020204030204" pitchFamily="34" charset="0"/>
                 <a:cs typeface="Calibri Light" panose="020F0302020204030204" pitchFamily="34" charset="0"/>
               </a:rPr>
-              <a:t> </a:t>
-            </a:r>
-            <a:r>
-              <a:rPr lang="en-US" altLang="ko-KR" dirty="0">
+            </a:br>
+            <a:r>
+              <a:rPr lang="ko-KR" altLang="en-US" dirty="0" smtClean="0">
                 <a:solidFill>
                   <a:schemeClr val="tx1">
                     <a:lumMod val="65000"/>
@@ -10406,10 +12076,10 @@
                 <a:latin typeface="Calibri Light" panose="020F0302020204030204" pitchFamily="34" charset="0"/>
                 <a:cs typeface="Calibri Light" panose="020F0302020204030204" pitchFamily="34" charset="0"/>
               </a:rPr>
-              <a:t>it</a:t>
-            </a:r>
-            <a:r>
-              <a:rPr lang="ko-KR" altLang="en-US" dirty="0">
+              <a:t>    </a:t>
+            </a:r>
+            <a:r>
+              <a:rPr lang="en-US" altLang="ko-KR" dirty="0" smtClean="0">
                 <a:solidFill>
                   <a:schemeClr val="tx1">
                     <a:lumMod val="65000"/>
@@ -10419,10 +12089,10 @@
                 <a:latin typeface="Calibri Light" panose="020F0302020204030204" pitchFamily="34" charset="0"/>
                 <a:cs typeface="Calibri Light" panose="020F0302020204030204" pitchFamily="34" charset="0"/>
               </a:rPr>
-              <a:t> </a:t>
-            </a:r>
-            <a:r>
-              <a:rPr lang="en-US" altLang="ko-KR" dirty="0">
+              <a:t>while</a:t>
+            </a:r>
+            <a:r>
+              <a:rPr lang="ko-KR" altLang="en-US" dirty="0" smtClean="0">
                 <a:solidFill>
                   <a:schemeClr val="tx1">
                     <a:lumMod val="65000"/>
@@ -10432,10 +12102,10 @@
                 <a:latin typeface="Calibri Light" panose="020F0302020204030204" pitchFamily="34" charset="0"/>
                 <a:cs typeface="Calibri Light" panose="020F0302020204030204" pitchFamily="34" charset="0"/>
               </a:rPr>
-              <a:t>retains</a:t>
-            </a:r>
-            <a:r>
-              <a:rPr lang="ko-KR" altLang="en-US" dirty="0">
+              <a:t> </a:t>
+            </a:r>
+            <a:r>
+              <a:rPr lang="en-US" altLang="ko-KR" dirty="0">
                 <a:solidFill>
                   <a:schemeClr val="tx1">
                     <a:lumMod val="65000"/>
@@ -10445,10 +12115,10 @@
                 <a:latin typeface="Calibri Light" panose="020F0302020204030204" pitchFamily="34" charset="0"/>
                 <a:cs typeface="Calibri Light" panose="020F0302020204030204" pitchFamily="34" charset="0"/>
               </a:rPr>
-              <a:t> </a:t>
-            </a:r>
-            <a:r>
-              <a:rPr lang="en-US" altLang="ko-KR" dirty="0">
+              <a:t>it</a:t>
+            </a:r>
+            <a:r>
+              <a:rPr lang="ko-KR" altLang="en-US" dirty="0">
                 <a:solidFill>
                   <a:schemeClr val="tx1">
                     <a:lumMod val="65000"/>
@@ -10458,10 +12128,10 @@
                 <a:latin typeface="Calibri Light" panose="020F0302020204030204" pitchFamily="34" charset="0"/>
                 <a:cs typeface="Calibri Light" panose="020F0302020204030204" pitchFamily="34" charset="0"/>
               </a:rPr>
-              <a:t>the</a:t>
-            </a:r>
-            <a:r>
-              <a:rPr lang="ko-KR" altLang="en-US" dirty="0">
+              <a:t> </a:t>
+            </a:r>
+            <a:r>
+              <a:rPr lang="en-US" altLang="ko-KR" dirty="0">
                 <a:solidFill>
                   <a:schemeClr val="tx1">
                     <a:lumMod val="65000"/>
@@ -10471,10 +12141,10 @@
                 <a:latin typeface="Calibri Light" panose="020F0302020204030204" pitchFamily="34" charset="0"/>
                 <a:cs typeface="Calibri Light" panose="020F0302020204030204" pitchFamily="34" charset="0"/>
               </a:rPr>
-              <a:t> </a:t>
-            </a:r>
-            <a:r>
-              <a:rPr lang="en-US" altLang="ko-KR" dirty="0">
+              <a:t>retains</a:t>
+            </a:r>
+            <a:r>
+              <a:rPr lang="ko-KR" altLang="en-US" dirty="0">
                 <a:solidFill>
                   <a:schemeClr val="tx1">
                     <a:lumMod val="65000"/>
@@ -10484,8 +12154,84 @@
                 <a:latin typeface="Calibri Light" panose="020F0302020204030204" pitchFamily="34" charset="0"/>
                 <a:cs typeface="Calibri Light" panose="020F0302020204030204" pitchFamily="34" charset="0"/>
               </a:rPr>
+              <a:t> </a:t>
+            </a:r>
+            <a:r>
+              <a:rPr lang="en-US" altLang="ko-KR" dirty="0">
+                <a:solidFill>
+                  <a:schemeClr val="tx1">
+                    <a:lumMod val="65000"/>
+                    <a:lumOff val="35000"/>
+                  </a:schemeClr>
+                </a:solidFill>
+                <a:latin typeface="Calibri Light" panose="020F0302020204030204" pitchFamily="34" charset="0"/>
+                <a:cs typeface="Calibri Light" panose="020F0302020204030204" pitchFamily="34" charset="0"/>
+              </a:rPr>
+              <a:t>the</a:t>
+            </a:r>
+            <a:r>
+              <a:rPr lang="ko-KR" altLang="en-US" dirty="0">
+                <a:solidFill>
+                  <a:schemeClr val="tx1">
+                    <a:lumMod val="65000"/>
+                    <a:lumOff val="35000"/>
+                  </a:schemeClr>
+                </a:solidFill>
+                <a:latin typeface="Calibri Light" panose="020F0302020204030204" pitchFamily="34" charset="0"/>
+                <a:cs typeface="Calibri Light" panose="020F0302020204030204" pitchFamily="34" charset="0"/>
+              </a:rPr>
+              <a:t> </a:t>
+            </a:r>
+            <a:r>
+              <a:rPr lang="en-US" altLang="ko-KR" dirty="0">
+                <a:solidFill>
+                  <a:schemeClr val="tx1">
+                    <a:lumMod val="65000"/>
+                    <a:lumOff val="35000"/>
+                  </a:schemeClr>
+                </a:solidFill>
+                <a:latin typeface="Calibri Light" panose="020F0302020204030204" pitchFamily="34" charset="0"/>
+                <a:cs typeface="Calibri Light" panose="020F0302020204030204" pitchFamily="34" charset="0"/>
+              </a:rPr>
               <a:t>benefits of using past experience to guide exploration</a:t>
             </a:r>
+          </a:p>
+        </p:txBody>
+      </p:sp>
+      <p:sp>
+        <p:nvSpPr>
+          <p:cNvPr id="3" name="텍스트 상자 2"/>
+          <p:cNvSpPr txBox="1"/>
+          <p:nvPr/>
+        </p:nvSpPr>
+        <p:spPr>
+          <a:xfrm>
+            <a:off x="2226469" y="4391025"/>
+            <a:ext cx="4191000" cy="369332"/>
+          </a:xfrm>
+          <a:prstGeom prst="rect">
+            <a:avLst/>
+          </a:prstGeom>
+        </p:spPr>
+        <p:txBody>
+          <a:bodyPr wrap="square" rtlCol="0">
+            <a:spAutoFit/>
+          </a:bodyPr>
+          <a:lstStyle/>
+          <a:p>
+            <a:r>
+              <a:rPr kumimoji="1" lang="ko-KR" altLang="en-US" dirty="0" smtClean="0">
+                <a:latin typeface="Helvetica Neue" charset="0"/>
+                <a:ea typeface="Helvetica Neue" charset="0"/>
+                <a:cs typeface="Helvetica Neue" charset="0"/>
+              </a:rPr>
+              <a:t>가나다라마</a:t>
+            </a:r>
+            <a:endParaRPr kumimoji="1" lang="ko-KR" altLang="en-US" dirty="0">
+              <a:latin typeface="Helvetica Neue" charset="0"/>
+              <a:ea typeface="Helvetica Neue" charset="0"/>
+              <a:cs typeface="Helvetica Neue" charset="0"/>
+            </a:endParaRPr>
           </a:p>
         </p:txBody>
       </p:sp>
@@ -10499,810 +12245,13 @@
   <p:clrMapOvr>
     <a:masterClrMapping/>
   </p:clrMapOvr>
-</p:sld>
-</file>
-
-<file path=ppt/slides/slide26.xml><?xml version="1.0" encoding="utf-8"?>
-<p:sld xmlns:a="http://schemas.openxmlformats.org/drawingml/2006/main" xmlns:r="http://schemas.openxmlformats.org/officeDocument/2006/relationships" xmlns:p="http://schemas.openxmlformats.org/presentationml/2006/main">
-  <p:cSld>
-    <p:spTree>
-      <p:nvGrpSpPr>
-        <p:cNvPr id="1" name=""/>
-        <p:cNvGrpSpPr/>
-        <p:nvPr/>
-      </p:nvGrpSpPr>
-      <p:grpSpPr>
-        <a:xfrm>
-          <a:off x="0" y="0"/>
-          <a:ext cx="0" cy="0"/>
-          <a:chOff x="0" y="0"/>
-          <a:chExt cx="0" cy="0"/>
-        </a:xfrm>
-      </p:grpSpPr>
-    </p:spTree>
-    <p:extLst>
-      <p:ext uri="{BB962C8B-B14F-4D97-AF65-F5344CB8AC3E}">
-        <p14:creationId xmlns:p14="http://schemas.microsoft.com/office/powerpoint/2010/main" val="736098677"/>
-      </p:ext>
-    </p:extLst>
-  </p:cSld>
-  <p:clrMapOvr>
-    <a:masterClrMapping/>
-  </p:clrMapOvr>
-</p:sld>
-</file>
-
-<file path=ppt/slides/slide27.xml><?xml version="1.0" encoding="utf-8"?>
-<p:sld xmlns:a="http://schemas.openxmlformats.org/drawingml/2006/main" xmlns:r="http://schemas.openxmlformats.org/officeDocument/2006/relationships" xmlns:p="http://schemas.openxmlformats.org/presentationml/2006/main">
-  <p:cSld>
-    <p:spTree>
-      <p:nvGrpSpPr>
-        <p:cNvPr id="1" name=""/>
-        <p:cNvGrpSpPr/>
-        <p:nvPr/>
-      </p:nvGrpSpPr>
-      <p:grpSpPr>
-        <a:xfrm>
-          <a:off x="0" y="0"/>
-          <a:ext cx="0" cy="0"/>
-          <a:chOff x="0" y="0"/>
-          <a:chExt cx="0" cy="0"/>
-        </a:xfrm>
-      </p:grpSpPr>
-      <p:sp>
-        <p:nvSpPr>
-          <p:cNvPr id="40" name="object 40"/>
-          <p:cNvSpPr>
-            <a:spLocks/>
-          </p:cNvSpPr>
-          <p:nvPr/>
-        </p:nvSpPr>
-        <p:spPr>
-          <a:xfrm>
-            <a:off x="2149760" y="7206233"/>
-            <a:ext cx="9145270" cy="0"/>
-          </a:xfrm>
-          <a:custGeom>
-            <a:avLst/>
-            <a:gdLst/>
-            <a:ahLst/>
-            <a:cxnLst/>
-            <a:rect l="l" t="t" r="r" b="b"/>
-            <a:pathLst>
-              <a:path w="9145270">
-                <a:moveTo>
-                  <a:pt x="0" y="0"/>
-                </a:moveTo>
-                <a:lnTo>
-                  <a:pt x="9144647" y="0"/>
-                </a:lnTo>
-              </a:path>
-            </a:pathLst>
-          </a:custGeom>
-          <a:ln w="3175">
-            <a:solidFill>
-              <a:srgbClr val="B2B2B2"/>
-            </a:solidFill>
-          </a:ln>
-        </p:spPr>
-        <p:txBody>
-          <a:bodyPr wrap="square" lIns="0" tIns="0" rIns="0" bIns="0" rtlCol="0"/>
-          <a:lstStyle/>
-          <a:p>
-            <a:endParaRPr>
-              <a:uFillTx/>
-            </a:endParaRPr>
-          </a:p>
-        </p:txBody>
-      </p:sp>
-      <p:pic>
-        <p:nvPicPr>
-          <p:cNvPr id="45" name="그림 44"/>
-          <p:cNvPicPr>
-            <a:picLocks noChangeAspect="1"/>
-          </p:cNvPicPr>
-          <p:nvPr/>
-        </p:nvPicPr>
-        <p:blipFill>
-          <a:blip r:embed="rId2" cstate="print"/>
-          <a:stretch>
-            <a:fillRect/>
-          </a:stretch>
-        </p:blipFill>
-        <p:spPr>
-          <a:xfrm>
-            <a:off x="10761022" y="244603"/>
-            <a:ext cx="1126694" cy="796522"/>
-          </a:xfrm>
-          <a:prstGeom prst="rect">
-            <a:avLst/>
-          </a:prstGeom>
-        </p:spPr>
-      </p:pic>
-      <p:sp>
-        <p:nvSpPr>
-          <p:cNvPr id="7" name="TextBox 6"/>
-          <p:cNvSpPr txBox="1">
-            <a:spLocks/>
-          </p:cNvSpPr>
-          <p:nvPr/>
-        </p:nvSpPr>
-        <p:spPr>
-          <a:xfrm>
-            <a:off x="1694349" y="347272"/>
-            <a:ext cx="7161520" cy="369332"/>
-          </a:xfrm>
-          <a:prstGeom prst="rect">
-            <a:avLst/>
-          </a:prstGeom>
-          <a:noFill/>
-        </p:spPr>
-        <p:txBody>
-          <a:bodyPr wrap="square" rtlCol="0">
-            <a:spAutoFit/>
-          </a:bodyPr>
-          <a:lstStyle/>
-          <a:p>
-            <a:r>
-              <a:rPr lang="en-US" altLang="ko-KR" b="1" dirty="0">
-                <a:solidFill>
-                  <a:schemeClr val="tx2">
-                    <a:lumMod val="75000"/>
-                  </a:schemeClr>
-                </a:solidFill>
-                <a:uFillTx/>
-                <a:latin typeface="Tahoma" panose="020B0604030504040204" pitchFamily="34" charset="0"/>
-                <a:ea typeface="Tahoma" panose="020B0604030504040204" pitchFamily="34" charset="0"/>
-                <a:cs typeface="Tahoma" panose="020B0604030504040204" pitchFamily="34" charset="0"/>
-              </a:rPr>
-              <a:t>8.5 Planning as Part of Action Selection</a:t>
-            </a:r>
-          </a:p>
-        </p:txBody>
-      </p:sp>
-      <p:sp>
-        <p:nvSpPr>
-          <p:cNvPr id="3" name="TextBox 2"/>
-          <p:cNvSpPr txBox="1">
-            <a:spLocks/>
-          </p:cNvSpPr>
-          <p:nvPr/>
-        </p:nvSpPr>
-        <p:spPr>
-          <a:xfrm>
-            <a:off x="2302669" y="1571627"/>
-            <a:ext cx="8763000" cy="3693319"/>
-          </a:xfrm>
-          <a:prstGeom prst="rect">
-            <a:avLst/>
-          </a:prstGeom>
-          <a:noFill/>
-        </p:spPr>
-        <p:txBody>
-          <a:bodyPr wrap="square" rtlCol="0">
-            <a:spAutoFit/>
-          </a:bodyPr>
-          <a:lstStyle/>
-          <a:p>
-            <a:r>
-              <a:rPr lang="en-US" altLang="ko-KR" dirty="0">
-                <a:uFillTx/>
-              </a:rPr>
-              <a:t>There tends to be two ways of thinking about planning.</a:t>
-            </a:r>
-          </a:p>
-          <a:p>
-            <a:endParaRPr lang="en-US" altLang="ko-KR" dirty="0">
-              <a:uFillTx/>
-            </a:endParaRPr>
-          </a:p>
-          <a:p>
-            <a:pPr marL="342919" indent="-342919">
-              <a:buAutoNum type="arabicPeriod"/>
-            </a:pPr>
-            <a:r>
-              <a:rPr lang="en-US" altLang="ko-KR" dirty="0">
-                <a:uFillTx/>
-              </a:rPr>
-              <a:t>Gradual improvement of a policy or value function that is good in all states generally rather than focused on any particular state. (DP and Dyna)</a:t>
-            </a:r>
-          </a:p>
-          <a:p>
-            <a:pPr marL="342919" indent="-342919">
-              <a:buAutoNum type="arabicPeriod"/>
-            </a:pPr>
-            <a:endParaRPr lang="en-US" altLang="ko-KR" dirty="0">
-              <a:uFillTx/>
-            </a:endParaRPr>
-          </a:p>
-          <a:p>
-            <a:pPr marL="342919" indent="-342919">
-              <a:buAutoNum type="arabicPeriod"/>
-            </a:pPr>
-            <a:r>
-              <a:rPr lang="en-US" altLang="ko-KR" dirty="0">
-                <a:uFillTx/>
-              </a:rPr>
-              <a:t>Something begun and completed after encountering each new state S</a:t>
-            </a:r>
-            <a:r>
-              <a:rPr lang="en-US" altLang="ko-KR" baseline="-25000" dirty="0">
-                <a:uFillTx/>
-              </a:rPr>
-              <a:t>t</a:t>
-            </a:r>
-            <a:r>
-              <a:rPr lang="en-US" altLang="ko-KR" dirty="0">
-                <a:uFillTx/>
-              </a:rPr>
-              <a:t>, as a computation whose output is not really a policy, but rather a single decision, the action A</a:t>
-            </a:r>
-            <a:r>
-              <a:rPr lang="en-US" altLang="ko-KR" baseline="-25000" dirty="0">
-                <a:uFillTx/>
-              </a:rPr>
-              <a:t>t</a:t>
-            </a:r>
-            <a:r>
-              <a:rPr lang="en-US" altLang="ko-KR" dirty="0">
-                <a:uFillTx/>
-              </a:rPr>
-              <a:t>; on the next step the planning begins anew with S</a:t>
-            </a:r>
-            <a:r>
-              <a:rPr lang="en-US" altLang="ko-KR" baseline="-25000" dirty="0">
-                <a:uFillTx/>
-              </a:rPr>
-              <a:t>t+1</a:t>
-            </a:r>
-            <a:r>
-              <a:rPr lang="en-US" altLang="ko-KR" dirty="0">
-                <a:uFillTx/>
-              </a:rPr>
-              <a:t> to produce A</a:t>
-            </a:r>
-            <a:r>
-              <a:rPr lang="en-US" altLang="ko-KR" baseline="-25000" dirty="0">
-                <a:uFillTx/>
-              </a:rPr>
-              <a:t>t+1</a:t>
-            </a:r>
-            <a:r>
-              <a:rPr lang="en-US" altLang="ko-KR" dirty="0">
-                <a:uFillTx/>
-              </a:rPr>
-              <a:t>, and so on.</a:t>
-            </a:r>
-          </a:p>
-          <a:p>
-            <a:pPr marL="342919" indent="-342919">
-              <a:buAutoNum type="arabicPeriod"/>
-            </a:pPr>
-            <a:endParaRPr lang="en-US" altLang="ko-KR" dirty="0">
-              <a:uFillTx/>
-            </a:endParaRPr>
-          </a:p>
-          <a:p>
-            <a:r>
-              <a:rPr lang="en-US" altLang="ko-KR" dirty="0">
-                <a:uFillTx/>
-              </a:rPr>
-              <a:t>These two can blend together in natural and interesting ways.</a:t>
-            </a:r>
-          </a:p>
-          <a:p>
-            <a:endParaRPr lang="en-US" altLang="ko-KR" dirty="0">
-              <a:uFillTx/>
-            </a:endParaRPr>
-          </a:p>
-          <a:p>
-            <a:r>
-              <a:rPr lang="en-US" altLang="ko-KR" dirty="0">
-                <a:uFillTx/>
-              </a:rPr>
-              <a:t>Let us now take a closer look at the second way, at </a:t>
-            </a:r>
-            <a:r>
-              <a:rPr lang="en-US" altLang="ko-KR" i="1" dirty="0">
-                <a:uFillTx/>
-                <a:latin typeface="Times" charset="0"/>
-                <a:ea typeface="Times" charset="0"/>
-                <a:cs typeface="Times" charset="0"/>
-              </a:rPr>
-              <a:t>planning as part of action selection.</a:t>
-            </a:r>
-          </a:p>
-          <a:p>
-            <a:endParaRPr lang="ko-KR" altLang="en-US" dirty="0">
-              <a:uFillTx/>
-            </a:endParaRPr>
-          </a:p>
-        </p:txBody>
-      </p:sp>
-    </p:spTree>
-  </p:cSld>
-  <p:clrMapOvr>
-    <a:masterClrMapping/>
-  </p:clrMapOvr>
-</p:sld>
-</file>
-
-<file path=ppt/slides/slide28.xml><?xml version="1.0" encoding="utf-8"?>
-<p:sld xmlns:a="http://schemas.openxmlformats.org/drawingml/2006/main" xmlns:r="http://schemas.openxmlformats.org/officeDocument/2006/relationships" xmlns:p="http://schemas.openxmlformats.org/presentationml/2006/main">
-  <p:cSld>
-    <p:spTree>
-      <p:nvGrpSpPr>
-        <p:cNvPr id="1" name=""/>
-        <p:cNvGrpSpPr/>
-        <p:nvPr/>
-      </p:nvGrpSpPr>
-      <p:grpSpPr>
-        <a:xfrm>
-          <a:off x="0" y="0"/>
-          <a:ext cx="0" cy="0"/>
-          <a:chOff x="0" y="0"/>
-          <a:chExt cx="0" cy="0"/>
-        </a:xfrm>
-      </p:grpSpPr>
-      <p:sp>
-        <p:nvSpPr>
-          <p:cNvPr id="40" name="object 40"/>
-          <p:cNvSpPr>
-            <a:spLocks/>
-          </p:cNvSpPr>
-          <p:nvPr/>
-        </p:nvSpPr>
-        <p:spPr>
-          <a:xfrm>
-            <a:off x="2149760" y="7206233"/>
-            <a:ext cx="9145270" cy="0"/>
-          </a:xfrm>
-          <a:custGeom>
-            <a:avLst/>
-            <a:gdLst/>
-            <a:ahLst/>
-            <a:cxnLst/>
-            <a:rect l="l" t="t" r="r" b="b"/>
-            <a:pathLst>
-              <a:path w="9145270">
-                <a:moveTo>
-                  <a:pt x="0" y="0"/>
-                </a:moveTo>
-                <a:lnTo>
-                  <a:pt x="9144647" y="0"/>
-                </a:lnTo>
-              </a:path>
-            </a:pathLst>
-          </a:custGeom>
-          <a:ln w="3175">
-            <a:solidFill>
-              <a:srgbClr val="B2B2B2"/>
-            </a:solidFill>
-          </a:ln>
-        </p:spPr>
-        <p:txBody>
-          <a:bodyPr wrap="square" lIns="0" tIns="0" rIns="0" bIns="0" rtlCol="0"/>
-          <a:lstStyle/>
-          <a:p>
-            <a:endParaRPr>
-              <a:uFillTx/>
-            </a:endParaRPr>
-          </a:p>
-        </p:txBody>
-      </p:sp>
-      <p:pic>
-        <p:nvPicPr>
-          <p:cNvPr id="45" name="그림 44"/>
-          <p:cNvPicPr>
-            <a:picLocks noChangeAspect="1"/>
-          </p:cNvPicPr>
-          <p:nvPr/>
-        </p:nvPicPr>
-        <p:blipFill>
-          <a:blip r:embed="rId2" cstate="print"/>
-          <a:stretch>
-            <a:fillRect/>
-          </a:stretch>
-        </p:blipFill>
-        <p:spPr>
-          <a:xfrm>
-            <a:off x="10761022" y="244603"/>
-            <a:ext cx="1126694" cy="796522"/>
-          </a:xfrm>
-          <a:prstGeom prst="rect">
-            <a:avLst/>
-          </a:prstGeom>
-        </p:spPr>
-      </p:pic>
-      <p:sp>
-        <p:nvSpPr>
-          <p:cNvPr id="7" name="TextBox 6"/>
-          <p:cNvSpPr txBox="1">
-            <a:spLocks/>
-          </p:cNvSpPr>
-          <p:nvPr/>
-        </p:nvSpPr>
-        <p:spPr>
-          <a:xfrm>
-            <a:off x="1694349" y="347272"/>
-            <a:ext cx="7161520" cy="369332"/>
-          </a:xfrm>
-          <a:prstGeom prst="rect">
-            <a:avLst/>
-          </a:prstGeom>
-          <a:noFill/>
-        </p:spPr>
-        <p:txBody>
-          <a:bodyPr wrap="square" rtlCol="0">
-            <a:spAutoFit/>
-          </a:bodyPr>
-          <a:lstStyle/>
-          <a:p>
-            <a:r>
-              <a:rPr lang="en-US" altLang="ko-KR" b="1" dirty="0">
-                <a:solidFill>
-                  <a:schemeClr val="tx2">
-                    <a:lumMod val="75000"/>
-                  </a:schemeClr>
-                </a:solidFill>
-                <a:uFillTx/>
-                <a:latin typeface="Tahoma" panose="020B0604030504040204" pitchFamily="34" charset="0"/>
-                <a:ea typeface="Tahoma" panose="020B0604030504040204" pitchFamily="34" charset="0"/>
-                <a:cs typeface="Tahoma" panose="020B0604030504040204" pitchFamily="34" charset="0"/>
-              </a:rPr>
-              <a:t>8.5 Planning as Part of Action Selection</a:t>
-            </a:r>
-          </a:p>
-        </p:txBody>
-      </p:sp>
-      <p:sp>
-        <p:nvSpPr>
-          <p:cNvPr id="3" name="TextBox 2"/>
-          <p:cNvSpPr txBox="1">
-            <a:spLocks/>
-          </p:cNvSpPr>
-          <p:nvPr/>
-        </p:nvSpPr>
-        <p:spPr>
-          <a:xfrm>
-            <a:off x="2302669" y="1571626"/>
-            <a:ext cx="8763000" cy="2862322"/>
-          </a:xfrm>
-          <a:prstGeom prst="rect">
-            <a:avLst/>
-          </a:prstGeom>
-          <a:noFill/>
-        </p:spPr>
-        <p:txBody>
-          <a:bodyPr wrap="square" rtlCol="0">
-            <a:spAutoFit/>
-          </a:bodyPr>
-          <a:lstStyle/>
-          <a:p>
-            <a:r>
-              <a:rPr lang="en-US" altLang="ko-KR" dirty="0">
-                <a:uFillTx/>
-              </a:rPr>
-              <a:t>We can still view it as proceeding from simulated experience to backups and values, and ultimately to a policy.</a:t>
-            </a:r>
-          </a:p>
-          <a:p>
-            <a:endParaRPr lang="en-US" altLang="ko-KR" dirty="0">
-              <a:uFillTx/>
-            </a:endParaRPr>
-          </a:p>
-          <a:p>
-            <a:r>
-              <a:rPr lang="en-US" altLang="ko-KR" dirty="0">
-                <a:uFillTx/>
-              </a:rPr>
-              <a:t>It is just that now the values and policy are specific to the current state and its choices, so much so that they are typically </a:t>
-            </a:r>
-            <a:r>
-              <a:rPr lang="en-US" altLang="ko-KR" dirty="0">
-                <a:solidFill>
-                  <a:srgbClr val="00B0F0"/>
-                </a:solidFill>
-                <a:uFillTx/>
-              </a:rPr>
-              <a:t>discarded after being used to select the current action.</a:t>
-            </a:r>
-          </a:p>
-          <a:p>
-            <a:endParaRPr lang="en-US" altLang="ko-KR" dirty="0">
-              <a:uFillTx/>
-            </a:endParaRPr>
-          </a:p>
-          <a:p>
-            <a:r>
-              <a:rPr lang="en-US" altLang="ko-KR" dirty="0">
-                <a:uFillTx/>
-              </a:rPr>
-              <a:t>In many applications this is not a great loss because there are many states and we are </a:t>
-            </a:r>
-            <a:r>
-              <a:rPr lang="en-US" altLang="ko-KR" dirty="0">
-                <a:solidFill>
-                  <a:srgbClr val="00B0F0"/>
-                </a:solidFill>
-                <a:uFillTx/>
-              </a:rPr>
-              <a:t>unlikely to return to the same state </a:t>
-            </a:r>
-            <a:r>
-              <a:rPr lang="en-US" altLang="ko-KR" dirty="0">
-                <a:uFillTx/>
-              </a:rPr>
-              <a:t>for a long time.</a:t>
-            </a:r>
-          </a:p>
-          <a:p>
-            <a:endParaRPr lang="en-US" altLang="ko-KR" dirty="0">
-              <a:uFillTx/>
-            </a:endParaRPr>
-          </a:p>
-          <a:p>
-            <a:r>
-              <a:rPr lang="en-US" altLang="ko-KR" dirty="0">
-                <a:uFillTx/>
-              </a:rPr>
-              <a:t>It is most useful in applications in which fast responses are not required.</a:t>
-            </a:r>
-            <a:endParaRPr lang="ko-KR" altLang="en-US" dirty="0">
-              <a:uFillTx/>
-            </a:endParaRPr>
-          </a:p>
-        </p:txBody>
-      </p:sp>
-    </p:spTree>
-  </p:cSld>
-  <p:clrMapOvr>
-    <a:masterClrMapping/>
-  </p:clrMapOvr>
-</p:sld>
-</file>
-
-<file path=ppt/slides/slide29.xml><?xml version="1.0" encoding="utf-8"?>
-<p:sld xmlns:a="http://schemas.openxmlformats.org/drawingml/2006/main" xmlns:r="http://schemas.openxmlformats.org/officeDocument/2006/relationships" xmlns:p="http://schemas.openxmlformats.org/presentationml/2006/main">
-  <p:cSld>
-    <p:spTree>
-      <p:nvGrpSpPr>
-        <p:cNvPr id="1" name=""/>
-        <p:cNvGrpSpPr/>
-        <p:nvPr/>
-      </p:nvGrpSpPr>
-      <p:grpSpPr>
-        <a:xfrm>
-          <a:off x="0" y="0"/>
-          <a:ext cx="0" cy="0"/>
-          <a:chOff x="0" y="0"/>
-          <a:chExt cx="0" cy="0"/>
-        </a:xfrm>
-      </p:grpSpPr>
-      <p:sp>
-        <p:nvSpPr>
-          <p:cNvPr id="40" name="object 40"/>
-          <p:cNvSpPr>
-            <a:spLocks/>
-          </p:cNvSpPr>
-          <p:nvPr/>
-        </p:nvSpPr>
-        <p:spPr>
-          <a:xfrm>
-            <a:off x="2149760" y="7206233"/>
-            <a:ext cx="9145270" cy="0"/>
-          </a:xfrm>
-          <a:custGeom>
-            <a:avLst/>
-            <a:gdLst/>
-            <a:ahLst/>
-            <a:cxnLst/>
-            <a:rect l="l" t="t" r="r" b="b"/>
-            <a:pathLst>
-              <a:path w="9145270">
-                <a:moveTo>
-                  <a:pt x="0" y="0"/>
-                </a:moveTo>
-                <a:lnTo>
-                  <a:pt x="9144647" y="0"/>
-                </a:lnTo>
-              </a:path>
-            </a:pathLst>
-          </a:custGeom>
-          <a:ln w="3175">
-            <a:solidFill>
-              <a:srgbClr val="B2B2B2"/>
-            </a:solidFill>
-          </a:ln>
-        </p:spPr>
-        <p:txBody>
-          <a:bodyPr wrap="square" lIns="0" tIns="0" rIns="0" bIns="0" rtlCol="0"/>
-          <a:lstStyle/>
-          <a:p>
-            <a:endParaRPr>
-              <a:uFillTx/>
-            </a:endParaRPr>
-          </a:p>
-        </p:txBody>
-      </p:sp>
-      <p:pic>
-        <p:nvPicPr>
-          <p:cNvPr id="45" name="그림 44"/>
-          <p:cNvPicPr>
-            <a:picLocks noChangeAspect="1"/>
-          </p:cNvPicPr>
-          <p:nvPr/>
-        </p:nvPicPr>
-        <p:blipFill>
-          <a:blip r:embed="rId2" cstate="print"/>
-          <a:stretch>
-            <a:fillRect/>
-          </a:stretch>
-        </p:blipFill>
-        <p:spPr>
-          <a:xfrm>
-            <a:off x="10761022" y="244603"/>
-            <a:ext cx="1126694" cy="796522"/>
-          </a:xfrm>
-          <a:prstGeom prst="rect">
-            <a:avLst/>
-          </a:prstGeom>
-        </p:spPr>
-      </p:pic>
-      <p:sp>
-        <p:nvSpPr>
-          <p:cNvPr id="7" name="TextBox 6"/>
-          <p:cNvSpPr txBox="1">
-            <a:spLocks/>
-          </p:cNvSpPr>
-          <p:nvPr/>
-        </p:nvSpPr>
-        <p:spPr>
-          <a:xfrm>
-            <a:off x="1694349" y="347272"/>
-            <a:ext cx="7161520" cy="369332"/>
-          </a:xfrm>
-          <a:prstGeom prst="rect">
-            <a:avLst/>
-          </a:prstGeom>
-          <a:noFill/>
-        </p:spPr>
-        <p:txBody>
-          <a:bodyPr wrap="square" rtlCol="0">
-            <a:spAutoFit/>
-          </a:bodyPr>
-          <a:lstStyle/>
-          <a:p>
-            <a:r>
-              <a:rPr lang="en-US" altLang="ko-KR" b="1" dirty="0">
-                <a:solidFill>
-                  <a:schemeClr val="tx2">
-                    <a:lumMod val="75000"/>
-                  </a:schemeClr>
-                </a:solidFill>
-                <a:uFillTx/>
-                <a:latin typeface="Tahoma" panose="020B0604030504040204" pitchFamily="34" charset="0"/>
-                <a:ea typeface="Tahoma" panose="020B0604030504040204" pitchFamily="34" charset="0"/>
-                <a:cs typeface="Tahoma" panose="020B0604030504040204" pitchFamily="34" charset="0"/>
-              </a:rPr>
-              <a:t>8.6 Heuristic Search</a:t>
-            </a:r>
-          </a:p>
-        </p:txBody>
-      </p:sp>
-      <p:sp>
-        <p:nvSpPr>
-          <p:cNvPr id="3" name="TextBox 2"/>
-          <p:cNvSpPr txBox="1">
-            <a:spLocks/>
-          </p:cNvSpPr>
-          <p:nvPr/>
-        </p:nvSpPr>
-        <p:spPr>
-          <a:xfrm>
-            <a:off x="2302669" y="1571626"/>
-            <a:ext cx="8763000" cy="3970318"/>
-          </a:xfrm>
-          <a:prstGeom prst="rect">
-            <a:avLst/>
-          </a:prstGeom>
-          <a:noFill/>
-        </p:spPr>
-        <p:txBody>
-          <a:bodyPr wrap="square" rtlCol="0">
-            <a:spAutoFit/>
-          </a:bodyPr>
-          <a:lstStyle/>
-          <a:p>
-            <a:r>
-              <a:rPr lang="en-US" altLang="ko-KR" dirty="0">
-                <a:uFillTx/>
-              </a:rPr>
-              <a:t>The classical state-space planning methods in AI are planning-as-part-of-action-selection methods collectively known as </a:t>
-            </a:r>
-            <a:r>
-              <a:rPr lang="en-US" altLang="ko-KR" i="1" dirty="0">
-                <a:uFillTx/>
-                <a:latin typeface="Times" charset="0"/>
-                <a:ea typeface="Times" charset="0"/>
-                <a:cs typeface="Times" charset="0"/>
-              </a:rPr>
-              <a:t>heuristic search (HS)</a:t>
-            </a:r>
-            <a:r>
-              <a:rPr lang="en-US" altLang="ko-KR" dirty="0">
-                <a:uFillTx/>
-              </a:rPr>
-              <a:t>.</a:t>
-            </a:r>
-          </a:p>
-          <a:p>
-            <a:endParaRPr lang="en-US" altLang="ko-KR" dirty="0">
-              <a:uFillTx/>
-            </a:endParaRPr>
-          </a:p>
-          <a:p>
-            <a:r>
-              <a:rPr lang="en-US" altLang="ko-KR" dirty="0">
-                <a:uFillTx/>
-              </a:rPr>
-              <a:t>In HS, for each state encountered, a large tree of possible continuations is considered.</a:t>
-            </a:r>
-          </a:p>
-          <a:p>
-            <a:r>
-              <a:rPr lang="en-US" altLang="ko-KR" dirty="0">
-                <a:uFillTx/>
-              </a:rPr>
-              <a:t>The approximate value function is applied to the leaf nodes and then backed up toward the current state at the root.</a:t>
-            </a:r>
-          </a:p>
-          <a:p>
-            <a:r>
-              <a:rPr lang="en-US" altLang="ko-KR" dirty="0">
-                <a:uFillTx/>
-              </a:rPr>
-              <a:t>Once the backed-up values of these nodes are computed, the best of them is chosen as the current action, and then all backed-up values are discarded.</a:t>
-            </a:r>
-          </a:p>
-          <a:p>
-            <a:endParaRPr lang="en-US" altLang="ko-KR" dirty="0">
-              <a:uFillTx/>
-            </a:endParaRPr>
-          </a:p>
-          <a:p>
-            <a:r>
-              <a:rPr lang="en-US" altLang="ko-KR" dirty="0">
-                <a:solidFill>
-                  <a:schemeClr val="accent6">
-                    <a:lumMod val="75000"/>
-                  </a:schemeClr>
-                </a:solidFill>
-                <a:uFillTx/>
-              </a:rPr>
-              <a:t>In fact, the value function is generally designed by people and never changed as a result of search.</a:t>
-            </a:r>
-          </a:p>
-          <a:p>
-            <a:r>
-              <a:rPr lang="en-US" altLang="ko-KR" dirty="0">
-                <a:solidFill>
-                  <a:schemeClr val="accent6">
-                    <a:lumMod val="75000"/>
-                  </a:schemeClr>
-                </a:solidFill>
-                <a:uFillTx/>
-              </a:rPr>
-              <a:t>However, it is natural to consider allowing the value function to be improved over time, using either the backed-up values computed during HS or any of the other methods presented throughout this book.</a:t>
-            </a:r>
-          </a:p>
-        </p:txBody>
-      </p:sp>
-    </p:spTree>
-  </p:cSld>
-  <p:clrMapOvr>
-    <a:masterClrMapping/>
-  </p:clrMapOvr>
+  <p:timing>
+    <p:tnLst>
+      <p:par>
+        <p:cTn id="1" dur="indefinite" restart="never" nodeType="tmRoot"/>
+      </p:par>
+    </p:tnLst>
+  </p:timing>
 </p:sld>
 </file>
 
@@ -11851,1944 +12800,6 @@
               <a:buChar char="§"/>
             </a:pPr>
             <a:endParaRPr kumimoji="1" lang="en-US" altLang="ko-KR" sz="2000" dirty="0">
-              <a:uFillTx/>
-            </a:endParaRPr>
-          </a:p>
-        </p:txBody>
-      </p:sp>
-    </p:spTree>
-  </p:cSld>
-  <p:clrMapOvr>
-    <a:masterClrMapping/>
-  </p:clrMapOvr>
-</p:sld>
-</file>
-
-<file path=ppt/slides/slide30.xml><?xml version="1.0" encoding="utf-8"?>
-<p:sld xmlns:a="http://schemas.openxmlformats.org/drawingml/2006/main" xmlns:r="http://schemas.openxmlformats.org/officeDocument/2006/relationships" xmlns:p="http://schemas.openxmlformats.org/presentationml/2006/main">
-  <p:cSld>
-    <p:spTree>
-      <p:nvGrpSpPr>
-        <p:cNvPr id="1" name=""/>
-        <p:cNvGrpSpPr/>
-        <p:nvPr/>
-      </p:nvGrpSpPr>
-      <p:grpSpPr>
-        <a:xfrm>
-          <a:off x="0" y="0"/>
-          <a:ext cx="0" cy="0"/>
-          <a:chOff x="0" y="0"/>
-          <a:chExt cx="0" cy="0"/>
-        </a:xfrm>
-      </p:grpSpPr>
-      <p:sp>
-        <p:nvSpPr>
-          <p:cNvPr id="40" name="object 40"/>
-          <p:cNvSpPr>
-            <a:spLocks/>
-          </p:cNvSpPr>
-          <p:nvPr/>
-        </p:nvSpPr>
-        <p:spPr>
-          <a:xfrm>
-            <a:off x="2149760" y="7206233"/>
-            <a:ext cx="9145270" cy="0"/>
-          </a:xfrm>
-          <a:custGeom>
-            <a:avLst/>
-            <a:gdLst/>
-            <a:ahLst/>
-            <a:cxnLst/>
-            <a:rect l="l" t="t" r="r" b="b"/>
-            <a:pathLst>
-              <a:path w="9145270">
-                <a:moveTo>
-                  <a:pt x="0" y="0"/>
-                </a:moveTo>
-                <a:lnTo>
-                  <a:pt x="9144647" y="0"/>
-                </a:lnTo>
-              </a:path>
-            </a:pathLst>
-          </a:custGeom>
-          <a:ln w="3175">
-            <a:solidFill>
-              <a:srgbClr val="B2B2B2"/>
-            </a:solidFill>
-          </a:ln>
-        </p:spPr>
-        <p:txBody>
-          <a:bodyPr wrap="square" lIns="0" tIns="0" rIns="0" bIns="0" rtlCol="0"/>
-          <a:lstStyle/>
-          <a:p>
-            <a:endParaRPr>
-              <a:uFillTx/>
-            </a:endParaRPr>
-          </a:p>
-        </p:txBody>
-      </p:sp>
-      <p:pic>
-        <p:nvPicPr>
-          <p:cNvPr id="45" name="그림 44"/>
-          <p:cNvPicPr>
-            <a:picLocks noChangeAspect="1"/>
-          </p:cNvPicPr>
-          <p:nvPr/>
-        </p:nvPicPr>
-        <p:blipFill>
-          <a:blip r:embed="rId2" cstate="print"/>
-          <a:stretch>
-            <a:fillRect/>
-          </a:stretch>
-        </p:blipFill>
-        <p:spPr>
-          <a:xfrm>
-            <a:off x="10761022" y="244603"/>
-            <a:ext cx="1126694" cy="796522"/>
-          </a:xfrm>
-          <a:prstGeom prst="rect">
-            <a:avLst/>
-          </a:prstGeom>
-        </p:spPr>
-      </p:pic>
-      <p:sp>
-        <p:nvSpPr>
-          <p:cNvPr id="7" name="TextBox 6"/>
-          <p:cNvSpPr txBox="1">
-            <a:spLocks/>
-          </p:cNvSpPr>
-          <p:nvPr/>
-        </p:nvSpPr>
-        <p:spPr>
-          <a:xfrm>
-            <a:off x="1694349" y="347272"/>
-            <a:ext cx="7161520" cy="369332"/>
-          </a:xfrm>
-          <a:prstGeom prst="rect">
-            <a:avLst/>
-          </a:prstGeom>
-          <a:noFill/>
-        </p:spPr>
-        <p:txBody>
-          <a:bodyPr wrap="square" rtlCol="0">
-            <a:spAutoFit/>
-          </a:bodyPr>
-          <a:lstStyle/>
-          <a:p>
-            <a:r>
-              <a:rPr lang="en-US" altLang="ko-KR" b="1" dirty="0">
-                <a:solidFill>
-                  <a:schemeClr val="tx2">
-                    <a:lumMod val="75000"/>
-                  </a:schemeClr>
-                </a:solidFill>
-                <a:uFillTx/>
-                <a:latin typeface="Tahoma" panose="020B0604030504040204" pitchFamily="34" charset="0"/>
-                <a:ea typeface="Tahoma" panose="020B0604030504040204" pitchFamily="34" charset="0"/>
-                <a:cs typeface="Tahoma" panose="020B0604030504040204" pitchFamily="34" charset="0"/>
-              </a:rPr>
-              <a:t>8.6 Heuristic Search</a:t>
-            </a:r>
-          </a:p>
-        </p:txBody>
-      </p:sp>
-      <p:sp>
-        <p:nvSpPr>
-          <p:cNvPr id="3" name="TextBox 2"/>
-          <p:cNvSpPr txBox="1">
-            <a:spLocks/>
-          </p:cNvSpPr>
-          <p:nvPr/>
-        </p:nvSpPr>
-        <p:spPr>
-          <a:xfrm>
-            <a:off x="2302669" y="1571625"/>
-            <a:ext cx="8763000" cy="3416320"/>
-          </a:xfrm>
-          <a:prstGeom prst="rect">
-            <a:avLst/>
-          </a:prstGeom>
-          <a:noFill/>
-        </p:spPr>
-        <p:txBody>
-          <a:bodyPr wrap="square" rtlCol="0">
-            <a:spAutoFit/>
-          </a:bodyPr>
-          <a:lstStyle/>
-          <a:p>
-            <a:r>
-              <a:rPr lang="en-US" altLang="ko-KR" dirty="0">
-                <a:uFillTx/>
-              </a:rPr>
-              <a:t>Greedy and e-greedy action-selection methods are not unlike HS.</a:t>
-            </a:r>
-          </a:p>
-          <a:p>
-            <a:endParaRPr lang="en-US" altLang="ko-KR" dirty="0">
-              <a:uFillTx/>
-            </a:endParaRPr>
-          </a:p>
-          <a:p>
-            <a:r>
-              <a:rPr lang="en-US" altLang="ko-KR" dirty="0">
-                <a:uFillTx/>
-              </a:rPr>
-              <a:t>For example, to compute the greedy action given a model and a state-value functions, we must look ahead from each possible action to each possible next state, backup the rewards and estimated values, and then pick the best action.</a:t>
-            </a:r>
-          </a:p>
-          <a:p>
-            <a:endParaRPr lang="en-US" altLang="ko-KR" dirty="0">
-              <a:uFillTx/>
-            </a:endParaRPr>
-          </a:p>
-          <a:p>
-            <a:r>
-              <a:rPr lang="en-US" altLang="ko-KR" dirty="0">
-                <a:uFillTx/>
-              </a:rPr>
-              <a:t>Just as in HS, this process computes backed-up values of the possible actions, but does not attempt to save them.</a:t>
-            </a:r>
-          </a:p>
-          <a:p>
-            <a:endParaRPr lang="en-US" altLang="ko-KR" dirty="0">
-              <a:uFillTx/>
-            </a:endParaRPr>
-          </a:p>
-          <a:p>
-            <a:r>
-              <a:rPr lang="en-US" altLang="ko-KR" dirty="0">
-                <a:uFillTx/>
-              </a:rPr>
-              <a:t>Thus, HS can be viewed as an extension of the idea of a greedy policy </a:t>
-            </a:r>
-            <a:r>
-              <a:rPr lang="en-US" altLang="ko-KR" dirty="0">
-                <a:solidFill>
-                  <a:srgbClr val="00B0F0"/>
-                </a:solidFill>
-                <a:uFillTx/>
-              </a:rPr>
-              <a:t>beyond a single step</a:t>
-            </a:r>
-            <a:r>
-              <a:rPr lang="en-US" altLang="ko-KR" dirty="0">
-                <a:uFillTx/>
-              </a:rPr>
-              <a:t>.</a:t>
-            </a:r>
-          </a:p>
-          <a:p>
-            <a:endParaRPr lang="en-US" altLang="ko-KR" dirty="0">
-              <a:uFillTx/>
-            </a:endParaRPr>
-          </a:p>
-          <a:p>
-            <a:endParaRPr lang="en-US" altLang="ko-KR" dirty="0">
-              <a:uFillTx/>
-            </a:endParaRPr>
-          </a:p>
-        </p:txBody>
-      </p:sp>
-    </p:spTree>
-  </p:cSld>
-  <p:clrMapOvr>
-    <a:masterClrMapping/>
-  </p:clrMapOvr>
-</p:sld>
-</file>
-
-<file path=ppt/slides/slide31.xml><?xml version="1.0" encoding="utf-8"?>
-<p:sld xmlns:a="http://schemas.openxmlformats.org/drawingml/2006/main" xmlns:r="http://schemas.openxmlformats.org/officeDocument/2006/relationships" xmlns:p="http://schemas.openxmlformats.org/presentationml/2006/main">
-  <p:cSld>
-    <p:spTree>
-      <p:nvGrpSpPr>
-        <p:cNvPr id="1" name=""/>
-        <p:cNvGrpSpPr/>
-        <p:nvPr/>
-      </p:nvGrpSpPr>
-      <p:grpSpPr>
-        <a:xfrm>
-          <a:off x="0" y="0"/>
-          <a:ext cx="0" cy="0"/>
-          <a:chOff x="0" y="0"/>
-          <a:chExt cx="0" cy="0"/>
-        </a:xfrm>
-      </p:grpSpPr>
-      <p:sp>
-        <p:nvSpPr>
-          <p:cNvPr id="40" name="object 40"/>
-          <p:cNvSpPr>
-            <a:spLocks/>
-          </p:cNvSpPr>
-          <p:nvPr/>
-        </p:nvSpPr>
-        <p:spPr>
-          <a:xfrm>
-            <a:off x="2149760" y="7206233"/>
-            <a:ext cx="9145270" cy="0"/>
-          </a:xfrm>
-          <a:custGeom>
-            <a:avLst/>
-            <a:gdLst/>
-            <a:ahLst/>
-            <a:cxnLst/>
-            <a:rect l="l" t="t" r="r" b="b"/>
-            <a:pathLst>
-              <a:path w="9145270">
-                <a:moveTo>
-                  <a:pt x="0" y="0"/>
-                </a:moveTo>
-                <a:lnTo>
-                  <a:pt x="9144647" y="0"/>
-                </a:lnTo>
-              </a:path>
-            </a:pathLst>
-          </a:custGeom>
-          <a:ln w="3175">
-            <a:solidFill>
-              <a:srgbClr val="B2B2B2"/>
-            </a:solidFill>
-          </a:ln>
-        </p:spPr>
-        <p:txBody>
-          <a:bodyPr wrap="square" lIns="0" tIns="0" rIns="0" bIns="0" rtlCol="0"/>
-          <a:lstStyle/>
-          <a:p>
-            <a:endParaRPr>
-              <a:uFillTx/>
-            </a:endParaRPr>
-          </a:p>
-        </p:txBody>
-      </p:sp>
-      <p:pic>
-        <p:nvPicPr>
-          <p:cNvPr id="45" name="그림 44"/>
-          <p:cNvPicPr>
-            <a:picLocks noChangeAspect="1"/>
-          </p:cNvPicPr>
-          <p:nvPr/>
-        </p:nvPicPr>
-        <p:blipFill>
-          <a:blip r:embed="rId2" cstate="print"/>
-          <a:stretch>
-            <a:fillRect/>
-          </a:stretch>
-        </p:blipFill>
-        <p:spPr>
-          <a:xfrm>
-            <a:off x="10761022" y="244603"/>
-            <a:ext cx="1126694" cy="796522"/>
-          </a:xfrm>
-          <a:prstGeom prst="rect">
-            <a:avLst/>
-          </a:prstGeom>
-        </p:spPr>
-      </p:pic>
-      <p:sp>
-        <p:nvSpPr>
-          <p:cNvPr id="7" name="TextBox 6"/>
-          <p:cNvSpPr txBox="1">
-            <a:spLocks/>
-          </p:cNvSpPr>
-          <p:nvPr/>
-        </p:nvSpPr>
-        <p:spPr>
-          <a:xfrm>
-            <a:off x="1694349" y="347272"/>
-            <a:ext cx="7161520" cy="369332"/>
-          </a:xfrm>
-          <a:prstGeom prst="rect">
-            <a:avLst/>
-          </a:prstGeom>
-          <a:noFill/>
-        </p:spPr>
-        <p:txBody>
-          <a:bodyPr wrap="square" rtlCol="0">
-            <a:spAutoFit/>
-          </a:bodyPr>
-          <a:lstStyle/>
-          <a:p>
-            <a:r>
-              <a:rPr lang="en-US" altLang="ko-KR" b="1" dirty="0">
-                <a:solidFill>
-                  <a:schemeClr val="tx2">
-                    <a:lumMod val="75000"/>
-                  </a:schemeClr>
-                </a:solidFill>
-                <a:uFillTx/>
-                <a:latin typeface="Tahoma" panose="020B0604030504040204" pitchFamily="34" charset="0"/>
-                <a:ea typeface="Tahoma" panose="020B0604030504040204" pitchFamily="34" charset="0"/>
-                <a:cs typeface="Tahoma" panose="020B0604030504040204" pitchFamily="34" charset="0"/>
-              </a:rPr>
-              <a:t>8.6 Heuristic Search</a:t>
-            </a:r>
-          </a:p>
-        </p:txBody>
-      </p:sp>
-      <p:sp>
-        <p:nvSpPr>
-          <p:cNvPr id="3" name="TextBox 2"/>
-          <p:cNvSpPr txBox="1">
-            <a:spLocks/>
-          </p:cNvSpPr>
-          <p:nvPr/>
-        </p:nvSpPr>
-        <p:spPr>
-          <a:xfrm>
-            <a:off x="2302669" y="1571627"/>
-            <a:ext cx="8763000" cy="2585323"/>
-          </a:xfrm>
-          <a:prstGeom prst="rect">
-            <a:avLst/>
-          </a:prstGeom>
-          <a:noFill/>
-        </p:spPr>
-        <p:txBody>
-          <a:bodyPr wrap="square" rtlCol="0">
-            <a:spAutoFit/>
-          </a:bodyPr>
-          <a:lstStyle/>
-          <a:p>
-            <a:r>
-              <a:rPr lang="en-US" altLang="ko-KR" dirty="0">
-                <a:uFillTx/>
-              </a:rPr>
-              <a:t>Much of the effectiveness of HS is due to its search tree being tightly focused on the states and actions that might immediately follow the </a:t>
-            </a:r>
-            <a:r>
-              <a:rPr lang="en-US" altLang="ko-KR" b="1" dirty="0">
-                <a:solidFill>
-                  <a:srgbClr val="00B0F0"/>
-                </a:solidFill>
-                <a:uFillTx/>
-              </a:rPr>
-              <a:t>current state</a:t>
-            </a:r>
-            <a:r>
-              <a:rPr lang="en-US" altLang="ko-KR" dirty="0">
-                <a:uFillTx/>
-              </a:rPr>
-              <a:t>.</a:t>
-            </a:r>
-          </a:p>
-          <a:p>
-            <a:endParaRPr lang="en-US" altLang="ko-KR" dirty="0">
-              <a:uFillTx/>
-            </a:endParaRPr>
-          </a:p>
-          <a:p>
-            <a:r>
-              <a:rPr lang="en-US" altLang="ko-KR" dirty="0">
-                <a:uFillTx/>
-              </a:rPr>
-              <a:t>In chess, there are far too many possible positions to store distinct value estimates for each of them, but chess programs based on HS can easily store distinct estimates for the millions of positions they encounter looking ahead from a single position.</a:t>
-            </a:r>
-          </a:p>
-          <a:p>
-            <a:endParaRPr lang="en-US" altLang="ko-KR" dirty="0">
-              <a:uFillTx/>
-            </a:endParaRPr>
-          </a:p>
-          <a:p>
-            <a:r>
-              <a:rPr lang="en-US" altLang="ko-KR" dirty="0">
-                <a:uFillTx/>
-              </a:rPr>
-              <a:t>This great focusing of memory and computational resources on the current decision is presumably the reason why HS can be so effective.</a:t>
-            </a:r>
-          </a:p>
-        </p:txBody>
-      </p:sp>
-    </p:spTree>
-  </p:cSld>
-  <p:clrMapOvr>
-    <a:masterClrMapping/>
-  </p:clrMapOvr>
-</p:sld>
-</file>
-
-<file path=ppt/slides/slide32.xml><?xml version="1.0" encoding="utf-8"?>
-<p:sld xmlns:a="http://schemas.openxmlformats.org/drawingml/2006/main" xmlns:r="http://schemas.openxmlformats.org/officeDocument/2006/relationships" xmlns:p="http://schemas.openxmlformats.org/presentationml/2006/main">
-  <p:cSld>
-    <p:spTree>
-      <p:nvGrpSpPr>
-        <p:cNvPr id="1" name=""/>
-        <p:cNvGrpSpPr/>
-        <p:nvPr/>
-      </p:nvGrpSpPr>
-      <p:grpSpPr>
-        <a:xfrm>
-          <a:off x="0" y="0"/>
-          <a:ext cx="0" cy="0"/>
-          <a:chOff x="0" y="0"/>
-          <a:chExt cx="0" cy="0"/>
-        </a:xfrm>
-      </p:grpSpPr>
-      <p:sp>
-        <p:nvSpPr>
-          <p:cNvPr id="40" name="object 40"/>
-          <p:cNvSpPr>
-            <a:spLocks/>
-          </p:cNvSpPr>
-          <p:nvPr/>
-        </p:nvSpPr>
-        <p:spPr>
-          <a:xfrm>
-            <a:off x="2149760" y="7206233"/>
-            <a:ext cx="9145270" cy="0"/>
-          </a:xfrm>
-          <a:custGeom>
-            <a:avLst/>
-            <a:gdLst/>
-            <a:ahLst/>
-            <a:cxnLst/>
-            <a:rect l="l" t="t" r="r" b="b"/>
-            <a:pathLst>
-              <a:path w="9145270">
-                <a:moveTo>
-                  <a:pt x="0" y="0"/>
-                </a:moveTo>
-                <a:lnTo>
-                  <a:pt x="9144647" y="0"/>
-                </a:lnTo>
-              </a:path>
-            </a:pathLst>
-          </a:custGeom>
-          <a:ln w="3175">
-            <a:solidFill>
-              <a:srgbClr val="B2B2B2"/>
-            </a:solidFill>
-          </a:ln>
-        </p:spPr>
-        <p:txBody>
-          <a:bodyPr wrap="square" lIns="0" tIns="0" rIns="0" bIns="0" rtlCol="0"/>
-          <a:lstStyle/>
-          <a:p>
-            <a:endParaRPr>
-              <a:uFillTx/>
-            </a:endParaRPr>
-          </a:p>
-        </p:txBody>
-      </p:sp>
-      <p:pic>
-        <p:nvPicPr>
-          <p:cNvPr id="45" name="그림 44"/>
-          <p:cNvPicPr>
-            <a:picLocks noChangeAspect="1"/>
-          </p:cNvPicPr>
-          <p:nvPr/>
-        </p:nvPicPr>
-        <p:blipFill>
-          <a:blip r:embed="rId2" cstate="print"/>
-          <a:stretch>
-            <a:fillRect/>
-          </a:stretch>
-        </p:blipFill>
-        <p:spPr>
-          <a:xfrm>
-            <a:off x="10761022" y="244603"/>
-            <a:ext cx="1126694" cy="796522"/>
-          </a:xfrm>
-          <a:prstGeom prst="rect">
-            <a:avLst/>
-          </a:prstGeom>
-        </p:spPr>
-      </p:pic>
-      <p:pic>
-        <p:nvPicPr>
-          <p:cNvPr id="2" name="그림 1"/>
-          <p:cNvPicPr>
-            <a:picLocks noChangeAspect="1"/>
-          </p:cNvPicPr>
-          <p:nvPr/>
-        </p:nvPicPr>
-        <p:blipFill>
-          <a:blip r:embed="rId3"/>
-          <a:stretch>
-            <a:fillRect/>
-          </a:stretch>
-        </p:blipFill>
-        <p:spPr>
-          <a:xfrm>
-            <a:off x="3263941" y="3510476"/>
-            <a:ext cx="6916908" cy="3810000"/>
-          </a:xfrm>
-          <a:prstGeom prst="rect">
-            <a:avLst/>
-          </a:prstGeom>
-        </p:spPr>
-      </p:pic>
-      <p:sp>
-        <p:nvSpPr>
-          <p:cNvPr id="6" name="TextBox 5"/>
-          <p:cNvSpPr txBox="1">
-            <a:spLocks/>
-          </p:cNvSpPr>
-          <p:nvPr/>
-        </p:nvSpPr>
-        <p:spPr>
-          <a:xfrm>
-            <a:off x="2340895" y="1041127"/>
-            <a:ext cx="8763000" cy="2585323"/>
-          </a:xfrm>
-          <a:prstGeom prst="rect">
-            <a:avLst/>
-          </a:prstGeom>
-          <a:noFill/>
-        </p:spPr>
-        <p:txBody>
-          <a:bodyPr wrap="square" rtlCol="0">
-            <a:spAutoFit/>
-          </a:bodyPr>
-          <a:lstStyle/>
-          <a:p>
-            <a:r>
-              <a:rPr lang="en-US" altLang="ko-KR" dirty="0">
-                <a:uFillTx/>
-              </a:rPr>
-              <a:t>As a limiting case we might use exactly the methods of HS to construct a search tree, and then perform the individual, one-step backups from bottom up as figure below.</a:t>
-            </a:r>
-          </a:p>
-          <a:p>
-            <a:r>
-              <a:rPr lang="en-US" altLang="ko-KR" dirty="0">
-                <a:uFillTx/>
-              </a:rPr>
-              <a:t>If the backups are ordered in this way and a table-lookup representation is used, then exactly the same backup would be achieved as in depth-first heuristic search.</a:t>
-            </a:r>
-          </a:p>
-          <a:p>
-            <a:r>
-              <a:rPr lang="en-US" altLang="ko-KR" dirty="0">
-                <a:uFillTx/>
-              </a:rPr>
-              <a:t>Any state-space search can be viewed in this way as the piecing together of a large number of individual one-step backups.</a:t>
-            </a:r>
-          </a:p>
-          <a:p>
-            <a:r>
-              <a:rPr lang="en-US" altLang="ko-KR" dirty="0">
-                <a:uFillTx/>
-              </a:rPr>
-              <a:t>Thus, the performance improvement observed with deeper searches is not due to the use of multistep backups as such. Instead, it is due to the focus and concentration of back-ups on states and actions immediately downstream from the current state.</a:t>
-            </a:r>
-          </a:p>
-        </p:txBody>
-      </p:sp>
-      <p:sp>
-        <p:nvSpPr>
-          <p:cNvPr id="7" name="TextBox 6"/>
-          <p:cNvSpPr txBox="1">
-            <a:spLocks/>
-          </p:cNvSpPr>
-          <p:nvPr/>
-        </p:nvSpPr>
-        <p:spPr>
-          <a:xfrm>
-            <a:off x="1694349" y="347272"/>
-            <a:ext cx="7161520" cy="369332"/>
-          </a:xfrm>
-          <a:prstGeom prst="rect">
-            <a:avLst/>
-          </a:prstGeom>
-          <a:noFill/>
-        </p:spPr>
-        <p:txBody>
-          <a:bodyPr wrap="square" rtlCol="0">
-            <a:spAutoFit/>
-          </a:bodyPr>
-          <a:lstStyle/>
-          <a:p>
-            <a:r>
-              <a:rPr lang="en-US" altLang="ko-KR" b="1" dirty="0">
-                <a:solidFill>
-                  <a:schemeClr val="accent6">
-                    <a:lumMod val="75000"/>
-                  </a:schemeClr>
-                </a:solidFill>
-                <a:uFillTx/>
-                <a:latin typeface="Tahoma" panose="020B0604030504040204" pitchFamily="34" charset="0"/>
-                <a:ea typeface="Tahoma" panose="020B0604030504040204" pitchFamily="34" charset="0"/>
-                <a:cs typeface="Tahoma" panose="020B0604030504040204" pitchFamily="34" charset="0"/>
-              </a:rPr>
-              <a:t>8.6 Heuristic Search</a:t>
-            </a:r>
-          </a:p>
-        </p:txBody>
-      </p:sp>
-    </p:spTree>
-  </p:cSld>
-  <p:clrMapOvr>
-    <a:masterClrMapping/>
-  </p:clrMapOvr>
-</p:sld>
-</file>
-
-<file path=ppt/slides/slide33.xml><?xml version="1.0" encoding="utf-8"?>
-<p:sld xmlns:a="http://schemas.openxmlformats.org/drawingml/2006/main" xmlns:r="http://schemas.openxmlformats.org/officeDocument/2006/relationships" xmlns:p="http://schemas.openxmlformats.org/presentationml/2006/main">
-  <p:cSld>
-    <p:spTree>
-      <p:nvGrpSpPr>
-        <p:cNvPr id="1" name=""/>
-        <p:cNvGrpSpPr/>
-        <p:nvPr/>
-      </p:nvGrpSpPr>
-      <p:grpSpPr>
-        <a:xfrm>
-          <a:off x="0" y="0"/>
-          <a:ext cx="0" cy="0"/>
-          <a:chOff x="0" y="0"/>
-          <a:chExt cx="0" cy="0"/>
-        </a:xfrm>
-      </p:grpSpPr>
-      <p:sp>
-        <p:nvSpPr>
-          <p:cNvPr id="40" name="object 40"/>
-          <p:cNvSpPr>
-            <a:spLocks/>
-          </p:cNvSpPr>
-          <p:nvPr/>
-        </p:nvSpPr>
-        <p:spPr>
-          <a:xfrm>
-            <a:off x="2149760" y="7206233"/>
-            <a:ext cx="9145270" cy="0"/>
-          </a:xfrm>
-          <a:custGeom>
-            <a:avLst/>
-            <a:gdLst/>
-            <a:ahLst/>
-            <a:cxnLst/>
-            <a:rect l="l" t="t" r="r" b="b"/>
-            <a:pathLst>
-              <a:path w="9145270">
-                <a:moveTo>
-                  <a:pt x="0" y="0"/>
-                </a:moveTo>
-                <a:lnTo>
-                  <a:pt x="9144647" y="0"/>
-                </a:lnTo>
-              </a:path>
-            </a:pathLst>
-          </a:custGeom>
-          <a:ln w="3175">
-            <a:solidFill>
-              <a:srgbClr val="B2B2B2"/>
-            </a:solidFill>
-          </a:ln>
-        </p:spPr>
-        <p:txBody>
-          <a:bodyPr wrap="square" lIns="0" tIns="0" rIns="0" bIns="0" rtlCol="0"/>
-          <a:lstStyle/>
-          <a:p>
-            <a:endParaRPr>
-              <a:uFillTx/>
-            </a:endParaRPr>
-          </a:p>
-        </p:txBody>
-      </p:sp>
-      <p:pic>
-        <p:nvPicPr>
-          <p:cNvPr id="45" name="그림 44"/>
-          <p:cNvPicPr>
-            <a:picLocks noChangeAspect="1"/>
-          </p:cNvPicPr>
-          <p:nvPr/>
-        </p:nvPicPr>
-        <p:blipFill>
-          <a:blip r:embed="rId2" cstate="print"/>
-          <a:stretch>
-            <a:fillRect/>
-          </a:stretch>
-        </p:blipFill>
-        <p:spPr>
-          <a:xfrm>
-            <a:off x="10761022" y="244603"/>
-            <a:ext cx="1126694" cy="796522"/>
-          </a:xfrm>
-          <a:prstGeom prst="rect">
-            <a:avLst/>
-          </a:prstGeom>
-        </p:spPr>
-      </p:pic>
-      <p:sp>
-        <p:nvSpPr>
-          <p:cNvPr id="46" name="TextBox 6"/>
-          <p:cNvSpPr txBox="1">
-            <a:spLocks/>
-          </p:cNvSpPr>
-          <p:nvPr/>
-        </p:nvSpPr>
-        <p:spPr>
-          <a:xfrm>
-            <a:off x="1694349" y="347272"/>
-            <a:ext cx="7161520" cy="369332"/>
-          </a:xfrm>
-          <a:prstGeom prst="rect">
-            <a:avLst/>
-          </a:prstGeom>
-          <a:noFill/>
-        </p:spPr>
-        <p:txBody>
-          <a:bodyPr wrap="square" rtlCol="0">
-            <a:spAutoFit/>
-          </a:bodyPr>
-          <a:lstStyle/>
-          <a:p>
-            <a:r>
-              <a:rPr lang="en-US" altLang="ko-KR" b="1" dirty="0">
-                <a:solidFill>
-                  <a:schemeClr val="tx2">
-                    <a:lumMod val="75000"/>
-                  </a:schemeClr>
-                </a:solidFill>
-                <a:uFillTx/>
-                <a:latin typeface="Tahoma" panose="020B0604030504040204" pitchFamily="34" charset="0"/>
-                <a:ea typeface="Tahoma" panose="020B0604030504040204" pitchFamily="34" charset="0"/>
-                <a:cs typeface="Tahoma" panose="020B0604030504040204" pitchFamily="34" charset="0"/>
-              </a:rPr>
-              <a:t>8.7 Monte Carlo Tree Search</a:t>
-            </a:r>
-          </a:p>
-        </p:txBody>
-      </p:sp>
-      <p:sp>
-        <p:nvSpPr>
-          <p:cNvPr id="6" name="TextBox 5"/>
-          <p:cNvSpPr txBox="1">
-            <a:spLocks/>
-          </p:cNvSpPr>
-          <p:nvPr/>
-        </p:nvSpPr>
-        <p:spPr>
-          <a:xfrm>
-            <a:off x="2302669" y="1190625"/>
-            <a:ext cx="8763000" cy="3970318"/>
-          </a:xfrm>
-          <a:prstGeom prst="rect">
-            <a:avLst/>
-          </a:prstGeom>
-          <a:noFill/>
-        </p:spPr>
-        <p:txBody>
-          <a:bodyPr wrap="square" rtlCol="0">
-            <a:spAutoFit/>
-          </a:bodyPr>
-          <a:lstStyle/>
-          <a:p>
-            <a:r>
-              <a:rPr lang="en-US" altLang="ko-KR" dirty="0">
-                <a:uFillTx/>
-              </a:rPr>
-              <a:t>Monte Carlo Tree Search (MCTC) is one of the simplest examples of </a:t>
-            </a:r>
-          </a:p>
-          <a:p>
-            <a:r>
-              <a:rPr lang="en-US" altLang="ko-KR" b="1" i="1" dirty="0">
-                <a:solidFill>
-                  <a:srgbClr val="00B0F0"/>
-                </a:solidFill>
-                <a:uFillTx/>
-                <a:latin typeface="Times" charset="0"/>
-                <a:ea typeface="Times" charset="0"/>
-                <a:cs typeface="Times" charset="0"/>
-              </a:rPr>
-              <a:t>planning as part of the policy.</a:t>
-            </a:r>
-          </a:p>
-          <a:p>
-            <a:endParaRPr lang="en-US" altLang="ko-KR" b="1" i="1" dirty="0">
-              <a:solidFill>
-                <a:srgbClr val="00B0F0"/>
-              </a:solidFill>
-              <a:uFillTx/>
-              <a:latin typeface="Times" charset="0"/>
-              <a:ea typeface="Times" charset="0"/>
-              <a:cs typeface="Times" charset="0"/>
-            </a:endParaRPr>
-          </a:p>
-          <a:p>
-            <a:r>
-              <a:rPr lang="en-US" altLang="ko-KR" dirty="0">
-                <a:uFillTx/>
-              </a:rPr>
-              <a:t>It is effective in a wide variety of competitive settings, including general game playing.</a:t>
-            </a:r>
-          </a:p>
-          <a:p>
-            <a:r>
-              <a:rPr lang="en-US" altLang="ko-KR" dirty="0">
-                <a:uFillTx/>
-              </a:rPr>
-              <a:t>It is most often used when the model of the world is completely known and cheap to compute, as it is in many games.</a:t>
-            </a:r>
-          </a:p>
-          <a:p>
-            <a:endParaRPr lang="en-US" altLang="ko-KR" dirty="0">
-              <a:uFillTx/>
-            </a:endParaRPr>
-          </a:p>
-          <a:p>
-            <a:r>
-              <a:rPr lang="en-US" altLang="ko-KR" dirty="0">
-                <a:solidFill>
-                  <a:schemeClr val="accent6">
-                    <a:lumMod val="75000"/>
-                  </a:schemeClr>
-                </a:solidFill>
-                <a:uFillTx/>
-              </a:rPr>
-              <a:t>MCTS typically involves no approximate value functions or policies that are retained from one time step to the next; these are computed on each step and then discarded.</a:t>
-            </a:r>
-          </a:p>
-          <a:p>
-            <a:endParaRPr lang="en-US" altLang="ko-KR" dirty="0">
-              <a:uFillTx/>
-            </a:endParaRPr>
-          </a:p>
-          <a:p>
-            <a:r>
-              <a:rPr lang="en-US" altLang="ko-KR" dirty="0">
-                <a:uFillTx/>
-              </a:rPr>
-              <a:t>The actions in the simulated trajectories are generated using a default policy </a:t>
-            </a:r>
-            <a:br>
-              <a:rPr lang="en-US" altLang="ko-KR" dirty="0">
-                <a:uFillTx/>
-              </a:rPr>
-            </a:br>
-            <a:r>
-              <a:rPr lang="en-US" altLang="ko-KR" dirty="0">
-                <a:uFillTx/>
-              </a:rPr>
-              <a:t>(often just </a:t>
-            </a:r>
-            <a:r>
-              <a:rPr lang="en-US" altLang="ko-KR" dirty="0" err="1">
-                <a:uFillTx/>
-              </a:rPr>
-              <a:t>equi</a:t>
-            </a:r>
-            <a:r>
-              <a:rPr lang="en-US" altLang="ko-KR" dirty="0">
-                <a:uFillTx/>
-              </a:rPr>
-              <a:t>-probable random policy).</a:t>
-            </a:r>
-          </a:p>
-          <a:p>
-            <a:endParaRPr lang="en-US" altLang="ko-KR" dirty="0">
-              <a:uFillTx/>
-            </a:endParaRPr>
-          </a:p>
-          <a:p>
-            <a:r>
-              <a:rPr lang="en-US" altLang="ko-KR" dirty="0">
-                <a:uFillTx/>
-              </a:rPr>
-              <a:t>The value of a state-action pair is estimated as the average of the returns from that pair.</a:t>
-            </a:r>
-          </a:p>
-        </p:txBody>
-      </p:sp>
-    </p:spTree>
-  </p:cSld>
-  <p:clrMapOvr>
-    <a:masterClrMapping/>
-  </p:clrMapOvr>
-</p:sld>
-</file>
-
-<file path=ppt/slides/slide34.xml><?xml version="1.0" encoding="utf-8"?>
-<p:sld xmlns:a="http://schemas.openxmlformats.org/drawingml/2006/main" xmlns:r="http://schemas.openxmlformats.org/officeDocument/2006/relationships" xmlns:p="http://schemas.openxmlformats.org/presentationml/2006/main">
-  <p:cSld>
-    <p:spTree>
-      <p:nvGrpSpPr>
-        <p:cNvPr id="1" name=""/>
-        <p:cNvGrpSpPr/>
-        <p:nvPr/>
-      </p:nvGrpSpPr>
-      <p:grpSpPr>
-        <a:xfrm>
-          <a:off x="0" y="0"/>
-          <a:ext cx="0" cy="0"/>
-          <a:chOff x="0" y="0"/>
-          <a:chExt cx="0" cy="0"/>
-        </a:xfrm>
-      </p:grpSpPr>
-      <p:sp>
-        <p:nvSpPr>
-          <p:cNvPr id="40" name="object 40"/>
-          <p:cNvSpPr>
-            <a:spLocks/>
-          </p:cNvSpPr>
-          <p:nvPr/>
-        </p:nvSpPr>
-        <p:spPr>
-          <a:xfrm>
-            <a:off x="2149760" y="7206233"/>
-            <a:ext cx="9145270" cy="0"/>
-          </a:xfrm>
-          <a:custGeom>
-            <a:avLst/>
-            <a:gdLst/>
-            <a:ahLst/>
-            <a:cxnLst/>
-            <a:rect l="l" t="t" r="r" b="b"/>
-            <a:pathLst>
-              <a:path w="9145270">
-                <a:moveTo>
-                  <a:pt x="0" y="0"/>
-                </a:moveTo>
-                <a:lnTo>
-                  <a:pt x="9144647" y="0"/>
-                </a:lnTo>
-              </a:path>
-            </a:pathLst>
-          </a:custGeom>
-          <a:ln w="3175">
-            <a:solidFill>
-              <a:srgbClr val="B2B2B2"/>
-            </a:solidFill>
-          </a:ln>
-        </p:spPr>
-        <p:txBody>
-          <a:bodyPr wrap="square" lIns="0" tIns="0" rIns="0" bIns="0" rtlCol="0"/>
-          <a:lstStyle/>
-          <a:p>
-            <a:endParaRPr>
-              <a:uFillTx/>
-            </a:endParaRPr>
-          </a:p>
-        </p:txBody>
-      </p:sp>
-      <p:pic>
-        <p:nvPicPr>
-          <p:cNvPr id="45" name="그림 44"/>
-          <p:cNvPicPr>
-            <a:picLocks noChangeAspect="1"/>
-          </p:cNvPicPr>
-          <p:nvPr/>
-        </p:nvPicPr>
-        <p:blipFill>
-          <a:blip r:embed="rId2" cstate="print"/>
-          <a:stretch>
-            <a:fillRect/>
-          </a:stretch>
-        </p:blipFill>
-        <p:spPr>
-          <a:xfrm>
-            <a:off x="10761022" y="244603"/>
-            <a:ext cx="1126694" cy="796522"/>
-          </a:xfrm>
-          <a:prstGeom prst="rect">
-            <a:avLst/>
-          </a:prstGeom>
-        </p:spPr>
-      </p:pic>
-      <p:pic>
-        <p:nvPicPr>
-          <p:cNvPr id="3" name="그림 2"/>
-          <p:cNvPicPr>
-            <a:picLocks noChangeAspect="1"/>
-          </p:cNvPicPr>
-          <p:nvPr/>
-        </p:nvPicPr>
-        <p:blipFill>
-          <a:blip r:embed="rId3"/>
-          <a:stretch>
-            <a:fillRect/>
-          </a:stretch>
-        </p:blipFill>
-        <p:spPr>
-          <a:xfrm>
-            <a:off x="7179469" y="377063"/>
-            <a:ext cx="4414950" cy="6553200"/>
-          </a:xfrm>
-          <a:prstGeom prst="rect">
-            <a:avLst/>
-          </a:prstGeom>
-        </p:spPr>
-      </p:pic>
-      <p:sp>
-        <p:nvSpPr>
-          <p:cNvPr id="7" name="TextBox 6"/>
-          <p:cNvSpPr txBox="1">
-            <a:spLocks/>
-          </p:cNvSpPr>
-          <p:nvPr/>
-        </p:nvSpPr>
-        <p:spPr>
-          <a:xfrm>
-            <a:off x="1694349" y="347272"/>
-            <a:ext cx="7161520" cy="369332"/>
-          </a:xfrm>
-          <a:prstGeom prst="rect">
-            <a:avLst/>
-          </a:prstGeom>
-          <a:noFill/>
-        </p:spPr>
-        <p:txBody>
-          <a:bodyPr wrap="square" rtlCol="0">
-            <a:spAutoFit/>
-          </a:bodyPr>
-          <a:lstStyle/>
-          <a:p>
-            <a:r>
-              <a:rPr lang="en-US" altLang="ko-KR" b="1" dirty="0">
-                <a:solidFill>
-                  <a:schemeClr val="tx2">
-                    <a:lumMod val="75000"/>
-                  </a:schemeClr>
-                </a:solidFill>
-                <a:uFillTx/>
-                <a:latin typeface="Tahoma" panose="020B0604030504040204" pitchFamily="34" charset="0"/>
-                <a:ea typeface="Tahoma" panose="020B0604030504040204" pitchFamily="34" charset="0"/>
-                <a:cs typeface="Tahoma" panose="020B0604030504040204" pitchFamily="34" charset="0"/>
-              </a:rPr>
-              <a:t>8.7 Monte Carlo Tree Search</a:t>
-            </a:r>
-          </a:p>
-        </p:txBody>
-      </p:sp>
-      <p:sp>
-        <p:nvSpPr>
-          <p:cNvPr id="2" name="TextBox 1"/>
-          <p:cNvSpPr txBox="1">
-            <a:spLocks/>
-          </p:cNvSpPr>
-          <p:nvPr/>
-        </p:nvSpPr>
-        <p:spPr>
-          <a:xfrm>
-            <a:off x="1846749" y="1047186"/>
-            <a:ext cx="5332720" cy="1477328"/>
-          </a:xfrm>
-          <a:prstGeom prst="rect">
-            <a:avLst/>
-          </a:prstGeom>
-          <a:noFill/>
-        </p:spPr>
-        <p:txBody>
-          <a:bodyPr wrap="square" rtlCol="0">
-            <a:spAutoFit/>
-          </a:bodyPr>
-          <a:lstStyle/>
-          <a:p>
-            <a:r>
-              <a:rPr lang="en-US" altLang="ko-KR" dirty="0">
-                <a:solidFill>
-                  <a:schemeClr val="accent6">
-                    <a:lumMod val="75000"/>
-                  </a:schemeClr>
-                </a:solidFill>
-                <a:uFillTx/>
-              </a:rPr>
-              <a:t>At state on the fringe of the tree there will be actions with zero previous trajectories; these can be considered of infinite value so that one of them is selected, after which it is added to the tree.</a:t>
-            </a:r>
-          </a:p>
-          <a:p>
-            <a:r>
-              <a:rPr lang="en-US" altLang="ko-KR" dirty="0">
-                <a:solidFill>
-                  <a:schemeClr val="accent6">
-                    <a:lumMod val="75000"/>
-                  </a:schemeClr>
-                </a:solidFill>
-                <a:uFillTx/>
-              </a:rPr>
-              <a:t>The initial tree consists of just the current state.</a:t>
-            </a:r>
-            <a:endParaRPr lang="ko-KR" altLang="en-US" dirty="0">
-              <a:solidFill>
-                <a:schemeClr val="accent6">
-                  <a:lumMod val="75000"/>
-                </a:schemeClr>
-              </a:solidFill>
-              <a:uFillTx/>
-            </a:endParaRPr>
-          </a:p>
-        </p:txBody>
-      </p:sp>
-    </p:spTree>
-  </p:cSld>
-  <p:clrMapOvr>
-    <a:masterClrMapping/>
-  </p:clrMapOvr>
-</p:sld>
-</file>
-
-<file path=ppt/slides/slide35.xml><?xml version="1.0" encoding="utf-8"?>
-<p:sld xmlns:a="http://schemas.openxmlformats.org/drawingml/2006/main" xmlns:r="http://schemas.openxmlformats.org/officeDocument/2006/relationships" xmlns:p="http://schemas.openxmlformats.org/presentationml/2006/main">
-  <p:cSld>
-    <p:spTree>
-      <p:nvGrpSpPr>
-        <p:cNvPr id="1" name=""/>
-        <p:cNvGrpSpPr/>
-        <p:nvPr/>
-      </p:nvGrpSpPr>
-      <p:grpSpPr>
-        <a:xfrm>
-          <a:off x="0" y="0"/>
-          <a:ext cx="0" cy="0"/>
-          <a:chOff x="0" y="0"/>
-          <a:chExt cx="0" cy="0"/>
-        </a:xfrm>
-      </p:grpSpPr>
-      <p:sp>
-        <p:nvSpPr>
-          <p:cNvPr id="40" name="object 40"/>
-          <p:cNvSpPr>
-            <a:spLocks/>
-          </p:cNvSpPr>
-          <p:nvPr/>
-        </p:nvSpPr>
-        <p:spPr>
-          <a:xfrm>
-            <a:off x="2149760" y="7206233"/>
-            <a:ext cx="9145270" cy="0"/>
-          </a:xfrm>
-          <a:custGeom>
-            <a:avLst/>
-            <a:gdLst/>
-            <a:ahLst/>
-            <a:cxnLst/>
-            <a:rect l="l" t="t" r="r" b="b"/>
-            <a:pathLst>
-              <a:path w="9145270">
-                <a:moveTo>
-                  <a:pt x="0" y="0"/>
-                </a:moveTo>
-                <a:lnTo>
-                  <a:pt x="9144647" y="0"/>
-                </a:lnTo>
-              </a:path>
-            </a:pathLst>
-          </a:custGeom>
-          <a:ln w="3175">
-            <a:solidFill>
-              <a:srgbClr val="B2B2B2"/>
-            </a:solidFill>
-          </a:ln>
-        </p:spPr>
-        <p:txBody>
-          <a:bodyPr wrap="square" lIns="0" tIns="0" rIns="0" bIns="0" rtlCol="0"/>
-          <a:lstStyle/>
-          <a:p>
-            <a:endParaRPr>
-              <a:uFillTx/>
-            </a:endParaRPr>
-          </a:p>
-        </p:txBody>
-      </p:sp>
-      <p:pic>
-        <p:nvPicPr>
-          <p:cNvPr id="45" name="그림 44"/>
-          <p:cNvPicPr>
-            <a:picLocks noChangeAspect="1"/>
-          </p:cNvPicPr>
-          <p:nvPr/>
-        </p:nvPicPr>
-        <p:blipFill>
-          <a:blip r:embed="rId2" cstate="print"/>
-          <a:stretch>
-            <a:fillRect/>
-          </a:stretch>
-        </p:blipFill>
-        <p:spPr>
-          <a:xfrm>
-            <a:off x="10761022" y="244603"/>
-            <a:ext cx="1126694" cy="796522"/>
-          </a:xfrm>
-          <a:prstGeom prst="rect">
-            <a:avLst/>
-          </a:prstGeom>
-        </p:spPr>
-      </p:pic>
-      <p:sp>
-        <p:nvSpPr>
-          <p:cNvPr id="7" name="TextBox 6"/>
-          <p:cNvSpPr txBox="1">
-            <a:spLocks/>
-          </p:cNvSpPr>
-          <p:nvPr/>
-        </p:nvSpPr>
-        <p:spPr>
-          <a:xfrm>
-            <a:off x="1694349" y="347272"/>
-            <a:ext cx="7161520" cy="369332"/>
-          </a:xfrm>
-          <a:prstGeom prst="rect">
-            <a:avLst/>
-          </a:prstGeom>
-          <a:noFill/>
-        </p:spPr>
-        <p:txBody>
-          <a:bodyPr wrap="square" rtlCol="0">
-            <a:spAutoFit/>
-          </a:bodyPr>
-          <a:lstStyle/>
-          <a:p>
-            <a:r>
-              <a:rPr lang="en-US" altLang="ko-KR" b="1" dirty="0">
-                <a:solidFill>
-                  <a:schemeClr val="tx2">
-                    <a:lumMod val="75000"/>
-                  </a:schemeClr>
-                </a:solidFill>
-                <a:uFillTx/>
-                <a:latin typeface="Tahoma" panose="020B0604030504040204" pitchFamily="34" charset="0"/>
-                <a:ea typeface="Tahoma" panose="020B0604030504040204" pitchFamily="34" charset="0"/>
-                <a:cs typeface="Tahoma" panose="020B0604030504040204" pitchFamily="34" charset="0"/>
-              </a:rPr>
-              <a:t>8.7 Monte Carlo Tree Search</a:t>
-            </a:r>
-          </a:p>
-        </p:txBody>
-      </p:sp>
-      <p:sp>
-        <p:nvSpPr>
-          <p:cNvPr id="2" name="TextBox 1"/>
-          <p:cNvSpPr txBox="1">
-            <a:spLocks/>
-          </p:cNvSpPr>
-          <p:nvPr/>
-        </p:nvSpPr>
-        <p:spPr>
-          <a:xfrm>
-            <a:off x="1922055" y="1270864"/>
-            <a:ext cx="9600681" cy="2031325"/>
-          </a:xfrm>
-          <a:prstGeom prst="rect">
-            <a:avLst/>
-          </a:prstGeom>
-          <a:noFill/>
-        </p:spPr>
-        <p:txBody>
-          <a:bodyPr wrap="square" rtlCol="0">
-            <a:spAutoFit/>
-          </a:bodyPr>
-          <a:lstStyle/>
-          <a:p>
-            <a:r>
-              <a:rPr lang="en-US" altLang="ko-KR" dirty="0">
-                <a:uFillTx/>
-              </a:rPr>
-              <a:t>MCTS incrementally builds a partial game tree to select each of a game-playing program’s moves.</a:t>
-            </a:r>
-          </a:p>
-          <a:p>
-            <a:r>
-              <a:rPr lang="en-US" altLang="ko-KR" dirty="0">
-                <a:uFillTx/>
-              </a:rPr>
-              <a:t>Each game tree node represents a game state, and each edge linking a node representing a state </a:t>
-            </a:r>
-            <a:r>
-              <a:rPr lang="en-US" altLang="ko-KR" i="1" dirty="0">
-                <a:uFillTx/>
-                <a:latin typeface="Times" charset="0"/>
-                <a:ea typeface="Times" charset="0"/>
-                <a:cs typeface="Times" charset="0"/>
-              </a:rPr>
-              <a:t>s</a:t>
-            </a:r>
-            <a:r>
-              <a:rPr lang="en-US" altLang="ko-KR" dirty="0">
-                <a:uFillTx/>
-              </a:rPr>
-              <a:t> to a child node representing a state </a:t>
-            </a:r>
-            <a:r>
-              <a:rPr lang="en-US" altLang="ko-KR" i="1" dirty="0">
-                <a:uFillTx/>
-                <a:latin typeface="Times" charset="0"/>
-                <a:ea typeface="Times" charset="0"/>
-                <a:cs typeface="Times" charset="0"/>
-              </a:rPr>
-              <a:t>s’</a:t>
-            </a:r>
-            <a:r>
-              <a:rPr lang="en-US" altLang="ko-KR" dirty="0">
-                <a:uFillTx/>
-              </a:rPr>
-              <a:t> corresponds to a state-action pair (</a:t>
-            </a:r>
-            <a:r>
-              <a:rPr lang="en-US" altLang="ko-KR" i="1" dirty="0" err="1">
-                <a:uFillTx/>
-                <a:latin typeface="Calibri" charset="0"/>
-                <a:ea typeface="Calibri" charset="0"/>
-                <a:cs typeface="Calibri" charset="0"/>
-              </a:rPr>
-              <a:t>s,a</a:t>
-            </a:r>
-            <a:r>
-              <a:rPr lang="en-US" altLang="ko-KR" dirty="0">
-                <a:uFillTx/>
-              </a:rPr>
-              <a:t>) where </a:t>
-            </a:r>
-            <a:r>
-              <a:rPr lang="en-US" altLang="ko-KR" i="1" dirty="0">
-                <a:uFillTx/>
-                <a:latin typeface="Times" charset="0"/>
-                <a:ea typeface="Times" charset="0"/>
-                <a:cs typeface="Times" charset="0"/>
-              </a:rPr>
-              <a:t>s’</a:t>
-            </a:r>
-            <a:r>
-              <a:rPr lang="en-US" altLang="ko-KR" dirty="0">
-                <a:uFillTx/>
-              </a:rPr>
-              <a:t> is successor state under actions </a:t>
-            </a:r>
-            <a:r>
-              <a:rPr lang="en-US" altLang="ko-KR" i="1" dirty="0">
-                <a:uFillTx/>
-                <a:latin typeface="Times" charset="0"/>
-                <a:ea typeface="Times" charset="0"/>
-                <a:cs typeface="Times" charset="0"/>
-              </a:rPr>
-              <a:t>a</a:t>
-            </a:r>
-            <a:r>
-              <a:rPr lang="en-US" altLang="ko-KR" dirty="0">
-                <a:uFillTx/>
-              </a:rPr>
-              <a:t>.</a:t>
-            </a:r>
-          </a:p>
-          <a:p>
-            <a:r>
-              <a:rPr lang="en-US" altLang="ko-KR" dirty="0">
-                <a:uFillTx/>
-              </a:rPr>
-              <a:t>At the start of MCTS, the current game state is the root node of the partial game tree. </a:t>
-            </a:r>
-          </a:p>
-          <a:p>
-            <a:endParaRPr lang="en-US" altLang="ko-KR" dirty="0">
-              <a:uFillTx/>
-            </a:endParaRPr>
-          </a:p>
-          <a:p>
-            <a:r>
-              <a:rPr lang="en-US" altLang="ko-KR" dirty="0">
-                <a:uFillTx/>
-              </a:rPr>
-              <a:t>Each iteration of MCTS proceeds in four states</a:t>
-            </a:r>
-            <a:endParaRPr lang="ko-KR" altLang="en-US" dirty="0">
-              <a:uFillTx/>
-            </a:endParaRPr>
-          </a:p>
-        </p:txBody>
-      </p:sp>
-      <p:pic>
-        <p:nvPicPr>
-          <p:cNvPr id="8" name="그림 7"/>
-          <p:cNvPicPr>
-            <a:picLocks noChangeAspect="1"/>
-          </p:cNvPicPr>
-          <p:nvPr/>
-        </p:nvPicPr>
-        <p:blipFill>
-          <a:blip r:embed="rId3"/>
-          <a:stretch>
-            <a:fillRect/>
-          </a:stretch>
-        </p:blipFill>
-        <p:spPr>
-          <a:xfrm>
-            <a:off x="2961066" y="3498160"/>
-            <a:ext cx="7522658" cy="3630180"/>
-          </a:xfrm>
-          <a:prstGeom prst="rect">
-            <a:avLst/>
-          </a:prstGeom>
-        </p:spPr>
-      </p:pic>
-    </p:spTree>
-  </p:cSld>
-  <p:clrMapOvr>
-    <a:masterClrMapping/>
-  </p:clrMapOvr>
-</p:sld>
-</file>
-
-<file path=ppt/slides/slide36.xml><?xml version="1.0" encoding="utf-8"?>
-<p:sld xmlns:a="http://schemas.openxmlformats.org/drawingml/2006/main" xmlns:r="http://schemas.openxmlformats.org/officeDocument/2006/relationships" xmlns:p="http://schemas.openxmlformats.org/presentationml/2006/main">
-  <p:cSld>
-    <p:spTree>
-      <p:nvGrpSpPr>
-        <p:cNvPr id="1" name=""/>
-        <p:cNvGrpSpPr/>
-        <p:nvPr/>
-      </p:nvGrpSpPr>
-      <p:grpSpPr>
-        <a:xfrm>
-          <a:off x="0" y="0"/>
-          <a:ext cx="0" cy="0"/>
-          <a:chOff x="0" y="0"/>
-          <a:chExt cx="0" cy="0"/>
-        </a:xfrm>
-      </p:grpSpPr>
-      <p:sp>
-        <p:nvSpPr>
-          <p:cNvPr id="40" name="object 40"/>
-          <p:cNvSpPr>
-            <a:spLocks/>
-          </p:cNvSpPr>
-          <p:nvPr/>
-        </p:nvSpPr>
-        <p:spPr>
-          <a:xfrm>
-            <a:off x="2149760" y="7206233"/>
-            <a:ext cx="9145270" cy="0"/>
-          </a:xfrm>
-          <a:custGeom>
-            <a:avLst/>
-            <a:gdLst/>
-            <a:ahLst/>
-            <a:cxnLst/>
-            <a:rect l="l" t="t" r="r" b="b"/>
-            <a:pathLst>
-              <a:path w="9145270">
-                <a:moveTo>
-                  <a:pt x="0" y="0"/>
-                </a:moveTo>
-                <a:lnTo>
-                  <a:pt x="9144647" y="0"/>
-                </a:lnTo>
-              </a:path>
-            </a:pathLst>
-          </a:custGeom>
-          <a:ln w="3175">
-            <a:solidFill>
-              <a:srgbClr val="B2B2B2"/>
-            </a:solidFill>
-          </a:ln>
-        </p:spPr>
-        <p:txBody>
-          <a:bodyPr wrap="square" lIns="0" tIns="0" rIns="0" bIns="0" rtlCol="0"/>
-          <a:lstStyle/>
-          <a:p>
-            <a:endParaRPr>
-              <a:uFillTx/>
-            </a:endParaRPr>
-          </a:p>
-        </p:txBody>
-      </p:sp>
-      <p:pic>
-        <p:nvPicPr>
-          <p:cNvPr id="45" name="그림 44"/>
-          <p:cNvPicPr>
-            <a:picLocks noChangeAspect="1"/>
-          </p:cNvPicPr>
-          <p:nvPr/>
-        </p:nvPicPr>
-        <p:blipFill>
-          <a:blip r:embed="rId2" cstate="print"/>
-          <a:stretch>
-            <a:fillRect/>
-          </a:stretch>
-        </p:blipFill>
-        <p:spPr>
-          <a:xfrm>
-            <a:off x="10761022" y="244603"/>
-            <a:ext cx="1126694" cy="796522"/>
-          </a:xfrm>
-          <a:prstGeom prst="rect">
-            <a:avLst/>
-          </a:prstGeom>
-        </p:spPr>
-      </p:pic>
-      <p:sp>
-        <p:nvSpPr>
-          <p:cNvPr id="7" name="TextBox 6"/>
-          <p:cNvSpPr txBox="1">
-            <a:spLocks/>
-          </p:cNvSpPr>
-          <p:nvPr/>
-        </p:nvSpPr>
-        <p:spPr>
-          <a:xfrm>
-            <a:off x="1694349" y="347272"/>
-            <a:ext cx="7161520" cy="369332"/>
-          </a:xfrm>
-          <a:prstGeom prst="rect">
-            <a:avLst/>
-          </a:prstGeom>
-          <a:noFill/>
-        </p:spPr>
-        <p:txBody>
-          <a:bodyPr wrap="square" rtlCol="0">
-            <a:spAutoFit/>
-          </a:bodyPr>
-          <a:lstStyle/>
-          <a:p>
-            <a:r>
-              <a:rPr lang="en-US" altLang="ko-KR" b="1" dirty="0">
-                <a:solidFill>
-                  <a:schemeClr val="tx2">
-                    <a:lumMod val="75000"/>
-                  </a:schemeClr>
-                </a:solidFill>
-                <a:uFillTx/>
-                <a:latin typeface="Tahoma" panose="020B0604030504040204" pitchFamily="34" charset="0"/>
-                <a:ea typeface="Tahoma" panose="020B0604030504040204" pitchFamily="34" charset="0"/>
-                <a:cs typeface="Tahoma" panose="020B0604030504040204" pitchFamily="34" charset="0"/>
-              </a:rPr>
-              <a:t>8.7 Monte Carlo Tree Search</a:t>
-            </a:r>
-          </a:p>
-        </p:txBody>
-      </p:sp>
-      <p:sp>
-        <p:nvSpPr>
-          <p:cNvPr id="2" name="TextBox 1"/>
-          <p:cNvSpPr txBox="1">
-            <a:spLocks/>
-          </p:cNvSpPr>
-          <p:nvPr/>
-        </p:nvSpPr>
-        <p:spPr>
-          <a:xfrm>
-            <a:off x="1922055" y="1041126"/>
-            <a:ext cx="9600681" cy="3416320"/>
-          </a:xfrm>
-          <a:prstGeom prst="rect">
-            <a:avLst/>
-          </a:prstGeom>
-          <a:noFill/>
-        </p:spPr>
-        <p:txBody>
-          <a:bodyPr wrap="square" rtlCol="0">
-            <a:spAutoFit/>
-          </a:bodyPr>
-          <a:lstStyle/>
-          <a:p>
-            <a:pPr marL="342919" indent="-342919">
-              <a:buAutoNum type="arabicPeriod"/>
-            </a:pPr>
-            <a:r>
-              <a:rPr lang="en-US" altLang="ko-KR" b="1" dirty="0">
-                <a:solidFill>
-                  <a:srgbClr val="00B0F0"/>
-                </a:solidFill>
-                <a:uFillTx/>
-              </a:rPr>
-              <a:t>Selection</a:t>
-            </a:r>
-            <a:r>
-              <a:rPr lang="en-US" altLang="ko-KR" dirty="0">
-                <a:uFillTx/>
-              </a:rPr>
-              <a:t>: a node in the current tree is selected by some informed means as the most promising node from which to explore further</a:t>
-            </a:r>
-          </a:p>
-          <a:p>
-            <a:pPr marL="342919" indent="-342919">
-              <a:buAutoNum type="arabicPeriod"/>
-            </a:pPr>
-            <a:r>
-              <a:rPr lang="en-US" altLang="ko-KR" b="1" dirty="0">
-                <a:solidFill>
-                  <a:srgbClr val="00B0F0"/>
-                </a:solidFill>
-                <a:uFillTx/>
-              </a:rPr>
-              <a:t>Expansion</a:t>
-            </a:r>
-            <a:r>
-              <a:rPr lang="en-US" altLang="ko-KR" dirty="0">
-                <a:uFillTx/>
-              </a:rPr>
-              <a:t>: the tree is expanded from the selected node by adding one or more nodes as its children. Each new child node is now a leaf node of the partial game tree, meaning that none of its possible moves have been visited yet in constructing the tree.</a:t>
-            </a:r>
-          </a:p>
-          <a:p>
-            <a:pPr marL="342919" indent="-342919">
-              <a:buAutoNum type="arabicPeriod"/>
-            </a:pPr>
-            <a:r>
-              <a:rPr lang="en-US" altLang="ko-KR" b="1" dirty="0">
-                <a:solidFill>
-                  <a:srgbClr val="00B0F0"/>
-                </a:solidFill>
-                <a:uFillTx/>
-              </a:rPr>
-              <a:t>Simulation</a:t>
-            </a:r>
-            <a:r>
-              <a:rPr lang="en-US" altLang="ko-KR" dirty="0">
-                <a:uFillTx/>
-              </a:rPr>
-              <a:t>: again directed by an informed means, one of these leaf nodes, or another node having an unvisited move, is selected as the start of a simulation, or rollout, of a complete game in which moves are selected by a rollout policy.</a:t>
-            </a:r>
-          </a:p>
-          <a:p>
-            <a:pPr marL="342919" indent="-342919">
-              <a:buAutoNum type="arabicPeriod"/>
-            </a:pPr>
-            <a:r>
-              <a:rPr lang="en-US" altLang="ko-KR" b="1" dirty="0">
-                <a:solidFill>
-                  <a:srgbClr val="00B0F0"/>
-                </a:solidFill>
-                <a:uFillTx/>
-              </a:rPr>
-              <a:t>Backpropagation</a:t>
-            </a:r>
-            <a:r>
-              <a:rPr lang="en-US" altLang="ko-KR" dirty="0">
-                <a:uFillTx/>
-              </a:rPr>
-              <a:t>: the result of the simulated game is backed up to update, or to initialize, statistics attached to the links in the partial game tree traversed in this MCTS iteration</a:t>
-            </a:r>
-            <a:br>
-              <a:rPr lang="en-US" altLang="ko-KR" dirty="0">
-                <a:uFillTx/>
-              </a:rPr>
-            </a:br>
-            <a:r>
-              <a:rPr lang="en-US" altLang="ko-KR" dirty="0">
-                <a:uFillTx/>
-              </a:rPr>
-              <a:t>No statistics are maintained for the links corresponding to states outside of the partial game tree that are visited in the simulation.</a:t>
-            </a:r>
-          </a:p>
-        </p:txBody>
-      </p:sp>
-      <p:pic>
-        <p:nvPicPr>
-          <p:cNvPr id="8" name="그림 7"/>
-          <p:cNvPicPr>
-            <a:picLocks noChangeAspect="1"/>
-          </p:cNvPicPr>
-          <p:nvPr/>
-        </p:nvPicPr>
-        <p:blipFill>
-          <a:blip r:embed="rId3"/>
-          <a:stretch>
-            <a:fillRect/>
-          </a:stretch>
-        </p:blipFill>
-        <p:spPr>
-          <a:xfrm>
-            <a:off x="3750594" y="4543425"/>
-            <a:ext cx="5943600" cy="2868180"/>
-          </a:xfrm>
-          <a:prstGeom prst="rect">
-            <a:avLst/>
-          </a:prstGeom>
-        </p:spPr>
-      </p:pic>
-    </p:spTree>
-  </p:cSld>
-  <p:clrMapOvr>
-    <a:masterClrMapping/>
-  </p:clrMapOvr>
-</p:sld>
-</file>
-
-<file path=ppt/slides/slide37.xml><?xml version="1.0" encoding="utf-8"?>
-<p:sld xmlns:a="http://schemas.openxmlformats.org/drawingml/2006/main" xmlns:r="http://schemas.openxmlformats.org/officeDocument/2006/relationships" xmlns:p="http://schemas.openxmlformats.org/presentationml/2006/main">
-  <p:cSld>
-    <p:spTree>
-      <p:nvGrpSpPr>
-        <p:cNvPr id="1" name=""/>
-        <p:cNvGrpSpPr/>
-        <p:nvPr/>
-      </p:nvGrpSpPr>
-      <p:grpSpPr>
-        <a:xfrm>
-          <a:off x="0" y="0"/>
-          <a:ext cx="0" cy="0"/>
-          <a:chOff x="0" y="0"/>
-          <a:chExt cx="0" cy="0"/>
-        </a:xfrm>
-      </p:grpSpPr>
-      <p:sp>
-        <p:nvSpPr>
-          <p:cNvPr id="40" name="object 40"/>
-          <p:cNvSpPr>
-            <a:spLocks/>
-          </p:cNvSpPr>
-          <p:nvPr/>
-        </p:nvSpPr>
-        <p:spPr>
-          <a:xfrm>
-            <a:off x="2149760" y="7206233"/>
-            <a:ext cx="9145270" cy="0"/>
-          </a:xfrm>
-          <a:custGeom>
-            <a:avLst/>
-            <a:gdLst/>
-            <a:ahLst/>
-            <a:cxnLst/>
-            <a:rect l="l" t="t" r="r" b="b"/>
-            <a:pathLst>
-              <a:path w="9145270">
-                <a:moveTo>
-                  <a:pt x="0" y="0"/>
-                </a:moveTo>
-                <a:lnTo>
-                  <a:pt x="9144647" y="0"/>
-                </a:lnTo>
-              </a:path>
-            </a:pathLst>
-          </a:custGeom>
-          <a:ln w="3175">
-            <a:solidFill>
-              <a:srgbClr val="B2B2B2"/>
-            </a:solidFill>
-          </a:ln>
-        </p:spPr>
-        <p:txBody>
-          <a:bodyPr wrap="square" lIns="0" tIns="0" rIns="0" bIns="0" rtlCol="0"/>
-          <a:lstStyle/>
-          <a:p>
-            <a:endParaRPr>
-              <a:uFillTx/>
-            </a:endParaRPr>
-          </a:p>
-        </p:txBody>
-      </p:sp>
-      <p:pic>
-        <p:nvPicPr>
-          <p:cNvPr id="45" name="그림 44"/>
-          <p:cNvPicPr>
-            <a:picLocks noChangeAspect="1"/>
-          </p:cNvPicPr>
-          <p:nvPr/>
-        </p:nvPicPr>
-        <p:blipFill>
-          <a:blip r:embed="rId2" cstate="print"/>
-          <a:stretch>
-            <a:fillRect/>
-          </a:stretch>
-        </p:blipFill>
-        <p:spPr>
-          <a:xfrm>
-            <a:off x="10761022" y="244603"/>
-            <a:ext cx="1126694" cy="796522"/>
-          </a:xfrm>
-          <a:prstGeom prst="rect">
-            <a:avLst/>
-          </a:prstGeom>
-        </p:spPr>
-      </p:pic>
-      <p:sp>
-        <p:nvSpPr>
-          <p:cNvPr id="6" name="TextBox 5"/>
-          <p:cNvSpPr txBox="1">
-            <a:spLocks/>
-          </p:cNvSpPr>
-          <p:nvPr/>
-        </p:nvSpPr>
-        <p:spPr>
-          <a:xfrm>
-            <a:off x="1694349" y="347272"/>
-            <a:ext cx="7161520" cy="369332"/>
-          </a:xfrm>
-          <a:prstGeom prst="rect">
-            <a:avLst/>
-          </a:prstGeom>
-          <a:noFill/>
-        </p:spPr>
-        <p:txBody>
-          <a:bodyPr wrap="square" rtlCol="0">
-            <a:spAutoFit/>
-          </a:bodyPr>
-          <a:lstStyle/>
-          <a:p>
-            <a:r>
-              <a:rPr lang="en-US" altLang="ko-KR" b="1" dirty="0">
-                <a:solidFill>
-                  <a:schemeClr val="tx2">
-                    <a:lumMod val="75000"/>
-                  </a:schemeClr>
-                </a:solidFill>
-                <a:uFillTx/>
-                <a:latin typeface="Tahoma" panose="020B0604030504040204" pitchFamily="34" charset="0"/>
-                <a:ea typeface="Tahoma" panose="020B0604030504040204" pitchFamily="34" charset="0"/>
-                <a:cs typeface="Tahoma" panose="020B0604030504040204" pitchFamily="34" charset="0"/>
-              </a:rPr>
-              <a:t>8.7 Monte Carlo Tree Search</a:t>
-            </a:r>
-          </a:p>
-        </p:txBody>
-      </p:sp>
-      <p:sp>
-        <p:nvSpPr>
-          <p:cNvPr id="3" name="TextBox 2"/>
-          <p:cNvSpPr txBox="1">
-            <a:spLocks/>
-          </p:cNvSpPr>
-          <p:nvPr/>
-        </p:nvSpPr>
-        <p:spPr>
-          <a:xfrm>
-            <a:off x="2531271" y="1190626"/>
-            <a:ext cx="8229753" cy="2585323"/>
-          </a:xfrm>
-          <a:prstGeom prst="rect">
-            <a:avLst/>
-          </a:prstGeom>
-          <a:noFill/>
-        </p:spPr>
-        <p:txBody>
-          <a:bodyPr wrap="square" rtlCol="0">
-            <a:spAutoFit/>
-          </a:bodyPr>
-          <a:lstStyle/>
-          <a:p>
-            <a:r>
-              <a:rPr lang="en-US" altLang="ko-KR" dirty="0">
-                <a:uFillTx/>
-              </a:rPr>
-              <a:t>MCTS continues this process until no more time is left, or some other computational resource is exhausted.</a:t>
-            </a:r>
-          </a:p>
-          <a:p>
-            <a:endParaRPr lang="en-US" altLang="ko-KR" dirty="0">
-              <a:uFillTx/>
-            </a:endParaRPr>
-          </a:p>
-          <a:p>
-            <a:r>
-              <a:rPr lang="en-US" altLang="ko-KR" dirty="0">
-                <a:uFillTx/>
-              </a:rPr>
-              <a:t>Then, finally, a move from the root node is selected according to some mechanism that depends on the accumulated statistics in the partial game tree.</a:t>
-            </a:r>
-          </a:p>
-          <a:p>
-            <a:endParaRPr lang="en-US" altLang="ko-KR" dirty="0">
-              <a:uFillTx/>
-            </a:endParaRPr>
-          </a:p>
-          <a:p>
-            <a:r>
-              <a:rPr lang="en-US" altLang="ko-KR" dirty="0">
-                <a:uFillTx/>
-              </a:rPr>
-              <a:t>After the opponent’s move, MCTS is run again with new state and containing any descendants of this node from previous play.</a:t>
-            </a:r>
-          </a:p>
-          <a:p>
-            <a:r>
-              <a:rPr lang="en-US" altLang="ko-KR" dirty="0">
-                <a:uFillTx/>
-              </a:rPr>
-              <a:t>The remaining nodes are discarded.</a:t>
-            </a:r>
-            <a:endParaRPr lang="ko-KR" altLang="en-US" dirty="0">
               <a:uFillTx/>
             </a:endParaRPr>
           </a:p>
